--- a/fall2016/lectures/4-Ciphers.pptx
+++ b/fall2016/lectures/4-Ciphers.pptx
@@ -248,7 +248,7 @@
           <a:p>
             <a:fld id="{9870131A-9846-7D42-9078-5836BA2067C9}" type="datetimeFigureOut">
               <a:rPr lang="en-US" smtClean="0"/>
-              <a:t>9/18/16</a:t>
+              <a:t>9/19/16</a:t>
             </a:fld>
             <a:endParaRPr lang="en-US"/>
           </a:p>
@@ -7056,7 +7056,7 @@
           <a:p>
             <a:fld id="{62B18FAC-345F-B040-9DF7-375FB57F8B48}" type="datetimeFigureOut">
               <a:rPr lang="en-US" smtClean="0"/>
-              <a:t>9/18/16</a:t>
+              <a:t>9/19/16</a:t>
             </a:fld>
             <a:endParaRPr lang="en-US"/>
           </a:p>
@@ -7226,7 +7226,7 @@
           <a:p>
             <a:fld id="{62B18FAC-345F-B040-9DF7-375FB57F8B48}" type="datetimeFigureOut">
               <a:rPr lang="en-US" smtClean="0"/>
-              <a:t>9/18/16</a:t>
+              <a:t>9/19/16</a:t>
             </a:fld>
             <a:endParaRPr lang="en-US"/>
           </a:p>
@@ -7406,7 +7406,7 @@
           <a:p>
             <a:fld id="{62B18FAC-345F-B040-9DF7-375FB57F8B48}" type="datetimeFigureOut">
               <a:rPr lang="en-US" smtClean="0"/>
-              <a:t>9/18/16</a:t>
+              <a:t>9/19/16</a:t>
             </a:fld>
             <a:endParaRPr lang="en-US"/>
           </a:p>
@@ -7582,7 +7582,7 @@
             <a:fld id="{446FEFB0-7A1A-44E6-B9DF-D284AB76E538}" type="datetimeFigureOut">
               <a:rPr lang="en-US" smtClean="0"/>
               <a:pPr/>
-              <a:t>9/18/16</a:t>
+              <a:t>9/19/16</a:t>
             </a:fld>
             <a:endParaRPr lang="en-US"/>
           </a:p>
@@ -7766,7 +7766,7 @@
             <a:fld id="{446FEFB0-7A1A-44E6-B9DF-D284AB76E538}" type="datetimeFigureOut">
               <a:rPr lang="en-US" smtClean="0"/>
               <a:pPr/>
-              <a:t>9/18/16</a:t>
+              <a:t>9/19/16</a:t>
             </a:fld>
             <a:endParaRPr lang="en-US"/>
           </a:p>
@@ -7950,7 +7950,7 @@
             <a:fld id="{446FEFB0-7A1A-44E6-B9DF-D284AB76E538}" type="datetimeFigureOut">
               <a:rPr lang="en-US" smtClean="0"/>
               <a:pPr/>
-              <a:t>9/18/16</a:t>
+              <a:t>9/19/16</a:t>
             </a:fld>
             <a:endParaRPr lang="en-US"/>
           </a:p>
@@ -8134,7 +8134,7 @@
             <a:fld id="{446FEFB0-7A1A-44E6-B9DF-D284AB76E538}" type="datetimeFigureOut">
               <a:rPr lang="en-US" smtClean="0"/>
               <a:pPr/>
-              <a:t>9/18/16</a:t>
+              <a:t>9/19/16</a:t>
             </a:fld>
             <a:endParaRPr lang="en-US"/>
           </a:p>
@@ -8318,7 +8318,7 @@
             <a:fld id="{446FEFB0-7A1A-44E6-B9DF-D284AB76E538}" type="datetimeFigureOut">
               <a:rPr lang="en-US" smtClean="0"/>
               <a:pPr/>
-              <a:t>9/18/16</a:t>
+              <a:t>9/19/16</a:t>
             </a:fld>
             <a:endParaRPr lang="en-US"/>
           </a:p>
@@ -8502,7 +8502,7 @@
             <a:fld id="{446FEFB0-7A1A-44E6-B9DF-D284AB76E538}" type="datetimeFigureOut">
               <a:rPr lang="en-US" smtClean="0"/>
               <a:pPr/>
-              <a:t>9/18/16</a:t>
+              <a:t>9/19/16</a:t>
             </a:fld>
             <a:endParaRPr lang="en-US"/>
           </a:p>
@@ -8686,7 +8686,7 @@
             <a:fld id="{446FEFB0-7A1A-44E6-B9DF-D284AB76E538}" type="datetimeFigureOut">
               <a:rPr lang="en-US" smtClean="0"/>
               <a:pPr/>
-              <a:t>9/18/16</a:t>
+              <a:t>9/19/16</a:t>
             </a:fld>
             <a:endParaRPr lang="en-US"/>
           </a:p>
@@ -8870,7 +8870,7 @@
             <a:fld id="{446FEFB0-7A1A-44E6-B9DF-D284AB76E538}" type="datetimeFigureOut">
               <a:rPr lang="en-US" smtClean="0"/>
               <a:pPr/>
-              <a:t>9/18/16</a:t>
+              <a:t>9/19/16</a:t>
             </a:fld>
             <a:endParaRPr lang="en-US"/>
           </a:p>
@@ -9048,7 +9048,7 @@
           <a:p>
             <a:fld id="{62B18FAC-345F-B040-9DF7-375FB57F8B48}" type="datetimeFigureOut">
               <a:rPr lang="en-US" smtClean="0"/>
-              <a:t>9/18/16</a:t>
+              <a:t>9/19/16</a:t>
             </a:fld>
             <a:endParaRPr lang="en-US"/>
           </a:p>
@@ -9224,7 +9224,7 @@
             <a:fld id="{446FEFB0-7A1A-44E6-B9DF-D284AB76E538}" type="datetimeFigureOut">
               <a:rPr lang="en-US" smtClean="0"/>
               <a:pPr/>
-              <a:t>9/18/16</a:t>
+              <a:t>9/19/16</a:t>
             </a:fld>
             <a:endParaRPr lang="en-US"/>
           </a:p>
@@ -9408,7 +9408,7 @@
             <a:fld id="{446FEFB0-7A1A-44E6-B9DF-D284AB76E538}" type="datetimeFigureOut">
               <a:rPr lang="en-US" smtClean="0"/>
               <a:pPr/>
-              <a:t>9/18/16</a:t>
+              <a:t>9/19/16</a:t>
             </a:fld>
             <a:endParaRPr lang="en-US"/>
           </a:p>
@@ -9592,7 +9592,7 @@
             <a:fld id="{446FEFB0-7A1A-44E6-B9DF-D284AB76E538}" type="datetimeFigureOut">
               <a:rPr lang="en-US" smtClean="0"/>
               <a:pPr/>
-              <a:t>9/18/16</a:t>
+              <a:t>9/19/16</a:t>
             </a:fld>
             <a:endParaRPr lang="en-US"/>
           </a:p>
@@ -9776,7 +9776,7 @@
             <a:fld id="{446FEFB0-7A1A-44E6-B9DF-D284AB76E538}" type="datetimeFigureOut">
               <a:rPr lang="en-US" smtClean="0"/>
               <a:pPr/>
-              <a:t>9/18/16</a:t>
+              <a:t>9/19/16</a:t>
             </a:fld>
             <a:endParaRPr lang="en-US"/>
           </a:p>
@@ -9960,7 +9960,7 @@
             <a:fld id="{446FEFB0-7A1A-44E6-B9DF-D284AB76E538}" type="datetimeFigureOut">
               <a:rPr lang="en-US" smtClean="0"/>
               <a:pPr/>
-              <a:t>9/18/16</a:t>
+              <a:t>9/19/16</a:t>
             </a:fld>
             <a:endParaRPr lang="en-US"/>
           </a:p>
@@ -10144,7 +10144,7 @@
             <a:fld id="{446FEFB0-7A1A-44E6-B9DF-D284AB76E538}" type="datetimeFigureOut">
               <a:rPr lang="en-US" smtClean="0"/>
               <a:pPr/>
-              <a:t>9/18/16</a:t>
+              <a:t>9/19/16</a:t>
             </a:fld>
             <a:endParaRPr lang="en-US"/>
           </a:p>
@@ -10328,7 +10328,7 @@
             <a:fld id="{446FEFB0-7A1A-44E6-B9DF-D284AB76E538}" type="datetimeFigureOut">
               <a:rPr lang="en-US" smtClean="0"/>
               <a:pPr/>
-              <a:t>9/18/16</a:t>
+              <a:t>9/19/16</a:t>
             </a:fld>
             <a:endParaRPr lang="en-US"/>
           </a:p>
@@ -10512,7 +10512,7 @@
             <a:fld id="{446FEFB0-7A1A-44E6-B9DF-D284AB76E538}" type="datetimeFigureOut">
               <a:rPr lang="en-US" smtClean="0"/>
               <a:pPr/>
-              <a:t>9/18/16</a:t>
+              <a:t>9/19/16</a:t>
             </a:fld>
             <a:endParaRPr lang="en-US"/>
           </a:p>
@@ -10696,7 +10696,7 @@
             <a:fld id="{446FEFB0-7A1A-44E6-B9DF-D284AB76E538}" type="datetimeFigureOut">
               <a:rPr lang="en-US" smtClean="0"/>
               <a:pPr/>
-              <a:t>9/18/16</a:t>
+              <a:t>9/19/16</a:t>
             </a:fld>
             <a:endParaRPr lang="en-US"/>
           </a:p>
@@ -10880,7 +10880,7 @@
             <a:fld id="{446FEFB0-7A1A-44E6-B9DF-D284AB76E538}" type="datetimeFigureOut">
               <a:rPr lang="en-US" smtClean="0"/>
               <a:pPr/>
-              <a:t>9/18/16</a:t>
+              <a:t>9/19/16</a:t>
             </a:fld>
             <a:endParaRPr lang="en-US"/>
           </a:p>
@@ -11134,7 +11134,7 @@
           <a:p>
             <a:fld id="{62B18FAC-345F-B040-9DF7-375FB57F8B48}" type="datetimeFigureOut">
               <a:rPr lang="en-US" smtClean="0"/>
-              <a:t>9/18/16</a:t>
+              <a:t>9/19/16</a:t>
             </a:fld>
             <a:endParaRPr lang="en-US"/>
           </a:p>
@@ -11310,7 +11310,7 @@
             <a:fld id="{446FEFB0-7A1A-44E6-B9DF-D284AB76E538}" type="datetimeFigureOut">
               <a:rPr lang="en-US" smtClean="0"/>
               <a:pPr/>
-              <a:t>9/18/16</a:t>
+              <a:t>9/19/16</a:t>
             </a:fld>
             <a:endParaRPr lang="en-US"/>
           </a:p>
@@ -11606,7 +11606,7 @@
           <a:p>
             <a:fld id="{62B18FAC-345F-B040-9DF7-375FB57F8B48}" type="datetimeFigureOut">
               <a:rPr lang="en-US" smtClean="0"/>
-              <a:t>9/18/16</a:t>
+              <a:t>9/19/16</a:t>
             </a:fld>
             <a:endParaRPr lang="en-US"/>
           </a:p>
@@ -12028,7 +12028,7 @@
           <a:p>
             <a:fld id="{62B18FAC-345F-B040-9DF7-375FB57F8B48}" type="datetimeFigureOut">
               <a:rPr lang="en-US" smtClean="0"/>
-              <a:t>9/18/16</a:t>
+              <a:t>9/19/16</a:t>
             </a:fld>
             <a:endParaRPr lang="en-US"/>
           </a:p>
@@ -12146,7 +12146,7 @@
           <a:p>
             <a:fld id="{62B18FAC-345F-B040-9DF7-375FB57F8B48}" type="datetimeFigureOut">
               <a:rPr lang="en-US" smtClean="0"/>
-              <a:t>9/18/16</a:t>
+              <a:t>9/19/16</a:t>
             </a:fld>
             <a:endParaRPr lang="en-US"/>
           </a:p>
@@ -12241,7 +12241,7 @@
           <a:p>
             <a:fld id="{62B18FAC-345F-B040-9DF7-375FB57F8B48}" type="datetimeFigureOut">
               <a:rPr lang="en-US" smtClean="0"/>
-              <a:t>9/18/16</a:t>
+              <a:t>9/19/16</a:t>
             </a:fld>
             <a:endParaRPr lang="en-US"/>
           </a:p>
@@ -12518,7 +12518,7 @@
           <a:p>
             <a:fld id="{62B18FAC-345F-B040-9DF7-375FB57F8B48}" type="datetimeFigureOut">
               <a:rPr lang="en-US" smtClean="0"/>
-              <a:t>9/18/16</a:t>
+              <a:t>9/19/16</a:t>
             </a:fld>
             <a:endParaRPr lang="en-US"/>
           </a:p>
@@ -12771,7 +12771,7 @@
           <a:p>
             <a:fld id="{62B18FAC-345F-B040-9DF7-375FB57F8B48}" type="datetimeFigureOut">
               <a:rPr lang="en-US" smtClean="0"/>
-              <a:t>9/18/16</a:t>
+              <a:t>9/19/16</a:t>
             </a:fld>
             <a:endParaRPr lang="en-US"/>
           </a:p>
@@ -12984,7 +12984,7 @@
           <a:p>
             <a:fld id="{62B18FAC-345F-B040-9DF7-375FB57F8B48}" type="datetimeFigureOut">
               <a:rPr lang="en-US" smtClean="0"/>
-              <a:t>9/18/16</a:t>
+              <a:t>9/19/16</a:t>
             </a:fld>
             <a:endParaRPr lang="en-US"/>
           </a:p>
@@ -13576,11 +13576,11 @@
   <p:clrMapOvr>
     <a:masterClrMapping/>
   </p:clrMapOvr>
-  <mc:AlternateContent xmlns:mc="http://schemas.openxmlformats.org/markup-compatibility/2006">
-    <mc:Choice xmlns:p14="http://schemas.microsoft.com/office/powerpoint/2010/main" Requires="p14">
+  <mc:AlternateContent xmlns:mc="http://schemas.openxmlformats.org/markup-compatibility/2006" xmlns:p14="http://schemas.microsoft.com/office/powerpoint/2010/main">
+    <mc:Choice Requires="p14">
       <p:transition spd="slow" p14:dur="2000"/>
     </mc:Choice>
-    <mc:Fallback>
+    <mc:Fallback xmlns="">
       <p:transition xmlns:p14="http://schemas.microsoft.com/office/powerpoint/2010/main" spd="slow"/>
     </mc:Fallback>
   </mc:AlternateContent>
@@ -13856,11 +13856,11 @@
   <p:clrMapOvr>
     <a:masterClrMapping/>
   </p:clrMapOvr>
-  <mc:AlternateContent xmlns:mc="http://schemas.openxmlformats.org/markup-compatibility/2006">
-    <mc:Choice xmlns:p14="http://schemas.microsoft.com/office/powerpoint/2010/main" Requires="p14">
+  <mc:AlternateContent xmlns:mc="http://schemas.openxmlformats.org/markup-compatibility/2006" xmlns:p14="http://schemas.microsoft.com/office/powerpoint/2010/main">
+    <mc:Choice Requires="p14">
       <p:transition spd="slow" p14:dur="2000"/>
     </mc:Choice>
-    <mc:Fallback>
+    <mc:Fallback xmlns="">
       <p:transition xmlns:p14="http://schemas.microsoft.com/office/powerpoint/2010/main" spd="slow"/>
     </mc:Fallback>
   </mc:AlternateContent>
@@ -13969,11 +13969,11 @@
   <p:clrMapOvr>
     <a:masterClrMapping/>
   </p:clrMapOvr>
-  <mc:AlternateContent xmlns:mc="http://schemas.openxmlformats.org/markup-compatibility/2006">
-    <mc:Choice xmlns:p14="http://schemas.microsoft.com/office/powerpoint/2010/main" Requires="p14">
+  <mc:AlternateContent xmlns:mc="http://schemas.openxmlformats.org/markup-compatibility/2006" xmlns:p14="http://schemas.microsoft.com/office/powerpoint/2010/main">
+    <mc:Choice Requires="p14">
       <p:transition spd="slow" p14:dur="2000"/>
     </mc:Choice>
-    <mc:Fallback>
+    <mc:Fallback xmlns="">
       <p:transition xmlns:p14="http://schemas.microsoft.com/office/powerpoint/2010/main" spd="slow"/>
     </mc:Fallback>
   </mc:AlternateContent>
@@ -14373,11 +14373,11 @@
   <p:clrMapOvr>
     <a:masterClrMapping/>
   </p:clrMapOvr>
-  <mc:AlternateContent xmlns:mc="http://schemas.openxmlformats.org/markup-compatibility/2006">
-    <mc:Choice xmlns:p14="http://schemas.microsoft.com/office/powerpoint/2010/main" Requires="p14">
+  <mc:AlternateContent xmlns:mc="http://schemas.openxmlformats.org/markup-compatibility/2006" xmlns:p14="http://schemas.microsoft.com/office/powerpoint/2010/main">
+    <mc:Choice Requires="p14">
       <p:transition spd="slow" p14:dur="2000"/>
     </mc:Choice>
-    <mc:Fallback>
+    <mc:Fallback xmlns="">
       <p:transition xmlns:p14="http://schemas.microsoft.com/office/powerpoint/2010/main" spd="slow"/>
     </mc:Fallback>
   </mc:AlternateContent>
@@ -14549,11 +14549,11 @@
   <p:clrMapOvr>
     <a:masterClrMapping/>
   </p:clrMapOvr>
-  <mc:AlternateContent xmlns:mc="http://schemas.openxmlformats.org/markup-compatibility/2006">
-    <mc:Choice xmlns:p14="http://schemas.microsoft.com/office/powerpoint/2010/main" Requires="p14">
+  <mc:AlternateContent xmlns:mc="http://schemas.openxmlformats.org/markup-compatibility/2006" xmlns:p14="http://schemas.microsoft.com/office/powerpoint/2010/main">
+    <mc:Choice Requires="p14">
       <p:transition spd="slow" p14:dur="2000"/>
     </mc:Choice>
-    <mc:Fallback>
+    <mc:Fallback xmlns="">
       <p:transition xmlns:p14="http://schemas.microsoft.com/office/powerpoint/2010/main" spd="slow"/>
     </mc:Fallback>
   </mc:AlternateContent>
@@ -14658,11 +14658,11 @@
   <p:clrMapOvr>
     <a:masterClrMapping/>
   </p:clrMapOvr>
-  <mc:AlternateContent xmlns:mc="http://schemas.openxmlformats.org/markup-compatibility/2006">
-    <mc:Choice xmlns:p14="http://schemas.microsoft.com/office/powerpoint/2010/main" Requires="p14">
+  <mc:AlternateContent xmlns:mc="http://schemas.openxmlformats.org/markup-compatibility/2006" xmlns:p14="http://schemas.microsoft.com/office/powerpoint/2010/main">
+    <mc:Choice Requires="p14">
       <p:transition spd="slow" p14:dur="2000"/>
     </mc:Choice>
-    <mc:Fallback>
+    <mc:Fallback xmlns="">
       <p:transition xmlns:p14="http://schemas.microsoft.com/office/powerpoint/2010/main" spd="slow"/>
     </mc:Fallback>
   </mc:AlternateContent>
@@ -14808,11 +14808,11 @@
   <p:clrMapOvr>
     <a:masterClrMapping/>
   </p:clrMapOvr>
-  <mc:AlternateContent xmlns:mc="http://schemas.openxmlformats.org/markup-compatibility/2006">
-    <mc:Choice xmlns:p14="http://schemas.microsoft.com/office/powerpoint/2010/main" Requires="p14">
+  <mc:AlternateContent xmlns:mc="http://schemas.openxmlformats.org/markup-compatibility/2006" xmlns:p14="http://schemas.microsoft.com/office/powerpoint/2010/main">
+    <mc:Choice Requires="p14">
       <p:transition spd="slow" p14:dur="2000"/>
     </mc:Choice>
-    <mc:Fallback>
+    <mc:Fallback xmlns="">
       <p:transition xmlns:p14="http://schemas.microsoft.com/office/powerpoint/2010/main" spd="slow"/>
     </mc:Fallback>
   </mc:AlternateContent>
@@ -14967,11 +14967,11 @@
   <p:clrMapOvr>
     <a:masterClrMapping/>
   </p:clrMapOvr>
-  <mc:AlternateContent xmlns:mc="http://schemas.openxmlformats.org/markup-compatibility/2006">
-    <mc:Choice xmlns:p14="http://schemas.microsoft.com/office/powerpoint/2010/main" Requires="p14">
+  <mc:AlternateContent xmlns:mc="http://schemas.openxmlformats.org/markup-compatibility/2006" xmlns:p14="http://schemas.microsoft.com/office/powerpoint/2010/main">
+    <mc:Choice Requires="p14">
       <p:transition spd="slow" p14:dur="2000"/>
     </mc:Choice>
-    <mc:Fallback>
+    <mc:Fallback xmlns="">
       <p:transition xmlns:p14="http://schemas.microsoft.com/office/powerpoint/2010/main" spd="slow"/>
     </mc:Fallback>
   </mc:AlternateContent>
@@ -15315,11 +15315,11 @@
   <p:clrMapOvr>
     <a:masterClrMapping/>
   </p:clrMapOvr>
-  <mc:AlternateContent xmlns:mc="http://schemas.openxmlformats.org/markup-compatibility/2006">
-    <mc:Choice xmlns:p14="http://schemas.microsoft.com/office/powerpoint/2010/main" Requires="p14">
+  <mc:AlternateContent xmlns:mc="http://schemas.openxmlformats.org/markup-compatibility/2006" xmlns:p14="http://schemas.microsoft.com/office/powerpoint/2010/main">
+    <mc:Choice Requires="p14">
       <p:transition spd="slow" p14:dur="2000"/>
     </mc:Choice>
-    <mc:Fallback>
+    <mc:Fallback xmlns="">
       <p:transition xmlns:p14="http://schemas.microsoft.com/office/powerpoint/2010/main" spd="slow"/>
     </mc:Fallback>
   </mc:AlternateContent>
@@ -15644,11 +15644,11 @@
   <p:clrMapOvr>
     <a:masterClrMapping/>
   </p:clrMapOvr>
-  <mc:AlternateContent xmlns:mc="http://schemas.openxmlformats.org/markup-compatibility/2006">
-    <mc:Choice xmlns:p14="http://schemas.microsoft.com/office/powerpoint/2010/main" Requires="p14">
+  <mc:AlternateContent xmlns:mc="http://schemas.openxmlformats.org/markup-compatibility/2006" xmlns:p14="http://schemas.microsoft.com/office/powerpoint/2010/main">
+    <mc:Choice Requires="p14">
       <p:transition spd="slow" p14:dur="2000"/>
     </mc:Choice>
-    <mc:Fallback>
+    <mc:Fallback xmlns="">
       <p:transition xmlns:p14="http://schemas.microsoft.com/office/powerpoint/2010/main" spd="slow"/>
     </mc:Fallback>
   </mc:AlternateContent>
@@ -16769,11 +16769,11 @@
   <p:clrMapOvr>
     <a:masterClrMapping/>
   </p:clrMapOvr>
-  <mc:AlternateContent xmlns:mc="http://schemas.openxmlformats.org/markup-compatibility/2006">
-    <mc:Choice xmlns:p14="http://schemas.microsoft.com/office/powerpoint/2010/main" Requires="p14">
+  <mc:AlternateContent xmlns:mc="http://schemas.openxmlformats.org/markup-compatibility/2006" xmlns:p14="http://schemas.microsoft.com/office/powerpoint/2010/main">
+    <mc:Choice Requires="p14">
       <p:transition spd="slow" p14:dur="2000"/>
     </mc:Choice>
-    <mc:Fallback>
+    <mc:Fallback xmlns="">
       <p:transition xmlns:p14="http://schemas.microsoft.com/office/powerpoint/2010/main" spd="slow"/>
     </mc:Fallback>
   </mc:AlternateContent>
@@ -17586,11 +17586,11 @@
   <p:clrMapOvr>
     <a:masterClrMapping/>
   </p:clrMapOvr>
-  <mc:AlternateContent xmlns:mc="http://schemas.openxmlformats.org/markup-compatibility/2006">
-    <mc:Choice xmlns:p14="http://schemas.microsoft.com/office/powerpoint/2010/main" Requires="p14">
+  <mc:AlternateContent xmlns:mc="http://schemas.openxmlformats.org/markup-compatibility/2006" xmlns:p14="http://schemas.microsoft.com/office/powerpoint/2010/main">
+    <mc:Choice Requires="p14">
       <p:transition spd="slow" p14:dur="2000"/>
     </mc:Choice>
-    <mc:Fallback>
+    <mc:Fallback xmlns="">
       <p:transition xmlns:p14="http://schemas.microsoft.com/office/powerpoint/2010/main" spd="slow"/>
     </mc:Fallback>
   </mc:AlternateContent>
@@ -18150,11 +18150,11 @@
   <p:clrMapOvr>
     <a:masterClrMapping/>
   </p:clrMapOvr>
-  <mc:AlternateContent xmlns:mc="http://schemas.openxmlformats.org/markup-compatibility/2006">
-    <mc:Choice xmlns:p14="http://schemas.microsoft.com/office/powerpoint/2010/main" Requires="p14">
+  <mc:AlternateContent xmlns:mc="http://schemas.openxmlformats.org/markup-compatibility/2006" xmlns:p14="http://schemas.microsoft.com/office/powerpoint/2010/main">
+    <mc:Choice Requires="p14">
       <p:transition spd="slow" p14:dur="2000"/>
     </mc:Choice>
-    <mc:Fallback>
+    <mc:Fallback xmlns="">
       <p:transition xmlns:p14="http://schemas.microsoft.com/office/powerpoint/2010/main" spd="slow"/>
     </mc:Fallback>
   </mc:AlternateContent>
@@ -18496,11 +18496,11 @@
   <p:clrMapOvr>
     <a:masterClrMapping/>
   </p:clrMapOvr>
-  <mc:AlternateContent xmlns:mc="http://schemas.openxmlformats.org/markup-compatibility/2006">
-    <mc:Choice xmlns:p14="http://schemas.microsoft.com/office/powerpoint/2010/main" Requires="p14">
+  <mc:AlternateContent xmlns:mc="http://schemas.openxmlformats.org/markup-compatibility/2006" xmlns:p14="http://schemas.microsoft.com/office/powerpoint/2010/main">
+    <mc:Choice Requires="p14">
       <p:transition spd="slow" p14:dur="2000"/>
     </mc:Choice>
-    <mc:Fallback>
+    <mc:Fallback xmlns="">
       <p:transition xmlns:p14="http://schemas.microsoft.com/office/powerpoint/2010/main" spd="slow"/>
     </mc:Fallback>
   </mc:AlternateContent>
@@ -18652,11 +18652,11 @@
   <p:clrMapOvr>
     <a:masterClrMapping/>
   </p:clrMapOvr>
-  <mc:AlternateContent xmlns:mc="http://schemas.openxmlformats.org/markup-compatibility/2006">
-    <mc:Choice xmlns:p14="http://schemas.microsoft.com/office/powerpoint/2010/main" Requires="p14">
+  <mc:AlternateContent xmlns:mc="http://schemas.openxmlformats.org/markup-compatibility/2006" xmlns:p14="http://schemas.microsoft.com/office/powerpoint/2010/main">
+    <mc:Choice Requires="p14">
       <p:transition spd="slow" p14:dur="2000"/>
     </mc:Choice>
-    <mc:Fallback>
+    <mc:Fallback xmlns="">
       <p:transition xmlns:p14="http://schemas.microsoft.com/office/powerpoint/2010/main" spd="slow"/>
     </mc:Fallback>
   </mc:AlternateContent>
@@ -18794,11 +18794,11 @@
   <p:clrMapOvr>
     <a:masterClrMapping/>
   </p:clrMapOvr>
-  <mc:AlternateContent xmlns:mc="http://schemas.openxmlformats.org/markup-compatibility/2006">
-    <mc:Choice xmlns:p14="http://schemas.microsoft.com/office/powerpoint/2010/main" Requires="p14">
+  <mc:AlternateContent xmlns:mc="http://schemas.openxmlformats.org/markup-compatibility/2006" xmlns:p14="http://schemas.microsoft.com/office/powerpoint/2010/main">
+    <mc:Choice Requires="p14">
       <p:transition spd="slow" p14:dur="2000"/>
     </mc:Choice>
-    <mc:Fallback>
+    <mc:Fallback xmlns="">
       <p:transition xmlns:p14="http://schemas.microsoft.com/office/powerpoint/2010/main" spd="slow"/>
     </mc:Fallback>
   </mc:AlternateContent>
@@ -18926,11 +18926,11 @@
   <p:clrMapOvr>
     <a:masterClrMapping/>
   </p:clrMapOvr>
-  <mc:AlternateContent xmlns:mc="http://schemas.openxmlformats.org/markup-compatibility/2006">
-    <mc:Choice xmlns:p14="http://schemas.microsoft.com/office/powerpoint/2010/main" Requires="p14">
+  <mc:AlternateContent xmlns:mc="http://schemas.openxmlformats.org/markup-compatibility/2006" xmlns:p14="http://schemas.microsoft.com/office/powerpoint/2010/main">
+    <mc:Choice Requires="p14">
       <p:transition spd="slow" p14:dur="2000"/>
     </mc:Choice>
-    <mc:Fallback>
+    <mc:Fallback xmlns="">
       <p:transition xmlns:p14="http://schemas.microsoft.com/office/powerpoint/2010/main" spd="slow"/>
     </mc:Fallback>
   </mc:AlternateContent>
@@ -19058,11 +19058,11 @@
   <p:clrMapOvr>
     <a:masterClrMapping/>
   </p:clrMapOvr>
-  <mc:AlternateContent xmlns:mc="http://schemas.openxmlformats.org/markup-compatibility/2006">
-    <mc:Choice xmlns:p14="http://schemas.microsoft.com/office/powerpoint/2010/main" Requires="p14">
+  <mc:AlternateContent xmlns:mc="http://schemas.openxmlformats.org/markup-compatibility/2006" xmlns:p14="http://schemas.microsoft.com/office/powerpoint/2010/main">
+    <mc:Choice Requires="p14">
       <p:transition spd="slow" p14:dur="2000"/>
     </mc:Choice>
-    <mc:Fallback>
+    <mc:Fallback xmlns="">
       <p:transition xmlns:p14="http://schemas.microsoft.com/office/powerpoint/2010/main" spd="slow"/>
     </mc:Fallback>
   </mc:AlternateContent>
@@ -19232,11 +19232,11 @@
   <p:clrMapOvr>
     <a:masterClrMapping/>
   </p:clrMapOvr>
-  <mc:AlternateContent xmlns:mc="http://schemas.openxmlformats.org/markup-compatibility/2006">
-    <mc:Choice xmlns:p14="http://schemas.microsoft.com/office/powerpoint/2010/main" Requires="p14">
+  <mc:AlternateContent xmlns:mc="http://schemas.openxmlformats.org/markup-compatibility/2006" xmlns:p14="http://schemas.microsoft.com/office/powerpoint/2010/main">
+    <mc:Choice Requires="p14">
       <p:transition spd="slow" p14:dur="2000"/>
     </mc:Choice>
-    <mc:Fallback>
+    <mc:Fallback xmlns="">
       <p:transition xmlns:p14="http://schemas.microsoft.com/office/powerpoint/2010/main" spd="slow"/>
     </mc:Fallback>
   </mc:AlternateContent>
@@ -19569,11 +19569,11 @@
   <p:clrMapOvr>
     <a:masterClrMapping/>
   </p:clrMapOvr>
-  <mc:AlternateContent xmlns:mc="http://schemas.openxmlformats.org/markup-compatibility/2006">
-    <mc:Choice xmlns:p14="http://schemas.microsoft.com/office/powerpoint/2010/main" Requires="p14">
+  <mc:AlternateContent xmlns:mc="http://schemas.openxmlformats.org/markup-compatibility/2006" xmlns:p14="http://schemas.microsoft.com/office/powerpoint/2010/main">
+    <mc:Choice Requires="p14">
       <p:transition spd="slow" p14:dur="2000"/>
     </mc:Choice>
-    <mc:Fallback>
+    <mc:Fallback xmlns="">
       <p:transition xmlns:p14="http://schemas.microsoft.com/office/powerpoint/2010/main" spd="slow"/>
     </mc:Fallback>
   </mc:AlternateContent>
@@ -19731,11 +19731,11 @@
   <p:clrMapOvr>
     <a:masterClrMapping/>
   </p:clrMapOvr>
-  <mc:AlternateContent xmlns:mc="http://schemas.openxmlformats.org/markup-compatibility/2006">
-    <mc:Choice xmlns:p14="http://schemas.microsoft.com/office/powerpoint/2010/main" Requires="p14">
+  <mc:AlternateContent xmlns:mc="http://schemas.openxmlformats.org/markup-compatibility/2006" xmlns:p14="http://schemas.microsoft.com/office/powerpoint/2010/main">
+    <mc:Choice Requires="p14">
       <p:transition spd="slow" p14:dur="2000"/>
     </mc:Choice>
-    <mc:Fallback>
+    <mc:Fallback xmlns="">
       <p:transition xmlns:p14="http://schemas.microsoft.com/office/powerpoint/2010/main" spd="slow"/>
     </mc:Fallback>
   </mc:AlternateContent>
@@ -20264,11 +20264,11 @@
   <p:clrMapOvr>
     <a:masterClrMapping/>
   </p:clrMapOvr>
-  <mc:AlternateContent xmlns:mc="http://schemas.openxmlformats.org/markup-compatibility/2006">
-    <mc:Choice xmlns:p14="http://schemas.microsoft.com/office/powerpoint/2010/main" Requires="p14">
+  <mc:AlternateContent xmlns:mc="http://schemas.openxmlformats.org/markup-compatibility/2006" xmlns:p14="http://schemas.microsoft.com/office/powerpoint/2010/main">
+    <mc:Choice Requires="p14">
       <p:transition spd="slow" p14:dur="2000"/>
     </mc:Choice>
-    <mc:Fallback>
+    <mc:Fallback xmlns="">
       <p:transition xmlns:p14="http://schemas.microsoft.com/office/powerpoint/2010/main" spd="slow"/>
     </mc:Fallback>
   </mc:AlternateContent>
@@ -20663,11 +20663,11 @@
   <p:clrMapOvr>
     <a:masterClrMapping/>
   </p:clrMapOvr>
-  <mc:AlternateContent xmlns:mc="http://schemas.openxmlformats.org/markup-compatibility/2006">
-    <mc:Choice xmlns:p14="http://schemas.microsoft.com/office/powerpoint/2010/main" Requires="p14">
+  <mc:AlternateContent xmlns:mc="http://schemas.openxmlformats.org/markup-compatibility/2006" xmlns:p14="http://schemas.microsoft.com/office/powerpoint/2010/main">
+    <mc:Choice Requires="p14">
       <p:transition spd="slow" p14:dur="2000"/>
     </mc:Choice>
-    <mc:Fallback>
+    <mc:Fallback xmlns="">
       <p:transition xmlns:p14="http://schemas.microsoft.com/office/powerpoint/2010/main" spd="slow"/>
     </mc:Fallback>
   </mc:AlternateContent>
@@ -20864,11 +20864,11 @@
   <p:clrMapOvr>
     <a:masterClrMapping/>
   </p:clrMapOvr>
-  <mc:AlternateContent xmlns:mc="http://schemas.openxmlformats.org/markup-compatibility/2006">
-    <mc:Choice xmlns:p14="http://schemas.microsoft.com/office/powerpoint/2010/main" Requires="p14">
+  <mc:AlternateContent xmlns:mc="http://schemas.openxmlformats.org/markup-compatibility/2006" xmlns:p14="http://schemas.microsoft.com/office/powerpoint/2010/main">
+    <mc:Choice Requires="p14">
       <p:transition spd="slow" p14:dur="2000"/>
     </mc:Choice>
-    <mc:Fallback>
+    <mc:Fallback xmlns="">
       <p:transition xmlns:p14="http://schemas.microsoft.com/office/powerpoint/2010/main" spd="slow"/>
     </mc:Fallback>
   </mc:AlternateContent>
@@ -21378,11 +21378,11 @@
   <p:clrMapOvr>
     <a:masterClrMapping/>
   </p:clrMapOvr>
-  <mc:AlternateContent xmlns:mc="http://schemas.openxmlformats.org/markup-compatibility/2006">
-    <mc:Choice xmlns:p14="http://schemas.microsoft.com/office/powerpoint/2010/main" Requires="p14">
+  <mc:AlternateContent xmlns:mc="http://schemas.openxmlformats.org/markup-compatibility/2006" xmlns:p14="http://schemas.microsoft.com/office/powerpoint/2010/main">
+    <mc:Choice Requires="p14">
       <p:transition spd="slow" p14:dur="2000"/>
     </mc:Choice>
-    <mc:Fallback>
+    <mc:Fallback xmlns="">
       <p:transition xmlns:p14="http://schemas.microsoft.com/office/powerpoint/2010/main" spd="slow"/>
     </mc:Fallback>
   </mc:AlternateContent>
@@ -21588,11 +21588,11 @@
   <p:clrMapOvr>
     <a:masterClrMapping/>
   </p:clrMapOvr>
-  <mc:AlternateContent xmlns:mc="http://schemas.openxmlformats.org/markup-compatibility/2006">
-    <mc:Choice xmlns:p14="http://schemas.microsoft.com/office/powerpoint/2010/main" Requires="p14">
+  <mc:AlternateContent xmlns:mc="http://schemas.openxmlformats.org/markup-compatibility/2006" xmlns:p14="http://schemas.microsoft.com/office/powerpoint/2010/main">
+    <mc:Choice Requires="p14">
       <p:transition spd="slow" p14:dur="2000"/>
     </mc:Choice>
-    <mc:Fallback>
+    <mc:Fallback xmlns="">
       <p:transition xmlns:p14="http://schemas.microsoft.com/office/powerpoint/2010/main" spd="slow"/>
     </mc:Fallback>
   </mc:AlternateContent>
@@ -21926,11 +21926,11 @@
   <p:clrMapOvr>
     <a:masterClrMapping/>
   </p:clrMapOvr>
-  <mc:AlternateContent xmlns:mc="http://schemas.openxmlformats.org/markup-compatibility/2006">
-    <mc:Choice xmlns:p14="http://schemas.microsoft.com/office/powerpoint/2010/main" Requires="p14">
+  <mc:AlternateContent xmlns:mc="http://schemas.openxmlformats.org/markup-compatibility/2006" xmlns:p14="http://schemas.microsoft.com/office/powerpoint/2010/main">
+    <mc:Choice Requires="p14">
       <p:transition spd="slow" p14:dur="2000"/>
     </mc:Choice>
-    <mc:Fallback>
+    <mc:Fallback xmlns="">
       <p:transition xmlns:p14="http://schemas.microsoft.com/office/powerpoint/2010/main" spd="slow"/>
     </mc:Fallback>
   </mc:AlternateContent>
@@ -22096,11 +22096,11 @@
   <p:clrMapOvr>
     <a:masterClrMapping/>
   </p:clrMapOvr>
-  <mc:AlternateContent xmlns:mc="http://schemas.openxmlformats.org/markup-compatibility/2006">
-    <mc:Choice xmlns:p14="http://schemas.microsoft.com/office/powerpoint/2010/main" Requires="p14">
+  <mc:AlternateContent xmlns:mc="http://schemas.openxmlformats.org/markup-compatibility/2006" xmlns:p14="http://schemas.microsoft.com/office/powerpoint/2010/main">
+    <mc:Choice Requires="p14">
       <p:transition spd="slow" p14:dur="2000"/>
     </mc:Choice>
-    <mc:Fallback>
+    <mc:Fallback xmlns="">
       <p:transition xmlns:p14="http://schemas.microsoft.com/office/powerpoint/2010/main" spd="slow"/>
     </mc:Fallback>
   </mc:AlternateContent>
@@ -22404,11 +22404,11 @@
   <p:clrMapOvr>
     <a:masterClrMapping/>
   </p:clrMapOvr>
-  <mc:AlternateContent xmlns:mc="http://schemas.openxmlformats.org/markup-compatibility/2006">
-    <mc:Choice xmlns:p14="http://schemas.microsoft.com/office/powerpoint/2010/main" Requires="p14">
+  <mc:AlternateContent xmlns:mc="http://schemas.openxmlformats.org/markup-compatibility/2006" xmlns:p14="http://schemas.microsoft.com/office/powerpoint/2010/main">
+    <mc:Choice Requires="p14">
       <p:transition spd="slow" p14:dur="2000"/>
     </mc:Choice>
-    <mc:Fallback>
+    <mc:Fallback xmlns="">
       <p:transition xmlns:p14="http://schemas.microsoft.com/office/powerpoint/2010/main" spd="slow"/>
     </mc:Fallback>
   </mc:AlternateContent>
@@ -24114,11 +24114,11 @@
   <p:clrMapOvr>
     <a:masterClrMapping/>
   </p:clrMapOvr>
-  <mc:AlternateContent xmlns:mc="http://schemas.openxmlformats.org/markup-compatibility/2006">
-    <mc:Choice xmlns:p14="http://schemas.microsoft.com/office/powerpoint/2010/main" Requires="p14">
+  <mc:AlternateContent xmlns:mc="http://schemas.openxmlformats.org/markup-compatibility/2006" xmlns:p14="http://schemas.microsoft.com/office/powerpoint/2010/main">
+    <mc:Choice Requires="p14">
       <p:transition spd="slow" p14:dur="2000"/>
     </mc:Choice>
-    <mc:Fallback>
+    <mc:Fallback xmlns="">
       <p:transition xmlns:p14="http://schemas.microsoft.com/office/powerpoint/2010/main" spd="slow"/>
     </mc:Fallback>
   </mc:AlternateContent>
@@ -26526,11 +26526,11 @@
   <p:clrMapOvr>
     <a:masterClrMapping/>
   </p:clrMapOvr>
-  <mc:AlternateContent xmlns:mc="http://schemas.openxmlformats.org/markup-compatibility/2006">
-    <mc:Choice xmlns:p14="http://schemas.microsoft.com/office/powerpoint/2010/main" Requires="p14">
+  <mc:AlternateContent xmlns:mc="http://schemas.openxmlformats.org/markup-compatibility/2006" xmlns:p14="http://schemas.microsoft.com/office/powerpoint/2010/main">
+    <mc:Choice Requires="p14">
       <p:transition spd="slow" p14:dur="2000"/>
     </mc:Choice>
-    <mc:Fallback>
+    <mc:Fallback xmlns="">
       <p:transition xmlns:p14="http://schemas.microsoft.com/office/powerpoint/2010/main" spd="slow"/>
     </mc:Fallback>
   </mc:AlternateContent>
@@ -30990,11 +30990,11 @@
   <p:clrMapOvr>
     <a:masterClrMapping/>
   </p:clrMapOvr>
-  <mc:AlternateContent xmlns:mc="http://schemas.openxmlformats.org/markup-compatibility/2006">
-    <mc:Choice xmlns:p14="http://schemas.microsoft.com/office/powerpoint/2010/main" Requires="p14">
+  <mc:AlternateContent xmlns:mc="http://schemas.openxmlformats.org/markup-compatibility/2006" xmlns:p14="http://schemas.microsoft.com/office/powerpoint/2010/main">
+    <mc:Choice Requires="p14">
       <p:transition spd="slow" p14:dur="2000"/>
     </mc:Choice>
-    <mc:Fallback>
+    <mc:Fallback xmlns="">
       <p:transition xmlns:p14="http://schemas.microsoft.com/office/powerpoint/2010/main" spd="slow"/>
     </mc:Fallback>
   </mc:AlternateContent>
@@ -34356,11 +34356,11 @@
   <p:clrMapOvr>
     <a:masterClrMapping/>
   </p:clrMapOvr>
-  <mc:AlternateContent xmlns:mc="http://schemas.openxmlformats.org/markup-compatibility/2006">
-    <mc:Choice xmlns:p14="http://schemas.microsoft.com/office/powerpoint/2010/main" Requires="p14">
+  <mc:AlternateContent xmlns:mc="http://schemas.openxmlformats.org/markup-compatibility/2006" xmlns:p14="http://schemas.microsoft.com/office/powerpoint/2010/main">
+    <mc:Choice Requires="p14">
       <p:transition spd="slow" p14:dur="2000"/>
     </mc:Choice>
-    <mc:Fallback>
+    <mc:Fallback xmlns="">
       <p:transition xmlns:p14="http://schemas.microsoft.com/office/powerpoint/2010/main" spd="slow"/>
     </mc:Fallback>
   </mc:AlternateContent>
@@ -34868,11 +34868,11 @@
   <p:clrMapOvr>
     <a:masterClrMapping/>
   </p:clrMapOvr>
-  <mc:AlternateContent xmlns:mc="http://schemas.openxmlformats.org/markup-compatibility/2006">
-    <mc:Choice xmlns:p14="http://schemas.microsoft.com/office/powerpoint/2010/main" Requires="p14">
+  <mc:AlternateContent xmlns:mc="http://schemas.openxmlformats.org/markup-compatibility/2006" xmlns:p14="http://schemas.microsoft.com/office/powerpoint/2010/main">
+    <mc:Choice Requires="p14">
       <p:transition spd="slow" p14:dur="2000"/>
     </mc:Choice>
-    <mc:Fallback>
+    <mc:Fallback xmlns="">
       <p:transition xmlns:p14="http://schemas.microsoft.com/office/powerpoint/2010/main" spd="slow"/>
     </mc:Fallback>
   </mc:AlternateContent>
@@ -35450,11 +35450,11 @@
   <p:clrMapOvr>
     <a:masterClrMapping/>
   </p:clrMapOvr>
-  <mc:AlternateContent xmlns:mc="http://schemas.openxmlformats.org/markup-compatibility/2006">
-    <mc:Choice xmlns:p14="http://schemas.microsoft.com/office/powerpoint/2010/main" Requires="p14">
+  <mc:AlternateContent xmlns:mc="http://schemas.openxmlformats.org/markup-compatibility/2006" xmlns:p14="http://schemas.microsoft.com/office/powerpoint/2010/main">
+    <mc:Choice Requires="p14">
       <p:transition spd="slow" p14:dur="2000"/>
     </mc:Choice>
-    <mc:Fallback>
+    <mc:Fallback xmlns="">
       <p:transition xmlns:p14="http://schemas.microsoft.com/office/powerpoint/2010/main" spd="slow"/>
     </mc:Fallback>
   </mc:AlternateContent>
@@ -35905,11 +35905,11 @@
   <p:clrMapOvr>
     <a:masterClrMapping/>
   </p:clrMapOvr>
-  <mc:AlternateContent xmlns:mc="http://schemas.openxmlformats.org/markup-compatibility/2006">
-    <mc:Choice xmlns:p14="http://schemas.microsoft.com/office/powerpoint/2010/main" Requires="p14">
+  <mc:AlternateContent xmlns:mc="http://schemas.openxmlformats.org/markup-compatibility/2006" xmlns:p14="http://schemas.microsoft.com/office/powerpoint/2010/main">
+    <mc:Choice Requires="p14">
       <p:transition spd="slow" p14:dur="2000"/>
     </mc:Choice>
-    <mc:Fallback>
+    <mc:Fallback xmlns="">
       <p:transition xmlns:p14="http://schemas.microsoft.com/office/powerpoint/2010/main" spd="slow"/>
     </mc:Fallback>
   </mc:AlternateContent>

--- a/fall2016/lectures/4-Ciphers.pptx
+++ b/fall2016/lectures/4-Ciphers.pptx
@@ -251,7 +251,7 @@
           <a:p>
             <a:fld id="{09CB2C89-668B-584F-89CD-93298C1F09F0}" type="datetimeFigureOut">
               <a:rPr lang="en-US" smtClean="0"/>
-              <a:t>9/26/16</a:t>
+              <a:t>9/27/16</a:t>
             </a:fld>
             <a:endParaRPr lang="en-US"/>
           </a:p>
@@ -416,7 +416,7 @@
           <a:p>
             <a:fld id="{9870131A-9846-7D42-9078-5836BA2067C9}" type="datetimeFigureOut">
               <a:rPr lang="en-US" smtClean="0"/>
-              <a:t>9/26/16</a:t>
+              <a:t>9/27/16</a:t>
             </a:fld>
             <a:endParaRPr lang="en-US"/>
           </a:p>
@@ -10022,7 +10022,7 @@
           <a:p>
             <a:fld id="{62B18FAC-345F-B040-9DF7-375FB57F8B48}" type="datetimeFigureOut">
               <a:rPr lang="en-US" smtClean="0"/>
-              <a:t>9/26/16</a:t>
+              <a:t>9/27/16</a:t>
             </a:fld>
             <a:endParaRPr lang="en-US"/>
           </a:p>
@@ -10192,7 +10192,7 @@
           <a:p>
             <a:fld id="{62B18FAC-345F-B040-9DF7-375FB57F8B48}" type="datetimeFigureOut">
               <a:rPr lang="en-US" smtClean="0"/>
-              <a:t>9/26/16</a:t>
+              <a:t>9/27/16</a:t>
             </a:fld>
             <a:endParaRPr lang="en-US"/>
           </a:p>
@@ -10372,7 +10372,7 @@
           <a:p>
             <a:fld id="{62B18FAC-345F-B040-9DF7-375FB57F8B48}" type="datetimeFigureOut">
               <a:rPr lang="en-US" smtClean="0"/>
-              <a:t>9/26/16</a:t>
+              <a:t>9/27/16</a:t>
             </a:fld>
             <a:endParaRPr lang="en-US"/>
           </a:p>
@@ -10548,7 +10548,7 @@
             <a:fld id="{446FEFB0-7A1A-44E6-B9DF-D284AB76E538}" type="datetimeFigureOut">
               <a:rPr lang="en-US" smtClean="0"/>
               <a:pPr/>
-              <a:t>9/26/16</a:t>
+              <a:t>9/27/16</a:t>
             </a:fld>
             <a:endParaRPr lang="en-US"/>
           </a:p>
@@ -10732,7 +10732,7 @@
             <a:fld id="{446FEFB0-7A1A-44E6-B9DF-D284AB76E538}" type="datetimeFigureOut">
               <a:rPr lang="en-US" smtClean="0"/>
               <a:pPr/>
-              <a:t>9/26/16</a:t>
+              <a:t>9/27/16</a:t>
             </a:fld>
             <a:endParaRPr lang="en-US"/>
           </a:p>
@@ -10916,7 +10916,7 @@
             <a:fld id="{446FEFB0-7A1A-44E6-B9DF-D284AB76E538}" type="datetimeFigureOut">
               <a:rPr lang="en-US" smtClean="0"/>
               <a:pPr/>
-              <a:t>9/26/16</a:t>
+              <a:t>9/27/16</a:t>
             </a:fld>
             <a:endParaRPr lang="en-US"/>
           </a:p>
@@ -11100,7 +11100,7 @@
             <a:fld id="{446FEFB0-7A1A-44E6-B9DF-D284AB76E538}" type="datetimeFigureOut">
               <a:rPr lang="en-US" smtClean="0"/>
               <a:pPr/>
-              <a:t>9/26/16</a:t>
+              <a:t>9/27/16</a:t>
             </a:fld>
             <a:endParaRPr lang="en-US"/>
           </a:p>
@@ -11284,7 +11284,7 @@
             <a:fld id="{446FEFB0-7A1A-44E6-B9DF-D284AB76E538}" type="datetimeFigureOut">
               <a:rPr lang="en-US" smtClean="0"/>
               <a:pPr/>
-              <a:t>9/26/16</a:t>
+              <a:t>9/27/16</a:t>
             </a:fld>
             <a:endParaRPr lang="en-US"/>
           </a:p>
@@ -11468,7 +11468,7 @@
             <a:fld id="{446FEFB0-7A1A-44E6-B9DF-D284AB76E538}" type="datetimeFigureOut">
               <a:rPr lang="en-US" smtClean="0"/>
               <a:pPr/>
-              <a:t>9/26/16</a:t>
+              <a:t>9/27/16</a:t>
             </a:fld>
             <a:endParaRPr lang="en-US"/>
           </a:p>
@@ -11652,7 +11652,7 @@
             <a:fld id="{446FEFB0-7A1A-44E6-B9DF-D284AB76E538}" type="datetimeFigureOut">
               <a:rPr lang="en-US" smtClean="0"/>
               <a:pPr/>
-              <a:t>9/26/16</a:t>
+              <a:t>9/27/16</a:t>
             </a:fld>
             <a:endParaRPr lang="en-US"/>
           </a:p>
@@ -11836,7 +11836,7 @@
             <a:fld id="{446FEFB0-7A1A-44E6-B9DF-D284AB76E538}" type="datetimeFigureOut">
               <a:rPr lang="en-US" smtClean="0"/>
               <a:pPr/>
-              <a:t>9/26/16</a:t>
+              <a:t>9/27/16</a:t>
             </a:fld>
             <a:endParaRPr lang="en-US"/>
           </a:p>
@@ -12014,7 +12014,7 @@
           <a:p>
             <a:fld id="{62B18FAC-345F-B040-9DF7-375FB57F8B48}" type="datetimeFigureOut">
               <a:rPr lang="en-US" smtClean="0"/>
-              <a:t>9/26/16</a:t>
+              <a:t>9/27/16</a:t>
             </a:fld>
             <a:endParaRPr lang="en-US"/>
           </a:p>
@@ -12190,7 +12190,7 @@
             <a:fld id="{446FEFB0-7A1A-44E6-B9DF-D284AB76E538}" type="datetimeFigureOut">
               <a:rPr lang="en-US" smtClean="0"/>
               <a:pPr/>
-              <a:t>9/26/16</a:t>
+              <a:t>9/27/16</a:t>
             </a:fld>
             <a:endParaRPr lang="en-US"/>
           </a:p>
@@ -12374,7 +12374,7 @@
             <a:fld id="{446FEFB0-7A1A-44E6-B9DF-D284AB76E538}" type="datetimeFigureOut">
               <a:rPr lang="en-US" smtClean="0"/>
               <a:pPr/>
-              <a:t>9/26/16</a:t>
+              <a:t>9/27/16</a:t>
             </a:fld>
             <a:endParaRPr lang="en-US"/>
           </a:p>
@@ -12558,7 +12558,7 @@
             <a:fld id="{446FEFB0-7A1A-44E6-B9DF-D284AB76E538}" type="datetimeFigureOut">
               <a:rPr lang="en-US" smtClean="0"/>
               <a:pPr/>
-              <a:t>9/26/16</a:t>
+              <a:t>9/27/16</a:t>
             </a:fld>
             <a:endParaRPr lang="en-US"/>
           </a:p>
@@ -12742,7 +12742,7 @@
             <a:fld id="{446FEFB0-7A1A-44E6-B9DF-D284AB76E538}" type="datetimeFigureOut">
               <a:rPr lang="en-US" smtClean="0"/>
               <a:pPr/>
-              <a:t>9/26/16</a:t>
+              <a:t>9/27/16</a:t>
             </a:fld>
             <a:endParaRPr lang="en-US"/>
           </a:p>
@@ -12926,7 +12926,7 @@
             <a:fld id="{446FEFB0-7A1A-44E6-B9DF-D284AB76E538}" type="datetimeFigureOut">
               <a:rPr lang="en-US" smtClean="0"/>
               <a:pPr/>
-              <a:t>9/26/16</a:t>
+              <a:t>9/27/16</a:t>
             </a:fld>
             <a:endParaRPr lang="en-US"/>
           </a:p>
@@ -13110,7 +13110,7 @@
             <a:fld id="{446FEFB0-7A1A-44E6-B9DF-D284AB76E538}" type="datetimeFigureOut">
               <a:rPr lang="en-US" smtClean="0"/>
               <a:pPr/>
-              <a:t>9/26/16</a:t>
+              <a:t>9/27/16</a:t>
             </a:fld>
             <a:endParaRPr lang="en-US"/>
           </a:p>
@@ -13294,7 +13294,7 @@
             <a:fld id="{446FEFB0-7A1A-44E6-B9DF-D284AB76E538}" type="datetimeFigureOut">
               <a:rPr lang="en-US" smtClean="0"/>
               <a:pPr/>
-              <a:t>9/26/16</a:t>
+              <a:t>9/27/16</a:t>
             </a:fld>
             <a:endParaRPr lang="en-US"/>
           </a:p>
@@ -13478,7 +13478,7 @@
             <a:fld id="{446FEFB0-7A1A-44E6-B9DF-D284AB76E538}" type="datetimeFigureOut">
               <a:rPr lang="en-US" smtClean="0"/>
               <a:pPr/>
-              <a:t>9/26/16</a:t>
+              <a:t>9/27/16</a:t>
             </a:fld>
             <a:endParaRPr lang="en-US"/>
           </a:p>
@@ -13662,7 +13662,7 @@
             <a:fld id="{446FEFB0-7A1A-44E6-B9DF-D284AB76E538}" type="datetimeFigureOut">
               <a:rPr lang="en-US" smtClean="0"/>
               <a:pPr/>
-              <a:t>9/26/16</a:t>
+              <a:t>9/27/16</a:t>
             </a:fld>
             <a:endParaRPr lang="en-US"/>
           </a:p>
@@ -13846,7 +13846,7 @@
             <a:fld id="{446FEFB0-7A1A-44E6-B9DF-D284AB76E538}" type="datetimeFigureOut">
               <a:rPr lang="en-US" smtClean="0"/>
               <a:pPr/>
-              <a:t>9/26/16</a:t>
+              <a:t>9/27/16</a:t>
             </a:fld>
             <a:endParaRPr lang="en-US"/>
           </a:p>
@@ -14100,7 +14100,7 @@
           <a:p>
             <a:fld id="{62B18FAC-345F-B040-9DF7-375FB57F8B48}" type="datetimeFigureOut">
               <a:rPr lang="en-US" smtClean="0"/>
-              <a:t>9/26/16</a:t>
+              <a:t>9/27/16</a:t>
             </a:fld>
             <a:endParaRPr lang="en-US"/>
           </a:p>
@@ -14388,7 +14388,7 @@
           <a:p>
             <a:fld id="{62B18FAC-345F-B040-9DF7-375FB57F8B48}" type="datetimeFigureOut">
               <a:rPr lang="en-US" smtClean="0"/>
-              <a:t>9/26/16</a:t>
+              <a:t>9/27/16</a:t>
             </a:fld>
             <a:endParaRPr lang="en-US"/>
           </a:p>
@@ -14810,7 +14810,7 @@
           <a:p>
             <a:fld id="{62B18FAC-345F-B040-9DF7-375FB57F8B48}" type="datetimeFigureOut">
               <a:rPr lang="en-US" smtClean="0"/>
-              <a:t>9/26/16</a:t>
+              <a:t>9/27/16</a:t>
             </a:fld>
             <a:endParaRPr lang="en-US"/>
           </a:p>
@@ -14928,7 +14928,7 @@
           <a:p>
             <a:fld id="{62B18FAC-345F-B040-9DF7-375FB57F8B48}" type="datetimeFigureOut">
               <a:rPr lang="en-US" smtClean="0"/>
-              <a:t>9/26/16</a:t>
+              <a:t>9/27/16</a:t>
             </a:fld>
             <a:endParaRPr lang="en-US"/>
           </a:p>
@@ -15023,7 +15023,7 @@
           <a:p>
             <a:fld id="{62B18FAC-345F-B040-9DF7-375FB57F8B48}" type="datetimeFigureOut">
               <a:rPr lang="en-US" smtClean="0"/>
-              <a:t>9/26/16</a:t>
+              <a:t>9/27/16</a:t>
             </a:fld>
             <a:endParaRPr lang="en-US"/>
           </a:p>
@@ -15300,7 +15300,7 @@
           <a:p>
             <a:fld id="{62B18FAC-345F-B040-9DF7-375FB57F8B48}" type="datetimeFigureOut">
               <a:rPr lang="en-US" smtClean="0"/>
-              <a:t>9/26/16</a:t>
+              <a:t>9/27/16</a:t>
             </a:fld>
             <a:endParaRPr lang="en-US"/>
           </a:p>
@@ -15553,7 +15553,7 @@
           <a:p>
             <a:fld id="{62B18FAC-345F-B040-9DF7-375FB57F8B48}" type="datetimeFigureOut">
               <a:rPr lang="en-US" smtClean="0"/>
-              <a:t>9/26/16</a:t>
+              <a:t>9/27/16</a:t>
             </a:fld>
             <a:endParaRPr lang="en-US"/>
           </a:p>
@@ -15766,7 +15766,7 @@
           <a:p>
             <a:fld id="{62B18FAC-345F-B040-9DF7-375FB57F8B48}" type="datetimeFigureOut">
               <a:rPr lang="en-US" smtClean="0"/>
-              <a:t>9/26/16</a:t>
+              <a:t>9/27/16</a:t>
             </a:fld>
             <a:endParaRPr lang="en-US"/>
           </a:p>
@@ -16178,7 +16178,22 @@
           <a:p>
             <a:r>
               <a:rPr lang="en-US" dirty="0" smtClean="0"/>
-              <a:t>Stream and Block Ciphers</a:t>
+              <a:t>Symmetric </a:t>
+            </a:r>
+            <a:r>
+              <a:rPr lang="en-US" smtClean="0"/>
+              <a:t>Cryptography:</a:t>
+            </a:r>
+            <a:br>
+              <a:rPr lang="en-US" smtClean="0"/>
+            </a:br>
+            <a:r>
+              <a:rPr lang="en-US" smtClean="0"/>
+              <a:t>Stream </a:t>
+            </a:r>
+            <a:r>
+              <a:rPr lang="en-US" dirty="0" smtClean="0"/>
+              <a:t>and Block Ciphers</a:t>
             </a:r>
             <a:br>
               <a:rPr lang="en-US" dirty="0" smtClean="0"/>

--- a/fall2016/lectures/4-Ciphers.pptx
+++ b/fall2016/lectures/4-Ciphers.pptx
@@ -5,10 +5,10 @@
     <p:sldMasterId id="2147483648" r:id="rId1"/>
   </p:sldMasterIdLst>
   <p:notesMasterIdLst>
-    <p:notesMasterId r:id="rId59"/>
+    <p:notesMasterId r:id="rId63"/>
   </p:notesMasterIdLst>
   <p:handoutMasterIdLst>
-    <p:handoutMasterId r:id="rId60"/>
+    <p:handoutMasterId r:id="rId64"/>
   </p:handoutMasterIdLst>
   <p:sldIdLst>
     <p:sldId id="277" r:id="rId2"/>
@@ -55,19 +55,23 @@
     <p:sldId id="306" r:id="rId43"/>
     <p:sldId id="307" r:id="rId44"/>
     <p:sldId id="308" r:id="rId45"/>
-    <p:sldId id="334" r:id="rId46"/>
-    <p:sldId id="309" r:id="rId47"/>
-    <p:sldId id="327" r:id="rId48"/>
-    <p:sldId id="310" r:id="rId49"/>
-    <p:sldId id="311" r:id="rId50"/>
-    <p:sldId id="330" r:id="rId51"/>
-    <p:sldId id="312" r:id="rId52"/>
-    <p:sldId id="332" r:id="rId53"/>
-    <p:sldId id="328" r:id="rId54"/>
-    <p:sldId id="313" r:id="rId55"/>
-    <p:sldId id="269" r:id="rId56"/>
-    <p:sldId id="274" r:id="rId57"/>
-    <p:sldId id="275" r:id="rId58"/>
+    <p:sldId id="350" r:id="rId46"/>
+    <p:sldId id="334" r:id="rId47"/>
+    <p:sldId id="309" r:id="rId48"/>
+    <p:sldId id="351" r:id="rId49"/>
+    <p:sldId id="327" r:id="rId50"/>
+    <p:sldId id="310" r:id="rId51"/>
+    <p:sldId id="311" r:id="rId52"/>
+    <p:sldId id="330" r:id="rId53"/>
+    <p:sldId id="312" r:id="rId54"/>
+    <p:sldId id="352" r:id="rId55"/>
+    <p:sldId id="353" r:id="rId56"/>
+    <p:sldId id="332" r:id="rId57"/>
+    <p:sldId id="328" r:id="rId58"/>
+    <p:sldId id="313" r:id="rId59"/>
+    <p:sldId id="269" r:id="rId60"/>
+    <p:sldId id="274" r:id="rId61"/>
+    <p:sldId id="275" r:id="rId62"/>
   </p:sldIdLst>
   <p:sldSz cx="9144000" cy="6858000" type="screen4x3"/>
   <p:notesSz cx="6858000" cy="9144000"/>
@@ -251,7 +255,7 @@
           <a:p>
             <a:fld id="{09CB2C89-668B-584F-89CD-93298C1F09F0}" type="datetimeFigureOut">
               <a:rPr lang="en-US" smtClean="0"/>
-              <a:t>9/27/16</a:t>
+              <a:t>9/28/16</a:t>
             </a:fld>
             <a:endParaRPr lang="en-US"/>
           </a:p>
@@ -416,7 +420,7 @@
           <a:p>
             <a:fld id="{9870131A-9846-7D42-9078-5836BA2067C9}" type="datetimeFigureOut">
               <a:rPr lang="en-US" smtClean="0"/>
-              <a:t>9/27/16</a:t>
+              <a:t>9/28/16</a:t>
             </a:fld>
             <a:endParaRPr lang="en-US"/>
           </a:p>
@@ -8148,7 +8152,33 @@
             </a:br>
             <a:r>
               <a:rPr lang="en-US" dirty="0" smtClean="0"/>
-              <a:t>Otherwise might be tricked into interpreting end of message as padding</a:t>
+              <a:t>Otherwise might be tricked into interpreting end of message as </a:t>
+            </a:r>
+            <a:r>
+              <a:rPr lang="en-US" dirty="0" smtClean="0"/>
+              <a:t>padding.</a:t>
+            </a:r>
+          </a:p>
+          <a:p>
+            <a:endParaRPr lang="en-US" dirty="0" smtClean="0"/>
+          </a:p>
+          <a:p>
+            <a:r>
+              <a:rPr lang="en-US" dirty="0" smtClean="0"/>
+              <a:t>What if</a:t>
+            </a:r>
+            <a:r>
+              <a:rPr lang="en-US" baseline="0" dirty="0" smtClean="0"/>
+              <a:t> we just pad with zeroes?  This is not reversible, as p and p||0 have the same padded form.</a:t>
+            </a:r>
+          </a:p>
+          <a:p>
+            <a:endParaRPr lang="en-US" baseline="0" dirty="0" smtClean="0"/>
+          </a:p>
+          <a:p>
+            <a:r>
+              <a:rPr lang="en-US" baseline="0" dirty="0" smtClean="0"/>
+              <a:t>In practice, all padding rules add a minimum of one byte to the plaintext.</a:t>
             </a:r>
             <a:endParaRPr lang="en-US" dirty="0"/>
           </a:p>
@@ -8172,7 +8202,7 @@
             <a:fld id="{80EF120E-EEF2-4965-96F5-DE3864F37C1E}" type="slidenum">
               <a:rPr lang="en-US" smtClean="0"/>
               <a:pPr/>
-              <a:t>45</a:t>
+              <a:t>46</a:t>
             </a:fld>
             <a:endParaRPr lang="en-US" dirty="0"/>
           </a:p>
@@ -8257,7 +8287,7 @@
             <a:fld id="{94566334-40D3-444A-87CD-672C33ED3DCC}" type="slidenum">
               <a:rPr lang="en-US" smtClean="0"/>
               <a:pPr/>
-              <a:t>46</a:t>
+              <a:t>47</a:t>
             </a:fld>
             <a:endParaRPr lang="en-US"/>
           </a:p>
@@ -8362,16 +8392,39 @@
             </a:r>
           </a:p>
           <a:p>
-            <a:pPr lvl="1">
-              <a:buNone/>
+            <a:pPr marL="628650" lvl="1" indent="-171450">
+              <a:buFontTx/>
+              <a:buChar char="-"/>
             </a:pPr>
-            <a:r>
-              <a:rPr lang="en-US" dirty="0" smtClean="0"/>
-              <a:t>- </a:t>
-            </a:r>
             <a:r>
               <a:rPr lang="en-US" dirty="0" err="1" smtClean="0"/>
               <a:t>Rearrangeable</a:t>
+            </a:r>
+            <a:endParaRPr lang="en-US" dirty="0" smtClean="0"/>
+          </a:p>
+          <a:p>
+            <a:pPr marL="628650" lvl="1" indent="-171450">
+              <a:buFontTx/>
+              <a:buChar char="-"/>
+            </a:pPr>
+            <a:endParaRPr lang="en-US" dirty="0" smtClean="0"/>
+          </a:p>
+          <a:p>
+            <a:pPr marL="628650" lvl="1" indent="-171450">
+              <a:buFontTx/>
+              <a:buChar char="-"/>
+            </a:pPr>
+            <a:r>
+              <a:rPr lang="en-US" dirty="0" smtClean="0"/>
+              <a:t>If two plaintext blocks are the same, then the corresponding </a:t>
+            </a:r>
+            <a:r>
+              <a:rPr lang="en-US" dirty="0" err="1" smtClean="0"/>
+              <a:t>ciphertext</a:t>
+            </a:r>
+            <a:r>
+              <a:rPr lang="en-US" baseline="0" dirty="0" smtClean="0"/>
+              <a:t> blocks will be identical.  Leaks a lot of information to the attacker!</a:t>
             </a:r>
             <a:endParaRPr lang="en-US" dirty="0" smtClean="0"/>
           </a:p>
@@ -8401,7 +8454,7 @@
             <a:fld id="{80EF120E-EEF2-4965-96F5-DE3864F37C1E}" type="slidenum">
               <a:rPr lang="en-US" smtClean="0"/>
               <a:pPr/>
-              <a:t>47</a:t>
+              <a:t>49</a:t>
             </a:fld>
             <a:endParaRPr lang="en-US" dirty="0"/>
           </a:p>
@@ -8498,7 +8551,7 @@
             <a:fld id="{94566334-40D3-444A-87CD-672C33ED3DCC}" type="slidenum">
               <a:rPr lang="en-US" smtClean="0"/>
               <a:pPr/>
-              <a:t>48</a:t>
+              <a:t>50</a:t>
             </a:fld>
             <a:endParaRPr lang="en-US"/>
           </a:p>
@@ -8605,7 +8658,7 @@
             <a:fld id="{94566334-40D3-444A-87CD-672C33ED3DCC}" type="slidenum">
               <a:rPr lang="en-US" smtClean="0"/>
               <a:pPr/>
-              <a:t>49</a:t>
+              <a:t>51</a:t>
             </a:fld>
             <a:endParaRPr lang="en-US"/>
           </a:p>
@@ -8715,7 +8768,7 @@
             <a:fld id="{80EF120E-EEF2-4965-96F5-DE3864F37C1E}" type="slidenum">
               <a:rPr lang="en-US" smtClean="0"/>
               <a:pPr/>
-              <a:t>50</a:t>
+              <a:t>52</a:t>
             </a:fld>
             <a:endParaRPr lang="en-US" dirty="0"/>
           </a:p>
@@ -8904,9 +8957,22 @@
           <a:p>
             <a:r>
               <a:rPr lang="en-US" baseline="0" dirty="0" smtClean="0"/>
-              <a:t>Other modes: Counter (CTR), Output feedback (OFB)</a:t>
-            </a:r>
-            <a:endParaRPr lang="en-US" dirty="0"/>
+              <a:t>Other modes: Counter (CTR), Output feedback (OFB</a:t>
+            </a:r>
+            <a:r>
+              <a:rPr lang="en-US" baseline="0" dirty="0" smtClean="0"/>
+              <a:t>)</a:t>
+            </a:r>
+          </a:p>
+          <a:p>
+            <a:endParaRPr lang="en-US" baseline="0" dirty="0" smtClean="0"/>
+          </a:p>
+          <a:p>
+            <a:r>
+              <a:rPr lang="en-US" b="1" baseline="0" dirty="0" smtClean="0"/>
+              <a:t>Using a fixed IV is a bad idea, as this introduces the ECB problem for the first block of each message.</a:t>
+            </a:r>
+            <a:endParaRPr lang="en-US" b="1" dirty="0"/>
           </a:p>
         </p:txBody>
       </p:sp>
@@ -8928,7 +8994,7 @@
             <a:fld id="{94566334-40D3-444A-87CD-672C33ED3DCC}" type="slidenum">
               <a:rPr lang="en-US" smtClean="0"/>
               <a:pPr/>
-              <a:t>51</a:t>
+              <a:t>53</a:t>
             </a:fld>
             <a:endParaRPr lang="en-US"/>
           </a:p>
@@ -9092,7 +9158,7 @@
             <a:fld id="{94566334-40D3-444A-87CD-672C33ED3DCC}" type="slidenum">
               <a:rPr lang="en-US" smtClean="0"/>
               <a:pPr/>
-              <a:t>54</a:t>
+              <a:t>58</a:t>
             </a:fld>
             <a:endParaRPr lang="en-US"/>
           </a:p>
@@ -9184,7 +9250,7 @@
             <a:fld id="{80EF120E-EEF2-4965-96F5-DE3864F37C1E}" type="slidenum">
               <a:rPr lang="en-US" smtClean="0"/>
               <a:pPr/>
-              <a:t>55</a:t>
+              <a:t>59</a:t>
             </a:fld>
             <a:endParaRPr lang="en-US" dirty="0"/>
           </a:p>
@@ -9299,7 +9365,7 @@
             <a:fld id="{80EF120E-EEF2-4965-96F5-DE3864F37C1E}" type="slidenum">
               <a:rPr lang="en-US" smtClean="0"/>
               <a:pPr/>
-              <a:t>56</a:t>
+              <a:t>60</a:t>
             </a:fld>
             <a:endParaRPr lang="en-US" dirty="0"/>
           </a:p>
@@ -9396,7 +9462,7 @@
             <a:fld id="{80EF120E-EEF2-4965-96F5-DE3864F37C1E}" type="slidenum">
               <a:rPr lang="en-US" smtClean="0"/>
               <a:pPr/>
-              <a:t>57</a:t>
+              <a:t>61</a:t>
             </a:fld>
             <a:endParaRPr lang="en-US" dirty="0"/>
           </a:p>
@@ -10022,7 +10088,7 @@
           <a:p>
             <a:fld id="{62B18FAC-345F-B040-9DF7-375FB57F8B48}" type="datetimeFigureOut">
               <a:rPr lang="en-US" smtClean="0"/>
-              <a:t>9/27/16</a:t>
+              <a:t>9/28/16</a:t>
             </a:fld>
             <a:endParaRPr lang="en-US"/>
           </a:p>
@@ -10192,7 +10258,7 @@
           <a:p>
             <a:fld id="{62B18FAC-345F-B040-9DF7-375FB57F8B48}" type="datetimeFigureOut">
               <a:rPr lang="en-US" smtClean="0"/>
-              <a:t>9/27/16</a:t>
+              <a:t>9/28/16</a:t>
             </a:fld>
             <a:endParaRPr lang="en-US"/>
           </a:p>
@@ -10372,7 +10438,7 @@
           <a:p>
             <a:fld id="{62B18FAC-345F-B040-9DF7-375FB57F8B48}" type="datetimeFigureOut">
               <a:rPr lang="en-US" smtClean="0"/>
-              <a:t>9/27/16</a:t>
+              <a:t>9/28/16</a:t>
             </a:fld>
             <a:endParaRPr lang="en-US"/>
           </a:p>
@@ -10548,7 +10614,7 @@
             <a:fld id="{446FEFB0-7A1A-44E6-B9DF-D284AB76E538}" type="datetimeFigureOut">
               <a:rPr lang="en-US" smtClean="0"/>
               <a:pPr/>
-              <a:t>9/27/16</a:t>
+              <a:t>9/28/16</a:t>
             </a:fld>
             <a:endParaRPr lang="en-US"/>
           </a:p>
@@ -10732,7 +10798,7 @@
             <a:fld id="{446FEFB0-7A1A-44E6-B9DF-D284AB76E538}" type="datetimeFigureOut">
               <a:rPr lang="en-US" smtClean="0"/>
               <a:pPr/>
-              <a:t>9/27/16</a:t>
+              <a:t>9/28/16</a:t>
             </a:fld>
             <a:endParaRPr lang="en-US"/>
           </a:p>
@@ -10916,7 +10982,7 @@
             <a:fld id="{446FEFB0-7A1A-44E6-B9DF-D284AB76E538}" type="datetimeFigureOut">
               <a:rPr lang="en-US" smtClean="0"/>
               <a:pPr/>
-              <a:t>9/27/16</a:t>
+              <a:t>9/28/16</a:t>
             </a:fld>
             <a:endParaRPr lang="en-US"/>
           </a:p>
@@ -11100,7 +11166,7 @@
             <a:fld id="{446FEFB0-7A1A-44E6-B9DF-D284AB76E538}" type="datetimeFigureOut">
               <a:rPr lang="en-US" smtClean="0"/>
               <a:pPr/>
-              <a:t>9/27/16</a:t>
+              <a:t>9/28/16</a:t>
             </a:fld>
             <a:endParaRPr lang="en-US"/>
           </a:p>
@@ -11284,7 +11350,7 @@
             <a:fld id="{446FEFB0-7A1A-44E6-B9DF-D284AB76E538}" type="datetimeFigureOut">
               <a:rPr lang="en-US" smtClean="0"/>
               <a:pPr/>
-              <a:t>9/27/16</a:t>
+              <a:t>9/28/16</a:t>
             </a:fld>
             <a:endParaRPr lang="en-US"/>
           </a:p>
@@ -11468,7 +11534,7 @@
             <a:fld id="{446FEFB0-7A1A-44E6-B9DF-D284AB76E538}" type="datetimeFigureOut">
               <a:rPr lang="en-US" smtClean="0"/>
               <a:pPr/>
-              <a:t>9/27/16</a:t>
+              <a:t>9/28/16</a:t>
             </a:fld>
             <a:endParaRPr lang="en-US"/>
           </a:p>
@@ -11652,7 +11718,7 @@
             <a:fld id="{446FEFB0-7A1A-44E6-B9DF-D284AB76E538}" type="datetimeFigureOut">
               <a:rPr lang="en-US" smtClean="0"/>
               <a:pPr/>
-              <a:t>9/27/16</a:t>
+              <a:t>9/28/16</a:t>
             </a:fld>
             <a:endParaRPr lang="en-US"/>
           </a:p>
@@ -11836,7 +11902,7 @@
             <a:fld id="{446FEFB0-7A1A-44E6-B9DF-D284AB76E538}" type="datetimeFigureOut">
               <a:rPr lang="en-US" smtClean="0"/>
               <a:pPr/>
-              <a:t>9/27/16</a:t>
+              <a:t>9/28/16</a:t>
             </a:fld>
             <a:endParaRPr lang="en-US"/>
           </a:p>
@@ -12014,7 +12080,7 @@
           <a:p>
             <a:fld id="{62B18FAC-345F-B040-9DF7-375FB57F8B48}" type="datetimeFigureOut">
               <a:rPr lang="en-US" smtClean="0"/>
-              <a:t>9/27/16</a:t>
+              <a:t>9/28/16</a:t>
             </a:fld>
             <a:endParaRPr lang="en-US"/>
           </a:p>
@@ -12190,7 +12256,7 @@
             <a:fld id="{446FEFB0-7A1A-44E6-B9DF-D284AB76E538}" type="datetimeFigureOut">
               <a:rPr lang="en-US" smtClean="0"/>
               <a:pPr/>
-              <a:t>9/27/16</a:t>
+              <a:t>9/28/16</a:t>
             </a:fld>
             <a:endParaRPr lang="en-US"/>
           </a:p>
@@ -12374,7 +12440,7 @@
             <a:fld id="{446FEFB0-7A1A-44E6-B9DF-D284AB76E538}" type="datetimeFigureOut">
               <a:rPr lang="en-US" smtClean="0"/>
               <a:pPr/>
-              <a:t>9/27/16</a:t>
+              <a:t>9/28/16</a:t>
             </a:fld>
             <a:endParaRPr lang="en-US"/>
           </a:p>
@@ -12558,7 +12624,7 @@
             <a:fld id="{446FEFB0-7A1A-44E6-B9DF-D284AB76E538}" type="datetimeFigureOut">
               <a:rPr lang="en-US" smtClean="0"/>
               <a:pPr/>
-              <a:t>9/27/16</a:t>
+              <a:t>9/28/16</a:t>
             </a:fld>
             <a:endParaRPr lang="en-US"/>
           </a:p>
@@ -12742,7 +12808,7 @@
             <a:fld id="{446FEFB0-7A1A-44E6-B9DF-D284AB76E538}" type="datetimeFigureOut">
               <a:rPr lang="en-US" smtClean="0"/>
               <a:pPr/>
-              <a:t>9/27/16</a:t>
+              <a:t>9/28/16</a:t>
             </a:fld>
             <a:endParaRPr lang="en-US"/>
           </a:p>
@@ -12926,7 +12992,7 @@
             <a:fld id="{446FEFB0-7A1A-44E6-B9DF-D284AB76E538}" type="datetimeFigureOut">
               <a:rPr lang="en-US" smtClean="0"/>
               <a:pPr/>
-              <a:t>9/27/16</a:t>
+              <a:t>9/28/16</a:t>
             </a:fld>
             <a:endParaRPr lang="en-US"/>
           </a:p>
@@ -13110,7 +13176,7 @@
             <a:fld id="{446FEFB0-7A1A-44E6-B9DF-D284AB76E538}" type="datetimeFigureOut">
               <a:rPr lang="en-US" smtClean="0"/>
               <a:pPr/>
-              <a:t>9/27/16</a:t>
+              <a:t>9/28/16</a:t>
             </a:fld>
             <a:endParaRPr lang="en-US"/>
           </a:p>
@@ -13294,7 +13360,7 @@
             <a:fld id="{446FEFB0-7A1A-44E6-B9DF-D284AB76E538}" type="datetimeFigureOut">
               <a:rPr lang="en-US" smtClean="0"/>
               <a:pPr/>
-              <a:t>9/27/16</a:t>
+              <a:t>9/28/16</a:t>
             </a:fld>
             <a:endParaRPr lang="en-US"/>
           </a:p>
@@ -13478,7 +13544,7 @@
             <a:fld id="{446FEFB0-7A1A-44E6-B9DF-D284AB76E538}" type="datetimeFigureOut">
               <a:rPr lang="en-US" smtClean="0"/>
               <a:pPr/>
-              <a:t>9/27/16</a:t>
+              <a:t>9/28/16</a:t>
             </a:fld>
             <a:endParaRPr lang="en-US"/>
           </a:p>
@@ -13662,7 +13728,7 @@
             <a:fld id="{446FEFB0-7A1A-44E6-B9DF-D284AB76E538}" type="datetimeFigureOut">
               <a:rPr lang="en-US" smtClean="0"/>
               <a:pPr/>
-              <a:t>9/27/16</a:t>
+              <a:t>9/28/16</a:t>
             </a:fld>
             <a:endParaRPr lang="en-US"/>
           </a:p>
@@ -13846,7 +13912,7 @@
             <a:fld id="{446FEFB0-7A1A-44E6-B9DF-D284AB76E538}" type="datetimeFigureOut">
               <a:rPr lang="en-US" smtClean="0"/>
               <a:pPr/>
-              <a:t>9/27/16</a:t>
+              <a:t>9/28/16</a:t>
             </a:fld>
             <a:endParaRPr lang="en-US"/>
           </a:p>
@@ -14100,7 +14166,7 @@
           <a:p>
             <a:fld id="{62B18FAC-345F-B040-9DF7-375FB57F8B48}" type="datetimeFigureOut">
               <a:rPr lang="en-US" smtClean="0"/>
-              <a:t>9/27/16</a:t>
+              <a:t>9/28/16</a:t>
             </a:fld>
             <a:endParaRPr lang="en-US"/>
           </a:p>
@@ -14388,7 +14454,7 @@
           <a:p>
             <a:fld id="{62B18FAC-345F-B040-9DF7-375FB57F8B48}" type="datetimeFigureOut">
               <a:rPr lang="en-US" smtClean="0"/>
-              <a:t>9/27/16</a:t>
+              <a:t>9/28/16</a:t>
             </a:fld>
             <a:endParaRPr lang="en-US"/>
           </a:p>
@@ -14810,7 +14876,7 @@
           <a:p>
             <a:fld id="{62B18FAC-345F-B040-9DF7-375FB57F8B48}" type="datetimeFigureOut">
               <a:rPr lang="en-US" smtClean="0"/>
-              <a:t>9/27/16</a:t>
+              <a:t>9/28/16</a:t>
             </a:fld>
             <a:endParaRPr lang="en-US"/>
           </a:p>
@@ -14928,7 +14994,7 @@
           <a:p>
             <a:fld id="{62B18FAC-345F-B040-9DF7-375FB57F8B48}" type="datetimeFigureOut">
               <a:rPr lang="en-US" smtClean="0"/>
-              <a:t>9/27/16</a:t>
+              <a:t>9/28/16</a:t>
             </a:fld>
             <a:endParaRPr lang="en-US"/>
           </a:p>
@@ -15023,7 +15089,7 @@
           <a:p>
             <a:fld id="{62B18FAC-345F-B040-9DF7-375FB57F8B48}" type="datetimeFigureOut">
               <a:rPr lang="en-US" smtClean="0"/>
-              <a:t>9/27/16</a:t>
+              <a:t>9/28/16</a:t>
             </a:fld>
             <a:endParaRPr lang="en-US"/>
           </a:p>
@@ -15300,7 +15366,7 @@
           <a:p>
             <a:fld id="{62B18FAC-345F-B040-9DF7-375FB57F8B48}" type="datetimeFigureOut">
               <a:rPr lang="en-US" smtClean="0"/>
-              <a:t>9/27/16</a:t>
+              <a:t>9/28/16</a:t>
             </a:fld>
             <a:endParaRPr lang="en-US"/>
           </a:p>
@@ -15553,7 +15619,7 @@
           <a:p>
             <a:fld id="{62B18FAC-345F-B040-9DF7-375FB57F8B48}" type="datetimeFigureOut">
               <a:rPr lang="en-US" smtClean="0"/>
-              <a:t>9/27/16</a:t>
+              <a:t>9/28/16</a:t>
             </a:fld>
             <a:endParaRPr lang="en-US"/>
           </a:p>
@@ -15766,7 +15832,7 @@
           <a:p>
             <a:fld id="{62B18FAC-345F-B040-9DF7-375FB57F8B48}" type="datetimeFigureOut">
               <a:rPr lang="en-US" smtClean="0"/>
-              <a:t>9/27/16</a:t>
+              <a:t>9/28/16</a:t>
             </a:fld>
             <a:endParaRPr lang="en-US"/>
           </a:p>
@@ -29656,137 +29722,30 @@
       </p:grpSpPr>
       <p:sp>
         <p:nvSpPr>
-          <p:cNvPr id="2" name="Content Placeholder 1"/>
+          <p:cNvPr id="4" name="Title 3"/>
           <p:cNvSpPr>
             <a:spLocks noGrp="1"/>
           </p:cNvSpPr>
           <p:nvPr>
-            <p:ph idx="1"/>
+            <p:ph type="title"/>
           </p:nvPr>
         </p:nvSpPr>
         <p:spPr>
           <a:xfrm>
-            <a:off x="457200" y="285752"/>
-            <a:ext cx="8229600" cy="5600699"/>
+            <a:off x="457200" y="2768458"/>
+            <a:ext cx="8229600" cy="1143000"/>
           </a:xfrm>
         </p:spPr>
         <p:txBody>
           <a:bodyPr>
-            <a:normAutofit lnSpcReduction="10000"/>
+            <a:normAutofit fontScale="90000"/>
           </a:bodyPr>
           <a:lstStyle/>
           <a:p>
-            <a:pPr algn="ctr"/>
-            <a:r>
-              <a:rPr lang="en-US" b="1" dirty="0" smtClean="0">
-                <a:solidFill>
-                  <a:srgbClr val="000000"/>
-                </a:solidFill>
-              </a:rPr>
-              <a:t>Padding</a:t>
-            </a:r>
-            <a:br>
-              <a:rPr lang="en-US" b="1" dirty="0" smtClean="0">
-                <a:solidFill>
-                  <a:srgbClr val="000000"/>
-                </a:solidFill>
-              </a:rPr>
-            </a:br>
-            <a:endParaRPr lang="en-US" b="1" dirty="0" smtClean="0">
-              <a:solidFill>
-                <a:srgbClr val="000000"/>
-              </a:solidFill>
-            </a:endParaRPr>
-          </a:p>
-          <a:p>
-            <a:pPr lvl="1"/>
-            <a:r>
-              <a:rPr lang="en-US" dirty="0" smtClean="0"/>
-              <a:t>Can only encrypt in units of cipher </a:t>
-            </a:r>
-            <a:r>
-              <a:rPr lang="en-US" dirty="0" err="1" smtClean="0"/>
-              <a:t>blocksize</a:t>
-            </a:r>
-            <a:r>
-              <a:rPr lang="en-US" dirty="0" smtClean="0"/>
-              <a:t>, but message might not be multiples of </a:t>
-            </a:r>
-            <a:r>
-              <a:rPr lang="en-US" dirty="0" err="1" smtClean="0"/>
-              <a:t>blocksize</a:t>
-            </a:r>
-            <a:endParaRPr lang="en-US" dirty="0" smtClean="0"/>
-          </a:p>
-          <a:p>
-            <a:pPr lvl="1"/>
-            <a:r>
-              <a:rPr lang="en-US" i="1" dirty="0" smtClean="0"/>
-              <a:t>Solution: </a:t>
-            </a:r>
-            <a:r>
-              <a:rPr lang="en-US" dirty="0" smtClean="0"/>
-              <a:t>Add padding to end of message</a:t>
-            </a:r>
-          </a:p>
-          <a:p>
-            <a:pPr lvl="1"/>
-            <a:r>
-              <a:rPr lang="en-US" dirty="0" smtClean="0"/>
-              <a:t>Must be able to recognize and remove padding afterward</a:t>
-            </a:r>
-          </a:p>
-          <a:p>
-            <a:pPr lvl="1"/>
-            <a:r>
-              <a:rPr lang="en-US" dirty="0" smtClean="0"/>
-              <a:t>Common approach: </a:t>
-            </a:r>
-            <a:br>
-              <a:rPr lang="en-US" dirty="0" smtClean="0"/>
-            </a:br>
-            <a:r>
-              <a:rPr lang="en-US" dirty="0" smtClean="0"/>
-              <a:t>Add </a:t>
-            </a:r>
-            <a:r>
-              <a:rPr lang="en-US" b="1" dirty="0" smtClean="0"/>
-              <a:t>n</a:t>
-            </a:r>
-            <a:r>
-              <a:rPr lang="en-US" dirty="0" smtClean="0"/>
-              <a:t> bytes that have value </a:t>
-            </a:r>
-            <a:r>
-              <a:rPr lang="en-US" b="1" dirty="0" smtClean="0"/>
-              <a:t>n</a:t>
-            </a:r>
-          </a:p>
-          <a:p>
-            <a:pPr lvl="1"/>
-            <a:endParaRPr lang="en-US" dirty="0" smtClean="0">
-              <a:solidFill>
-                <a:schemeClr val="accent5"/>
-              </a:solidFill>
-            </a:endParaRPr>
-          </a:p>
-          <a:p>
-            <a:pPr lvl="1">
-              <a:buNone/>
-            </a:pPr>
-            <a:r>
-              <a:rPr lang="en-US" dirty="0" smtClean="0">
-                <a:solidFill>
-                  <a:schemeClr val="accent5"/>
-                </a:solidFill>
-              </a:rPr>
-              <a:t>[Caution: What if message ends at a block boundary?]</a:t>
-            </a:r>
-          </a:p>
-          <a:p>
-            <a:pPr lvl="2">
-              <a:buNone/>
-            </a:pPr>
+            <a:r>
+              <a:rPr lang="en-US" dirty="0" smtClean="0"/>
+              <a:t>Question: What if plaintext length is not a multiple of the block size?</a:t>
+            </a:r>
             <a:endParaRPr lang="en-US" dirty="0"/>
           </a:p>
         </p:txBody>
@@ -29794,7 +29753,7 @@
     </p:spTree>
     <p:extLst>
       <p:ext uri="{BB962C8B-B14F-4D97-AF65-F5344CB8AC3E}">
-        <p14:creationId xmlns:p14="http://schemas.microsoft.com/office/powerpoint/2010/main" val="2269459836"/>
+        <p14:creationId xmlns:p14="http://schemas.microsoft.com/office/powerpoint/2010/main" val="1001433554"/>
       </p:ext>
     </p:extLst>
   </p:cSld>
@@ -29830,6 +29789,236 @@
       </p:grpSpPr>
       <p:sp>
         <p:nvSpPr>
+          <p:cNvPr id="2" name="Content Placeholder 1"/>
+          <p:cNvSpPr>
+            <a:spLocks noGrp="1"/>
+          </p:cNvSpPr>
+          <p:nvPr>
+            <p:ph idx="1"/>
+          </p:nvPr>
+        </p:nvSpPr>
+        <p:spPr>
+          <a:xfrm>
+            <a:off x="39024" y="580062"/>
+            <a:ext cx="8959784" cy="5600699"/>
+          </a:xfrm>
+        </p:spPr>
+        <p:txBody>
+          <a:bodyPr>
+            <a:normAutofit/>
+          </a:bodyPr>
+          <a:lstStyle/>
+          <a:p>
+            <a:pPr algn="ctr"/>
+            <a:r>
+              <a:rPr lang="en-US" b="1" dirty="0" smtClean="0">
+                <a:solidFill>
+                  <a:srgbClr val="000000"/>
+                </a:solidFill>
+              </a:rPr>
+              <a:t>Padding</a:t>
+            </a:r>
+            <a:r>
+              <a:rPr lang="en-US" b="1" dirty="0">
+                <a:solidFill>
+                  <a:srgbClr val="000000"/>
+                </a:solidFill>
+              </a:rPr>
+              <a:t> </a:t>
+            </a:r>
+            <a:r>
+              <a:rPr lang="en-US" b="1" dirty="0" smtClean="0">
+                <a:solidFill>
+                  <a:srgbClr val="000000"/>
+                </a:solidFill>
+              </a:rPr>
+              <a:t>and </a:t>
+            </a:r>
+            <a:r>
+              <a:rPr lang="en-US" b="1" dirty="0" err="1" smtClean="0">
+                <a:solidFill>
+                  <a:srgbClr val="000000"/>
+                </a:solidFill>
+              </a:rPr>
+              <a:t>Invertability</a:t>
+            </a:r>
+            <a:r>
+              <a:rPr lang="en-US" b="1" dirty="0" smtClean="0">
+                <a:solidFill>
+                  <a:srgbClr val="000000"/>
+                </a:solidFill>
+              </a:rPr>
+              <a:t/>
+            </a:r>
+            <a:br>
+              <a:rPr lang="en-US" b="1" dirty="0" smtClean="0">
+                <a:solidFill>
+                  <a:srgbClr val="000000"/>
+                </a:solidFill>
+              </a:rPr>
+            </a:br>
+            <a:endParaRPr lang="en-US" b="1" dirty="0" smtClean="0">
+              <a:solidFill>
+                <a:srgbClr val="000000"/>
+              </a:solidFill>
+            </a:endParaRPr>
+          </a:p>
+          <a:p>
+            <a:pPr lvl="1"/>
+            <a:r>
+              <a:rPr lang="en-US" dirty="0" smtClean="0"/>
+              <a:t>Can only encrypt in units of cipher </a:t>
+            </a:r>
+            <a:r>
+              <a:rPr lang="en-US" dirty="0" err="1" smtClean="0"/>
+              <a:t>blocksize</a:t>
+            </a:r>
+            <a:r>
+              <a:rPr lang="en-US" dirty="0" smtClean="0"/>
+              <a:t>, but message might not be multiples of </a:t>
+            </a:r>
+            <a:r>
+              <a:rPr lang="en-US" dirty="0" err="1" smtClean="0"/>
+              <a:t>blocksize</a:t>
+            </a:r>
+            <a:r>
+              <a:rPr lang="en-US" dirty="0" smtClean="0"/>
+              <a:t>.</a:t>
+            </a:r>
+            <a:br>
+              <a:rPr lang="en-US" dirty="0" smtClean="0"/>
+            </a:br>
+            <a:endParaRPr lang="en-US" dirty="0" smtClean="0"/>
+          </a:p>
+          <a:p>
+            <a:pPr lvl="1"/>
+            <a:r>
+              <a:rPr lang="en-US" i="1" dirty="0" smtClean="0"/>
+              <a:t>Solution: </a:t>
+            </a:r>
+            <a:r>
+              <a:rPr lang="en-US" dirty="0" smtClean="0"/>
+              <a:t>Add padding to end of message</a:t>
+            </a:r>
+          </a:p>
+          <a:p>
+            <a:pPr lvl="2"/>
+            <a:r>
+              <a:rPr lang="en-US" dirty="0" smtClean="0"/>
+              <a:t>Must be able to recognize and remove padding afterward</a:t>
+            </a:r>
+          </a:p>
+          <a:p>
+            <a:pPr lvl="2"/>
+            <a:r>
+              <a:rPr lang="en-US" dirty="0" smtClean="0"/>
+              <a:t>Common approach: </a:t>
+            </a:r>
+            <a:r>
+              <a:rPr lang="en-US" dirty="0" smtClean="0"/>
+              <a:t> Pad with </a:t>
+            </a:r>
+            <a:r>
+              <a:rPr lang="en-US" b="1" dirty="0" smtClean="0"/>
+              <a:t>n</a:t>
+            </a:r>
+            <a:r>
+              <a:rPr lang="en-US" dirty="0" smtClean="0"/>
+              <a:t> bytes, each </a:t>
+            </a:r>
+            <a:r>
+              <a:rPr lang="en-US" dirty="0" smtClean="0"/>
+              <a:t>that have value </a:t>
+            </a:r>
+            <a:r>
+              <a:rPr lang="en-US" b="1" dirty="0" smtClean="0"/>
+              <a:t>n</a:t>
+            </a:r>
+          </a:p>
+          <a:p>
+            <a:pPr lvl="1"/>
+            <a:endParaRPr lang="en-US" dirty="0" smtClean="0">
+              <a:solidFill>
+                <a:schemeClr val="accent5"/>
+              </a:solidFill>
+            </a:endParaRPr>
+          </a:p>
+          <a:p>
+            <a:pPr lvl="1">
+              <a:buNone/>
+            </a:pPr>
+            <a:r>
+              <a:rPr lang="en-US" dirty="0" smtClean="0">
+                <a:solidFill>
+                  <a:schemeClr val="accent5"/>
+                </a:solidFill>
+              </a:rPr>
+              <a:t>[Caution: What if message ends at a </a:t>
+            </a:r>
+            <a:r>
+              <a:rPr lang="en-US" dirty="0" smtClean="0">
+                <a:solidFill>
+                  <a:schemeClr val="accent5"/>
+                </a:solidFill>
+              </a:rPr>
+              <a:t>block boundary</a:t>
+            </a:r>
+            <a:r>
+              <a:rPr lang="en-US" dirty="0" smtClean="0">
+                <a:solidFill>
+                  <a:schemeClr val="accent5"/>
+                </a:solidFill>
+              </a:rPr>
+              <a:t>?]</a:t>
+            </a:r>
+          </a:p>
+          <a:p>
+            <a:pPr lvl="2">
+              <a:buNone/>
+            </a:pPr>
+            <a:endParaRPr lang="en-US" dirty="0"/>
+          </a:p>
+        </p:txBody>
+      </p:sp>
+    </p:spTree>
+    <p:extLst>
+      <p:ext uri="{BB962C8B-B14F-4D97-AF65-F5344CB8AC3E}">
+        <p14:creationId xmlns:p14="http://schemas.microsoft.com/office/powerpoint/2010/main" val="2269459836"/>
+      </p:ext>
+    </p:extLst>
+  </p:cSld>
+  <p:clrMapOvr>
+    <a:masterClrMapping/>
+  </p:clrMapOvr>
+  <p:timing>
+    <p:tnLst>
+      <p:par>
+        <p:cTn xmlns:p14="http://schemas.microsoft.com/office/powerpoint/2010/main" id="1" dur="indefinite" restart="never" nodeType="tmRoot"/>
+      </p:par>
+    </p:tnLst>
+  </p:timing>
+</p:sld>
+</file>
+
+<file path=ppt/slides/slide47.xml><?xml version="1.0" encoding="utf-8"?>
+<p:sld xmlns:a="http://schemas.openxmlformats.org/drawingml/2006/main" xmlns:r="http://schemas.openxmlformats.org/officeDocument/2006/relationships" xmlns:p="http://schemas.openxmlformats.org/presentationml/2006/main">
+  <p:cSld>
+    <p:spTree>
+      <p:nvGrpSpPr>
+        <p:cNvPr id="1" name=""/>
+        <p:cNvGrpSpPr/>
+        <p:nvPr/>
+      </p:nvGrpSpPr>
+      <p:grpSpPr>
+        <a:xfrm>
+          <a:off x="0" y="0"/>
+          <a:ext cx="0" cy="0"/>
+          <a:chOff x="0" y="0"/>
+          <a:chExt cx="0" cy="0"/>
+        </a:xfrm>
+      </p:grpSpPr>
+      <p:sp>
+        <p:nvSpPr>
           <p:cNvPr id="2" name="Title 1"/>
           <p:cNvSpPr>
             <a:spLocks noGrp="1"/>
@@ -29909,8 +30098,21 @@
             </a:pPr>
             <a:r>
               <a:rPr lang="en-US" dirty="0" smtClean="0"/>
-              <a:t>If you simply append 0’s you don’t know where m ends</a:t>
-            </a:r>
+              <a:t>If you simply append 0’</a:t>
+            </a:r>
+            <a:r>
+              <a:rPr lang="en-US" dirty="0" smtClean="0"/>
+              <a:t>s, </a:t>
+            </a:r>
+            <a:r>
+              <a:rPr lang="en-US" dirty="0" smtClean="0"/>
+              <a:t>you don’t know where m </a:t>
+            </a:r>
+            <a:r>
+              <a:rPr lang="en-US" dirty="0" smtClean="0"/>
+              <a:t>ends.</a:t>
+            </a:r>
+            <a:endParaRPr lang="en-US" dirty="0" smtClean="0"/>
           </a:p>
           <a:p>
             <a:pPr marL="0" indent="0">
@@ -29924,8 +30126,9 @@
             </a:pPr>
             <a:r>
               <a:rPr lang="en-US" dirty="0" smtClean="0"/>
-              <a:t>Answer: </a:t>
-            </a:r>
+              <a:t>Another possible solution: </a:t>
+            </a:r>
+            <a:endParaRPr lang="en-US" dirty="0" smtClean="0"/>
           </a:p>
           <a:p>
             <a:pPr marL="0" indent="0">
@@ -30238,263 +30441,6 @@
 </p:sld>
 </file>
 
-<file path=ppt/slides/slide47.xml><?xml version="1.0" encoding="utf-8"?>
-<p:sld xmlns:a="http://schemas.openxmlformats.org/drawingml/2006/main" xmlns:r="http://schemas.openxmlformats.org/officeDocument/2006/relationships" xmlns:p="http://schemas.openxmlformats.org/presentationml/2006/main">
-  <p:cSld>
-    <p:spTree>
-      <p:nvGrpSpPr>
-        <p:cNvPr id="1" name=""/>
-        <p:cNvGrpSpPr/>
-        <p:nvPr/>
-      </p:nvGrpSpPr>
-      <p:grpSpPr>
-        <a:xfrm>
-          <a:off x="0" y="0"/>
-          <a:ext cx="0" cy="0"/>
-          <a:chOff x="0" y="0"/>
-          <a:chExt cx="0" cy="0"/>
-        </a:xfrm>
-      </p:grpSpPr>
-      <p:sp>
-        <p:nvSpPr>
-          <p:cNvPr id="2" name="Content Placeholder 1"/>
-          <p:cNvSpPr>
-            <a:spLocks noGrp="1"/>
-          </p:cNvSpPr>
-          <p:nvPr>
-            <p:ph idx="1"/>
-          </p:nvPr>
-        </p:nvSpPr>
-        <p:spPr>
-          <a:xfrm>
-            <a:off x="457200" y="285753"/>
-            <a:ext cx="8229600" cy="5873747"/>
-          </a:xfrm>
-        </p:spPr>
-        <p:txBody>
-          <a:bodyPr>
-            <a:normAutofit lnSpcReduction="10000"/>
-          </a:bodyPr>
-          <a:lstStyle/>
-          <a:p>
-            <a:pPr algn="ctr"/>
-            <a:r>
-              <a:rPr lang="en-US" sz="4000" b="1" dirty="0" smtClean="0">
-                <a:solidFill>
-                  <a:srgbClr val="000000"/>
-                </a:solidFill>
-              </a:rPr>
-              <a:t>Cipher Modes</a:t>
-            </a:r>
-            <a:br>
-              <a:rPr lang="en-US" sz="4000" b="1" dirty="0" smtClean="0">
-                <a:solidFill>
-                  <a:srgbClr val="000000"/>
-                </a:solidFill>
-              </a:rPr>
-            </a:br>
-            <a:endParaRPr lang="en-US" sz="4000" b="1" dirty="0" smtClean="0">
-              <a:solidFill>
-                <a:srgbClr val="000000"/>
-              </a:solidFill>
-            </a:endParaRPr>
-          </a:p>
-          <a:p>
-            <a:pPr marL="457200" indent="-457200">
-              <a:buFont typeface="Arial"/>
-              <a:buChar char="•"/>
-            </a:pPr>
-            <a:r>
-              <a:rPr lang="en-US" sz="2600" dirty="0" smtClean="0"/>
-              <a:t>We know how to encrypt one block, but what about </a:t>
-            </a:r>
-            <a:r>
-              <a:rPr lang="en-US" sz="2600" dirty="0" err="1" smtClean="0"/>
-              <a:t>multiblock</a:t>
-            </a:r>
-            <a:r>
-              <a:rPr lang="en-US" sz="2600" dirty="0" smtClean="0"/>
-              <a:t> messages?</a:t>
-            </a:r>
-          </a:p>
-          <a:p>
-            <a:pPr marL="457200" indent="-457200">
-              <a:buFont typeface="Arial"/>
-              <a:buChar char="•"/>
-            </a:pPr>
-            <a:endParaRPr lang="en-US" sz="2600" dirty="0" smtClean="0"/>
-          </a:p>
-          <a:p>
-            <a:pPr marL="457200" indent="-457200">
-              <a:spcBef>
-                <a:spcPts val="600"/>
-              </a:spcBef>
-              <a:buFont typeface="Arial"/>
-              <a:buChar char="•"/>
-            </a:pPr>
-            <a:r>
-              <a:rPr lang="en-US" sz="2600" dirty="0" smtClean="0"/>
-              <a:t>Different methods, called “cipher modes”</a:t>
-            </a:r>
-          </a:p>
-          <a:p>
-            <a:pPr marL="457200" indent="-457200">
-              <a:buFont typeface="Arial"/>
-              <a:buChar char="•"/>
-            </a:pPr>
-            <a:r>
-              <a:rPr lang="en-US" sz="2600" dirty="0" smtClean="0"/>
-              <a:t>Straightforward (but bad) approach:</a:t>
-            </a:r>
-            <a:br>
-              <a:rPr lang="en-US" sz="2600" dirty="0" smtClean="0"/>
-            </a:br>
-            <a:r>
-              <a:rPr lang="en-US" sz="3000" b="1" dirty="0" smtClean="0">
-                <a:solidFill>
-                  <a:schemeClr val="accent1"/>
-                </a:solidFill>
-              </a:rPr>
-              <a:t>ECB mode </a:t>
-            </a:r>
-            <a:r>
-              <a:rPr lang="en-US" sz="3000" dirty="0" smtClean="0"/>
-              <a:t>(</a:t>
-            </a:r>
-            <a:r>
-              <a:rPr lang="en-US" sz="3000" b="1" dirty="0" smtClean="0"/>
-              <a:t>encrypted codebook</a:t>
-            </a:r>
-            <a:r>
-              <a:rPr lang="en-US" sz="3000" dirty="0" smtClean="0"/>
-              <a:t>)</a:t>
-            </a:r>
-            <a:endParaRPr lang="en-US" sz="3000" b="1" dirty="0" smtClean="0">
-              <a:solidFill>
-                <a:schemeClr val="accent1"/>
-              </a:solidFill>
-            </a:endParaRPr>
-          </a:p>
-          <a:p>
-            <a:pPr lvl="1"/>
-            <a:r>
-              <a:rPr lang="en-US" sz="2600" dirty="0" smtClean="0"/>
-              <a:t>Just encrypt each block independently</a:t>
-            </a:r>
-          </a:p>
-          <a:p>
-            <a:pPr lvl="1"/>
-            <a:r>
-              <a:rPr lang="en-US" sz="2600" b="1" dirty="0" err="1" smtClean="0"/>
-              <a:t>C</a:t>
-            </a:r>
-            <a:r>
-              <a:rPr lang="en-US" sz="2600" b="1" baseline="-25000" dirty="0" err="1" smtClean="0"/>
-              <a:t>i</a:t>
-            </a:r>
-            <a:r>
-              <a:rPr lang="en-US" sz="2600" dirty="0" smtClean="0"/>
-              <a:t> := </a:t>
-            </a:r>
-            <a:r>
-              <a:rPr lang="en-US" sz="2600" b="1" i="1" dirty="0" err="1" smtClean="0"/>
-              <a:t>E</a:t>
-            </a:r>
-            <a:r>
-              <a:rPr lang="en-US" sz="2600" b="1" baseline="-25000" dirty="0" err="1" smtClean="0"/>
-              <a:t>k</a:t>
-            </a:r>
-            <a:r>
-              <a:rPr lang="en-US" sz="2600" dirty="0" smtClean="0"/>
-              <a:t>(</a:t>
-            </a:r>
-            <a:r>
-              <a:rPr lang="en-US" sz="2600" b="1" dirty="0" smtClean="0"/>
-              <a:t>P</a:t>
-            </a:r>
-            <a:r>
-              <a:rPr lang="en-US" sz="2600" b="1" baseline="-25000" dirty="0" smtClean="0"/>
-              <a:t>i</a:t>
-            </a:r>
-            <a:r>
-              <a:rPr lang="en-US" sz="2600" dirty="0" smtClean="0"/>
-              <a:t>)</a:t>
-            </a:r>
-          </a:p>
-          <a:p>
-            <a:pPr marL="0" lvl="1" indent="0">
-              <a:spcBef>
-                <a:spcPts val="1200"/>
-              </a:spcBef>
-              <a:buNone/>
-            </a:pPr>
-            <a:r>
-              <a:rPr lang="en-US" sz="2400" dirty="0" smtClean="0">
-                <a:solidFill>
-                  <a:schemeClr val="accent5"/>
-                </a:solidFill>
-              </a:rPr>
-              <a:t>[Disadvantages?]</a:t>
-            </a:r>
-          </a:p>
-          <a:p>
-            <a:pPr marL="0" lvl="1" indent="0">
-              <a:spcBef>
-                <a:spcPts val="1800"/>
-              </a:spcBef>
-              <a:buNone/>
-            </a:pPr>
-            <a:endParaRPr lang="en-US" dirty="0" smtClean="0"/>
-          </a:p>
-          <a:p>
-            <a:pPr marL="0" lvl="1" indent="0">
-              <a:spcBef>
-                <a:spcPts val="1800"/>
-              </a:spcBef>
-              <a:buNone/>
-            </a:pPr>
-            <a:endParaRPr lang="en-US" dirty="0" smtClean="0"/>
-          </a:p>
-          <a:p>
-            <a:pPr marL="0" lvl="1" indent="0">
-              <a:spcBef>
-                <a:spcPts val="1800"/>
-              </a:spcBef>
-              <a:buNone/>
-            </a:pPr>
-            <a:endParaRPr lang="en-US" dirty="0" smtClean="0"/>
-          </a:p>
-          <a:p>
-            <a:pPr marL="0" lvl="1" indent="0">
-              <a:spcBef>
-                <a:spcPts val="1800"/>
-              </a:spcBef>
-              <a:buNone/>
-            </a:pPr>
-            <a:endParaRPr lang="en-US" dirty="0" smtClean="0"/>
-          </a:p>
-        </p:txBody>
-      </p:sp>
-    </p:spTree>
-    <p:extLst>
-      <p:ext uri="{BB962C8B-B14F-4D97-AF65-F5344CB8AC3E}">
-        <p14:creationId xmlns:p14="http://schemas.microsoft.com/office/powerpoint/2010/main" val="2461491257"/>
-      </p:ext>
-    </p:extLst>
-  </p:cSld>
-  <p:clrMapOvr>
-    <a:masterClrMapping/>
-  </p:clrMapOvr>
-  <p:timing>
-    <p:tnLst>
-      <p:par>
-        <p:cTn xmlns:p14="http://schemas.microsoft.com/office/powerpoint/2010/main" id="1" dur="indefinite" restart="never" nodeType="tmRoot"/>
-      </p:par>
-    </p:tnLst>
-  </p:timing>
-</p:sld>
-</file>
-
 <file path=ppt/slides/slide48.xml><?xml version="1.0" encoding="utf-8"?>
 <p:sld xmlns:a="http://schemas.openxmlformats.org/drawingml/2006/main" xmlns:r="http://schemas.openxmlformats.org/officeDocument/2006/relationships" xmlns:p="http://schemas.openxmlformats.org/presentationml/2006/main">
   <p:cSld>
@@ -30514,7 +30460,7 @@
       </p:grpSpPr>
       <p:sp>
         <p:nvSpPr>
-          <p:cNvPr id="2" name="Title 1"/>
+          <p:cNvPr id="4" name="Title 3"/>
           <p:cNvSpPr>
             <a:spLocks noGrp="1"/>
           </p:cNvSpPr>
@@ -30531,85 +30477,22 @@
           <a:p>
             <a:r>
               <a:rPr lang="en-US" dirty="0" smtClean="0"/>
-              <a:t>Electronic </a:t>
-            </a:r>
-            <a:r>
-              <a:rPr lang="en-US" dirty="0" err="1" smtClean="0"/>
-              <a:t>CodeBook</a:t>
-            </a:r>
-            <a:r>
-              <a:rPr lang="en-US" dirty="0" smtClean="0"/>
-              <a:t> (ECB</a:t>
-            </a:r>
-            <a:r>
-              <a:rPr lang="en-US" dirty="0"/>
-              <a:t>) </a:t>
-            </a:r>
-            <a:r>
-              <a:rPr lang="en-US" dirty="0" smtClean="0"/>
-              <a:t>— insecure</a:t>
+              <a:t>What about messages that are multiple blocks?</a:t>
             </a:r>
             <a:endParaRPr lang="en-US" dirty="0"/>
           </a:p>
         </p:txBody>
       </p:sp>
-      <p:pic>
-        <p:nvPicPr>
-          <p:cNvPr id="13314" name="Picture 2" descr="ECB encryption.svg"/>
-          <p:cNvPicPr>
-            <a:picLocks noChangeAspect="1" noChangeArrowheads="1"/>
-          </p:cNvPicPr>
-          <p:nvPr/>
-        </p:nvPicPr>
-        <p:blipFill rotWithShape="1">
-          <a:blip r:embed="rId3" cstate="screen">
-            <a:extLst>
-              <a:ext uri="{28A0092B-C50C-407E-A947-70E740481C1C}">
-                <a14:useLocalDpi xmlns:a14="http://schemas.microsoft.com/office/drawing/2010/main"/>
-              </a:ext>
-            </a:extLst>
-          </a:blip>
-          <a:srcRect/>
-          <a:stretch/>
-        </p:blipFill>
-        <p:spPr bwMode="auto">
-          <a:xfrm>
-            <a:off x="0" y="2133600"/>
-            <a:ext cx="9144000" cy="3988772"/>
-          </a:xfrm>
-          <a:prstGeom prst="rect">
-            <a:avLst/>
-          </a:prstGeom>
-          <a:noFill/>
-          <a:extLst>
-            <a:ext uri="{909E8E84-426E-40dd-AFC4-6F175D3DCCD1}">
-              <a14:hiddenFill xmlns:a14="http://schemas.microsoft.com/office/drawing/2010/main">
-                <a:solidFill>
-                  <a:srgbClr val="FFFFFF"/>
-                </a:solidFill>
-              </a14:hiddenFill>
-            </a:ext>
-          </a:extLst>
-        </p:spPr>
-      </p:pic>
     </p:spTree>
     <p:extLst>
       <p:ext uri="{BB962C8B-B14F-4D97-AF65-F5344CB8AC3E}">
-        <p14:creationId xmlns:p14="http://schemas.microsoft.com/office/powerpoint/2010/main" val="4198601161"/>
+        <p14:creationId xmlns:p14="http://schemas.microsoft.com/office/powerpoint/2010/main" val="4104512140"/>
       </p:ext>
     </p:extLst>
   </p:cSld>
   <p:clrMapOvr>
     <a:masterClrMapping/>
   </p:clrMapOvr>
-  <mc:AlternateContent xmlns:mc="http://schemas.openxmlformats.org/markup-compatibility/2006" xmlns:p14="http://schemas.microsoft.com/office/powerpoint/2010/main">
-    <mc:Choice Requires="p14">
-      <p:transition spd="slow" p14:dur="2000"/>
-    </mc:Choice>
-    <mc:Fallback xmlns="">
-      <p:transition xmlns:p14="http://schemas.microsoft.com/office/powerpoint/2010/main" spd="slow"/>
-    </mc:Fallback>
-  </mc:AlternateContent>
   <p:timing>
     <p:tnLst>
       <p:par>
@@ -30639,280 +30522,238 @@
       </p:grpSpPr>
       <p:sp>
         <p:nvSpPr>
-          <p:cNvPr id="2" name="Title 1"/>
+          <p:cNvPr id="2" name="Content Placeholder 1"/>
           <p:cNvSpPr>
             <a:spLocks noGrp="1"/>
           </p:cNvSpPr>
           <p:nvPr>
-            <p:ph type="title"/>
+            <p:ph idx="1"/>
           </p:nvPr>
         </p:nvSpPr>
-        <p:spPr/>
+        <p:spPr>
+          <a:xfrm>
+            <a:off x="457200" y="285753"/>
+            <a:ext cx="8229600" cy="5873747"/>
+          </a:xfrm>
+        </p:spPr>
         <p:txBody>
           <a:bodyPr>
-            <a:normAutofit fontScale="90000"/>
+            <a:normAutofit lnSpcReduction="10000"/>
           </a:bodyPr>
           <a:lstStyle/>
           <a:p>
-            <a:r>
-              <a:rPr lang="en-US" dirty="0" smtClean="0"/>
-              <a:t>ECB: 	identical input </a:t>
-            </a:r>
-            <a:r>
-              <a:rPr lang="en-US" dirty="0"/>
-              <a:t>blocks </a:t>
-            </a:r>
-            <a:r>
-              <a:rPr lang="en-US" dirty="0" smtClean="0"/>
-              <a:t/>
+            <a:pPr algn="ctr"/>
+            <a:r>
+              <a:rPr lang="en-US" sz="4000" b="1" dirty="0" smtClean="0">
+                <a:solidFill>
+                  <a:srgbClr val="000000"/>
+                </a:solidFill>
+              </a:rPr>
+              <a:t>Cipher Modes</a:t>
             </a:r>
             <a:br>
-              <a:rPr lang="en-US" dirty="0" smtClean="0"/>
+              <a:rPr lang="en-US" sz="4000" b="1" dirty="0" smtClean="0">
+                <a:solidFill>
+                  <a:srgbClr val="000000"/>
+                </a:solidFill>
+              </a:rPr>
             </a:br>
-            <a:r>
-              <a:rPr lang="en-US" dirty="0" smtClean="0"/>
-              <a:t>    ➡ 	identical </a:t>
-            </a:r>
-            <a:r>
-              <a:rPr lang="en-US" dirty="0"/>
-              <a:t>output blocks</a:t>
-            </a:r>
+            <a:endParaRPr lang="en-US" sz="4000" b="1" dirty="0" smtClean="0">
+              <a:solidFill>
+                <a:srgbClr val="000000"/>
+              </a:solidFill>
+            </a:endParaRPr>
+          </a:p>
+          <a:p>
+            <a:pPr marL="457200" indent="-457200">
+              <a:buFont typeface="Arial"/>
+              <a:buChar char="•"/>
+            </a:pPr>
+            <a:r>
+              <a:rPr lang="en-US" sz="2600" dirty="0" smtClean="0"/>
+              <a:t>We know how to encrypt one block, but what about </a:t>
+            </a:r>
+            <a:r>
+              <a:rPr lang="en-US" sz="2600" dirty="0" err="1" smtClean="0"/>
+              <a:t>multiblock</a:t>
+            </a:r>
+            <a:r>
+              <a:rPr lang="en-US" sz="2600" dirty="0" smtClean="0"/>
+              <a:t> messages?</a:t>
+            </a:r>
+          </a:p>
+          <a:p>
+            <a:pPr marL="457200" indent="-457200">
+              <a:buFont typeface="Arial"/>
+              <a:buChar char="•"/>
+            </a:pPr>
+            <a:endParaRPr lang="en-US" sz="2600" dirty="0" smtClean="0"/>
+          </a:p>
+          <a:p>
+            <a:pPr marL="457200" indent="-457200">
+              <a:spcBef>
+                <a:spcPts val="600"/>
+              </a:spcBef>
+              <a:buFont typeface="Arial"/>
+              <a:buChar char="•"/>
+            </a:pPr>
+            <a:r>
+              <a:rPr lang="en-US" sz="2600" dirty="0" smtClean="0"/>
+              <a:t>Different methods, called “cipher modes”</a:t>
+            </a:r>
+          </a:p>
+          <a:p>
+            <a:pPr marL="457200" indent="-457200">
+              <a:buFont typeface="Arial"/>
+              <a:buChar char="•"/>
+            </a:pPr>
+            <a:r>
+              <a:rPr lang="en-US" sz="2600" dirty="0" smtClean="0"/>
+              <a:t>Straightforward (but bad) approach:</a:t>
+            </a:r>
+            <a:br>
+              <a:rPr lang="en-US" sz="2600" dirty="0" smtClean="0"/>
+            </a:br>
+            <a:r>
+              <a:rPr lang="en-US" sz="3000" b="1" dirty="0" smtClean="0">
+                <a:solidFill>
+                  <a:schemeClr val="accent1"/>
+                </a:solidFill>
+              </a:rPr>
+              <a:t>ECB mode </a:t>
+            </a:r>
+            <a:r>
+              <a:rPr lang="en-US" sz="3000" dirty="0" smtClean="0"/>
+              <a:t>(</a:t>
+            </a:r>
+            <a:r>
+              <a:rPr lang="en-US" sz="3000" b="1" dirty="0" smtClean="0"/>
+              <a:t>encrypted codebook</a:t>
+            </a:r>
+            <a:r>
+              <a:rPr lang="en-US" sz="3000" dirty="0" smtClean="0"/>
+              <a:t>)</a:t>
+            </a:r>
+            <a:endParaRPr lang="en-US" sz="3000" b="1" dirty="0" smtClean="0">
+              <a:solidFill>
+                <a:schemeClr val="accent1"/>
+              </a:solidFill>
+            </a:endParaRPr>
+          </a:p>
+          <a:p>
+            <a:pPr lvl="1"/>
+            <a:r>
+              <a:rPr lang="en-US" sz="2600" dirty="0" smtClean="0"/>
+              <a:t>Just encrypt each block independently</a:t>
+            </a:r>
+          </a:p>
+          <a:p>
+            <a:pPr lvl="1"/>
+            <a:r>
+              <a:rPr lang="en-US" sz="2600" b="1" dirty="0" err="1" smtClean="0"/>
+              <a:t>C</a:t>
+            </a:r>
+            <a:r>
+              <a:rPr lang="en-US" sz="2600" b="1" baseline="-25000" dirty="0" err="1" smtClean="0"/>
+              <a:t>i</a:t>
+            </a:r>
+            <a:r>
+              <a:rPr lang="en-US" sz="2600" dirty="0" smtClean="0"/>
+              <a:t> := </a:t>
+            </a:r>
+            <a:r>
+              <a:rPr lang="en-US" sz="2600" b="1" i="1" dirty="0" err="1" smtClean="0"/>
+              <a:t>E</a:t>
+            </a:r>
+            <a:r>
+              <a:rPr lang="en-US" sz="2600" b="1" baseline="-25000" dirty="0" err="1" smtClean="0"/>
+              <a:t>k</a:t>
+            </a:r>
+            <a:r>
+              <a:rPr lang="en-US" sz="2600" dirty="0" smtClean="0"/>
+              <a:t>(</a:t>
+            </a:r>
+            <a:r>
+              <a:rPr lang="en-US" sz="2600" b="1" dirty="0" smtClean="0"/>
+              <a:t>P</a:t>
+            </a:r>
+            <a:r>
+              <a:rPr lang="en-US" sz="2600" b="1" baseline="-25000" dirty="0" smtClean="0"/>
+              <a:t>i</a:t>
+            </a:r>
+            <a:r>
+              <a:rPr lang="en-US" sz="2600" dirty="0" smtClean="0"/>
+              <a:t>)</a:t>
+            </a:r>
+          </a:p>
+          <a:p>
+            <a:pPr marL="0" lvl="1" indent="0">
+              <a:spcBef>
+                <a:spcPts val="1200"/>
+              </a:spcBef>
+              <a:buNone/>
+            </a:pPr>
+            <a:r>
+              <a:rPr lang="en-US" sz="2400" dirty="0" smtClean="0">
+                <a:solidFill>
+                  <a:schemeClr val="accent5"/>
+                </a:solidFill>
+              </a:rPr>
+              <a:t>[Disadvantages?]</a:t>
+            </a:r>
+          </a:p>
+          <a:p>
+            <a:pPr marL="0" lvl="1" indent="0">
+              <a:spcBef>
+                <a:spcPts val="1800"/>
+              </a:spcBef>
+              <a:buNone/>
+            </a:pPr>
+            <a:endParaRPr lang="en-US" dirty="0" smtClean="0"/>
+          </a:p>
+          <a:p>
+            <a:pPr marL="0" lvl="1" indent="0">
+              <a:spcBef>
+                <a:spcPts val="1800"/>
+              </a:spcBef>
+              <a:buNone/>
+            </a:pPr>
+            <a:endParaRPr lang="en-US" dirty="0" smtClean="0"/>
+          </a:p>
+          <a:p>
+            <a:pPr marL="0" lvl="1" indent="0">
+              <a:spcBef>
+                <a:spcPts val="1800"/>
+              </a:spcBef>
+              <a:buNone/>
+            </a:pPr>
+            <a:endParaRPr lang="en-US" dirty="0" smtClean="0"/>
+          </a:p>
+          <a:p>
+            <a:pPr marL="0" lvl="1" indent="0">
+              <a:spcBef>
+                <a:spcPts val="1800"/>
+              </a:spcBef>
+              <a:buNone/>
+            </a:pPr>
+            <a:endParaRPr lang="en-US" dirty="0" smtClean="0"/>
           </a:p>
         </p:txBody>
       </p:sp>
-      <p:pic>
-        <p:nvPicPr>
-          <p:cNvPr id="14338" name="Picture 2" descr="http://bobnalice.files.wordpress.com/2009/02/tux.jpg?w=700"/>
-          <p:cNvPicPr>
-            <a:picLocks noChangeAspect="1" noChangeArrowheads="1"/>
-          </p:cNvPicPr>
-          <p:nvPr/>
-        </p:nvPicPr>
-        <p:blipFill>
-          <a:blip r:embed="rId3">
-            <a:extLst>
-              <a:ext uri="{28A0092B-C50C-407E-A947-70E740481C1C}">
-                <a14:useLocalDpi xmlns:a14="http://schemas.microsoft.com/office/drawing/2010/main"/>
-              </a:ext>
-            </a:extLst>
-          </a:blip>
-          <a:srcRect/>
-          <a:stretch>
-            <a:fillRect/>
-          </a:stretch>
-        </p:blipFill>
-        <p:spPr bwMode="auto">
-          <a:xfrm>
-            <a:off x="2571750" y="2743202"/>
-            <a:ext cx="1400175" cy="2057401"/>
-          </a:xfrm>
-          <a:prstGeom prst="rect">
-            <a:avLst/>
-          </a:prstGeom>
-          <a:noFill/>
-          <a:extLst>
-            <a:ext uri="{909E8E84-426E-40dd-AFC4-6F175D3DCCD1}">
-              <a14:hiddenFill xmlns:a14="http://schemas.microsoft.com/office/drawing/2010/main">
-                <a:solidFill>
-                  <a:srgbClr val="FFFFFF"/>
-                </a:solidFill>
-              </a14:hiddenFill>
-            </a:ext>
-          </a:extLst>
-        </p:spPr>
-      </p:pic>
-      <p:pic>
-        <p:nvPicPr>
-          <p:cNvPr id="14340" name="Picture 4" descr="http://bobnalice.files.wordpress.com/2009/02/tux_ecb.jpg?w=700"/>
-          <p:cNvPicPr>
-            <a:picLocks noChangeAspect="1" noChangeArrowheads="1"/>
-          </p:cNvPicPr>
-          <p:nvPr/>
-        </p:nvPicPr>
-        <p:blipFill>
-          <a:blip r:embed="rId4">
-            <a:extLst>
-              <a:ext uri="{28A0092B-C50C-407E-A947-70E740481C1C}">
-                <a14:useLocalDpi xmlns:a14="http://schemas.microsoft.com/office/drawing/2010/main"/>
-              </a:ext>
-            </a:extLst>
-          </a:blip>
-          <a:srcRect/>
-          <a:stretch>
-            <a:fillRect/>
-          </a:stretch>
-        </p:blipFill>
-        <p:spPr bwMode="auto">
-          <a:xfrm>
-            <a:off x="4914900" y="2743202"/>
-            <a:ext cx="1400175" cy="2057401"/>
-          </a:xfrm>
-          <a:prstGeom prst="rect">
-            <a:avLst/>
-          </a:prstGeom>
-          <a:noFill/>
-          <a:extLst>
-            <a:ext uri="{909E8E84-426E-40dd-AFC4-6F175D3DCCD1}">
-              <a14:hiddenFill xmlns:a14="http://schemas.microsoft.com/office/drawing/2010/main">
-                <a:solidFill>
-                  <a:srgbClr val="FFFFFF"/>
-                </a:solidFill>
-              </a14:hiddenFill>
-            </a:ext>
-          </a:extLst>
-        </p:spPr>
-      </p:pic>
     </p:spTree>
     <p:extLst>
       <p:ext uri="{BB962C8B-B14F-4D97-AF65-F5344CB8AC3E}">
-        <p14:creationId xmlns:p14="http://schemas.microsoft.com/office/powerpoint/2010/main" val="2709353477"/>
+        <p14:creationId xmlns:p14="http://schemas.microsoft.com/office/powerpoint/2010/main" val="2461491257"/>
       </p:ext>
     </p:extLst>
   </p:cSld>
   <p:clrMapOvr>
     <a:masterClrMapping/>
   </p:clrMapOvr>
-  <mc:AlternateContent xmlns:mc="http://schemas.openxmlformats.org/markup-compatibility/2006" xmlns:p14="http://schemas.microsoft.com/office/powerpoint/2010/main">
-    <mc:Choice Requires="p14">
-      <p:transition spd="slow" p14:dur="2000"/>
-    </mc:Choice>
-    <mc:Fallback xmlns="">
-      <p:transition xmlns:p14="http://schemas.microsoft.com/office/powerpoint/2010/main" spd="slow"/>
-    </mc:Fallback>
-  </mc:AlternateContent>
   <p:timing>
     <p:tnLst>
       <p:par>
-        <p:cTn xmlns:p14="http://schemas.microsoft.com/office/powerpoint/2010/main" id="1" dur="indefinite" restart="never" nodeType="tmRoot">
-          <p:childTnLst>
-            <p:seq concurrent="1" nextAc="seek">
-              <p:cTn id="2" dur="indefinite" nodeType="mainSeq">
-                <p:childTnLst>
-                  <p:par>
-                    <p:cTn id="3" fill="hold">
-                      <p:stCondLst>
-                        <p:cond delay="indefinite"/>
-                      </p:stCondLst>
-                      <p:childTnLst>
-                        <p:par>
-                          <p:cTn id="4" fill="hold">
-                            <p:stCondLst>
-                              <p:cond delay="0"/>
-                            </p:stCondLst>
-                            <p:childTnLst>
-                              <p:par>
-                                <p:cTn id="5" presetID="10" presetClass="entr" presetSubtype="0" fill="hold" nodeType="clickEffect">
-                                  <p:stCondLst>
-                                    <p:cond delay="0"/>
-                                  </p:stCondLst>
-                                  <p:childTnLst>
-                                    <p:set>
-                                      <p:cBhvr>
-                                        <p:cTn id="6" dur="1" fill="hold">
-                                          <p:stCondLst>
-                                            <p:cond delay="0"/>
-                                          </p:stCondLst>
-                                        </p:cTn>
-                                        <p:tgtEl>
-                                          <p:spTgt spid="14338"/>
-                                        </p:tgtEl>
-                                        <p:attrNameLst>
-                                          <p:attrName>style.visibility</p:attrName>
-                                        </p:attrNameLst>
-                                      </p:cBhvr>
-                                      <p:to>
-                                        <p:strVal val="visible"/>
-                                      </p:to>
-                                    </p:set>
-                                    <p:animEffect transition="in" filter="fade">
-                                      <p:cBhvr>
-                                        <p:cTn id="7" dur="500"/>
-                                        <p:tgtEl>
-                                          <p:spTgt spid="14338"/>
-                                        </p:tgtEl>
-                                      </p:cBhvr>
-                                    </p:animEffect>
-                                  </p:childTnLst>
-                                </p:cTn>
-                              </p:par>
-                            </p:childTnLst>
-                          </p:cTn>
-                        </p:par>
-                      </p:childTnLst>
-                    </p:cTn>
-                  </p:par>
-                  <p:par>
-                    <p:cTn id="8" fill="hold">
-                      <p:stCondLst>
-                        <p:cond delay="indefinite"/>
-                      </p:stCondLst>
-                      <p:childTnLst>
-                        <p:par>
-                          <p:cTn id="9" fill="hold">
-                            <p:stCondLst>
-                              <p:cond delay="0"/>
-                            </p:stCondLst>
-                            <p:childTnLst>
-                              <p:par>
-                                <p:cTn id="10" presetID="10" presetClass="entr" presetSubtype="0" fill="hold" nodeType="clickEffect">
-                                  <p:stCondLst>
-                                    <p:cond delay="0"/>
-                                  </p:stCondLst>
-                                  <p:childTnLst>
-                                    <p:set>
-                                      <p:cBhvr>
-                                        <p:cTn id="11" dur="1" fill="hold">
-                                          <p:stCondLst>
-                                            <p:cond delay="0"/>
-                                          </p:stCondLst>
-                                        </p:cTn>
-                                        <p:tgtEl>
-                                          <p:spTgt spid="14340"/>
-                                        </p:tgtEl>
-                                        <p:attrNameLst>
-                                          <p:attrName>style.visibility</p:attrName>
-                                        </p:attrNameLst>
-                                      </p:cBhvr>
-                                      <p:to>
-                                        <p:strVal val="visible"/>
-                                      </p:to>
-                                    </p:set>
-                                    <p:animEffect transition="in" filter="fade">
-                                      <p:cBhvr>
-                                        <p:cTn id="12" dur="500"/>
-                                        <p:tgtEl>
-                                          <p:spTgt spid="14340"/>
-                                        </p:tgtEl>
-                                      </p:cBhvr>
-                                    </p:animEffect>
-                                  </p:childTnLst>
-                                </p:cTn>
-                              </p:par>
-                            </p:childTnLst>
-                          </p:cTn>
-                        </p:par>
-                      </p:childTnLst>
-                    </p:cTn>
-                  </p:par>
-                </p:childTnLst>
-              </p:cTn>
-              <p:prevCondLst>
-                <p:cond evt="onPrev" delay="0">
-                  <p:tgtEl>
-                    <p:sldTgt/>
-                  </p:tgtEl>
-                </p:cond>
-              </p:prevCondLst>
-              <p:nextCondLst>
-                <p:cond evt="onNext" delay="0">
-                  <p:tgtEl>
-                    <p:sldTgt/>
-                  </p:tgtEl>
-                </p:cond>
-              </p:nextCondLst>
-            </p:seq>
-          </p:childTnLst>
-        </p:cTn>
+        <p:cTn xmlns:p14="http://schemas.microsoft.com/office/powerpoint/2010/main" id="1" dur="indefinite" restart="never" nodeType="tmRoot"/>
       </p:par>
     </p:tnLst>
   </p:timing>
@@ -31606,195 +31447,102 @@
       </p:grpSpPr>
       <p:sp>
         <p:nvSpPr>
-          <p:cNvPr id="2" name="Content Placeholder 1"/>
+          <p:cNvPr id="2" name="Title 1"/>
           <p:cNvSpPr>
             <a:spLocks noGrp="1"/>
           </p:cNvSpPr>
           <p:nvPr>
-            <p:ph idx="1"/>
+            <p:ph type="title"/>
           </p:nvPr>
         </p:nvSpPr>
         <p:spPr/>
         <p:txBody>
           <a:bodyPr>
-            <a:normAutofit/>
+            <a:normAutofit fontScale="90000"/>
           </a:bodyPr>
           <a:lstStyle/>
           <a:p>
             <a:r>
-              <a:rPr lang="en-US" sz="2600" dirty="0" smtClean="0"/>
-              <a:t>Better (and common): </a:t>
-            </a:r>
-            <a:br>
-              <a:rPr lang="en-US" sz="2600" dirty="0" smtClean="0"/>
-            </a:br>
-            <a:r>
-              <a:rPr lang="en-US" sz="3000" b="1" dirty="0" smtClean="0">
-                <a:solidFill>
-                  <a:schemeClr val="accent1"/>
-                </a:solidFill>
-              </a:rPr>
-              <a:t>CBC mode</a:t>
-            </a:r>
-            <a:r>
-              <a:rPr lang="en-US" sz="3000" dirty="0" smtClean="0"/>
-              <a:t> (</a:t>
-            </a:r>
-            <a:r>
-              <a:rPr lang="en-US" sz="3000" b="1" dirty="0" smtClean="0"/>
-              <a:t>cipher-block chaining</a:t>
-            </a:r>
-            <a:r>
-              <a:rPr lang="en-US" sz="3000" dirty="0" smtClean="0"/>
-              <a:t>)</a:t>
-            </a:r>
-          </a:p>
-          <a:p>
-            <a:r>
-              <a:rPr lang="en-US" sz="3000" i="1" dirty="0" smtClean="0"/>
-              <a:t>Simple-CBC</a:t>
-            </a:r>
-            <a:r>
-              <a:rPr lang="en-US" sz="3000" dirty="0" smtClean="0"/>
-              <a:t>  (for illustration only)</a:t>
-            </a:r>
-          </a:p>
-          <a:p>
-            <a:pPr lvl="1">
-              <a:buNone/>
-            </a:pPr>
-            <a:r>
-              <a:rPr lang="en-US" dirty="0" smtClean="0"/>
-              <a:t>For each block </a:t>
-            </a:r>
-            <a:r>
-              <a:rPr lang="en-US" b="1" dirty="0" smtClean="0"/>
-              <a:t>P</a:t>
-            </a:r>
-            <a:r>
-              <a:rPr lang="en-US" b="1" baseline="-25000" dirty="0" smtClean="0"/>
-              <a:t>i</a:t>
-            </a:r>
-            <a:r>
-              <a:rPr lang="en-US" dirty="0" smtClean="0"/>
-              <a:t>:</a:t>
-            </a:r>
-          </a:p>
-          <a:p>
-            <a:pPr lvl="1">
-              <a:buNone/>
-            </a:pPr>
-            <a:r>
-              <a:rPr lang="en-US" dirty="0" smtClean="0"/>
-              <a:t>	1. Generate random block </a:t>
-            </a:r>
-            <a:r>
-              <a:rPr lang="en-US" b="1" dirty="0" err="1" smtClean="0"/>
-              <a:t>R</a:t>
-            </a:r>
-            <a:r>
-              <a:rPr lang="en-US" b="1" baseline="-25000" dirty="0" err="1" smtClean="0"/>
-              <a:t>i</a:t>
-            </a:r>
-            <a:endParaRPr lang="en-US" b="1" dirty="0" smtClean="0"/>
-          </a:p>
-          <a:p>
-            <a:pPr lvl="1">
-              <a:buNone/>
-            </a:pPr>
-            <a:r>
-              <a:rPr lang="en-US" dirty="0" smtClean="0"/>
-              <a:t>	2. </a:t>
-            </a:r>
-            <a:r>
-              <a:rPr lang="en-US" b="1" dirty="0" err="1" smtClean="0"/>
-              <a:t>C</a:t>
-            </a:r>
-            <a:r>
-              <a:rPr lang="en-US" b="1" baseline="-25000" dirty="0" err="1" smtClean="0"/>
-              <a:t>i</a:t>
-            </a:r>
-            <a:r>
-              <a:rPr lang="en-US" dirty="0" smtClean="0"/>
-              <a:t> := (</a:t>
-            </a:r>
-            <a:r>
-              <a:rPr lang="en-US" b="1" dirty="0" err="1" smtClean="0"/>
-              <a:t>R</a:t>
-            </a:r>
-            <a:r>
-              <a:rPr lang="en-US" b="1" baseline="-25000" dirty="0" err="1" smtClean="0"/>
-              <a:t>i</a:t>
-            </a:r>
-            <a:r>
-              <a:rPr lang="en-US" dirty="0" smtClean="0"/>
-              <a:t> || </a:t>
-            </a:r>
-            <a:r>
-              <a:rPr lang="en-US" b="1" i="1" dirty="0" err="1" smtClean="0"/>
-              <a:t>E</a:t>
-            </a:r>
-            <a:r>
-              <a:rPr lang="en-US" b="1" baseline="-25000" dirty="0" err="1" smtClean="0"/>
-              <a:t>k</a:t>
-            </a:r>
-            <a:r>
-              <a:rPr lang="en-US" dirty="0" smtClean="0"/>
-              <a:t>(</a:t>
-            </a:r>
-            <a:r>
-              <a:rPr lang="en-US" b="1" dirty="0" smtClean="0"/>
-              <a:t>P</a:t>
-            </a:r>
-            <a:r>
-              <a:rPr lang="en-US" b="1" baseline="-25000" dirty="0" smtClean="0"/>
-              <a:t>i</a:t>
-            </a:r>
-            <a:r>
-              <a:rPr lang="en-US" dirty="0" smtClean="0"/>
-              <a:t> xor </a:t>
-            </a:r>
-            <a:r>
-              <a:rPr lang="en-US" b="1" dirty="0" err="1" smtClean="0"/>
-              <a:t>R</a:t>
-            </a:r>
-            <a:r>
-              <a:rPr lang="en-US" b="1" baseline="-25000" dirty="0" err="1" smtClean="0"/>
-              <a:t>i</a:t>
-            </a:r>
-            <a:r>
-              <a:rPr lang="en-US" dirty="0" smtClean="0"/>
-              <a:t>))</a:t>
-            </a:r>
-          </a:p>
-          <a:p>
-            <a:pPr lvl="1">
-              <a:spcBef>
-                <a:spcPts val="1200"/>
-              </a:spcBef>
-              <a:buNone/>
-            </a:pPr>
-            <a:r>
-              <a:rPr lang="en-US" dirty="0" smtClean="0">
-                <a:solidFill>
-                  <a:schemeClr val="accent5"/>
-                </a:solidFill>
-              </a:rPr>
-              <a:t>[Pros and cons?]</a:t>
-            </a:r>
+              <a:rPr lang="en-US" dirty="0" smtClean="0"/>
+              <a:t>Electronic </a:t>
+            </a:r>
+            <a:r>
+              <a:rPr lang="en-US" dirty="0" err="1" smtClean="0"/>
+              <a:t>CodeBook</a:t>
+            </a:r>
+            <a:r>
+              <a:rPr lang="en-US" dirty="0" smtClean="0"/>
+              <a:t> (ECB</a:t>
+            </a:r>
+            <a:r>
+              <a:rPr lang="en-US" dirty="0"/>
+              <a:t>) </a:t>
+            </a:r>
+            <a:r>
+              <a:rPr lang="en-US" dirty="0" smtClean="0"/>
+              <a:t>— insecure</a:t>
+            </a:r>
+            <a:endParaRPr lang="en-US" dirty="0"/>
           </a:p>
         </p:txBody>
       </p:sp>
+      <p:pic>
+        <p:nvPicPr>
+          <p:cNvPr id="13314" name="Picture 2" descr="ECB encryption.svg"/>
+          <p:cNvPicPr>
+            <a:picLocks noChangeAspect="1" noChangeArrowheads="1"/>
+          </p:cNvPicPr>
+          <p:nvPr/>
+        </p:nvPicPr>
+        <p:blipFill rotWithShape="1">
+          <a:blip r:embed="rId3" cstate="screen">
+            <a:extLst>
+              <a:ext uri="{28A0092B-C50C-407E-A947-70E740481C1C}">
+                <a14:useLocalDpi xmlns:a14="http://schemas.microsoft.com/office/drawing/2010/main"/>
+              </a:ext>
+            </a:extLst>
+          </a:blip>
+          <a:srcRect/>
+          <a:stretch/>
+        </p:blipFill>
+        <p:spPr bwMode="auto">
+          <a:xfrm>
+            <a:off x="0" y="2133600"/>
+            <a:ext cx="9144000" cy="3988772"/>
+          </a:xfrm>
+          <a:prstGeom prst="rect">
+            <a:avLst/>
+          </a:prstGeom>
+          <a:noFill/>
+          <a:extLst>
+            <a:ext uri="{909E8E84-426E-40dd-AFC4-6F175D3DCCD1}">
+              <a14:hiddenFill xmlns:a14="http://schemas.microsoft.com/office/drawing/2010/main">
+                <a:solidFill>
+                  <a:srgbClr val="FFFFFF"/>
+                </a:solidFill>
+              </a14:hiddenFill>
+            </a:ext>
+          </a:extLst>
+        </p:spPr>
+      </p:pic>
     </p:spTree>
     <p:extLst>
       <p:ext uri="{BB962C8B-B14F-4D97-AF65-F5344CB8AC3E}">
-        <p14:creationId xmlns:p14="http://schemas.microsoft.com/office/powerpoint/2010/main" val="1039592326"/>
+        <p14:creationId xmlns:p14="http://schemas.microsoft.com/office/powerpoint/2010/main" val="4198601161"/>
       </p:ext>
     </p:extLst>
   </p:cSld>
   <p:clrMapOvr>
     <a:masterClrMapping/>
   </p:clrMapOvr>
+  <mc:AlternateContent xmlns:mc="http://schemas.openxmlformats.org/markup-compatibility/2006" xmlns:p14="http://schemas.microsoft.com/office/powerpoint/2010/main">
+    <mc:Choice Requires="p14">
+      <p:transition spd="slow" p14:dur="2000"/>
+    </mc:Choice>
+    <mc:Fallback xmlns="">
+      <p:transition xmlns:p14="http://schemas.microsoft.com/office/powerpoint/2010/main" spd="slow"/>
+    </mc:Fallback>
+  </mc:AlternateContent>
   <p:timing>
     <p:tnLst>
       <p:par>
@@ -31806,6 +31554,531 @@
 </file>
 
 <file path=ppt/slides/slide51.xml><?xml version="1.0" encoding="utf-8"?>
+<p:sld xmlns:a="http://schemas.openxmlformats.org/drawingml/2006/main" xmlns:r="http://schemas.openxmlformats.org/officeDocument/2006/relationships" xmlns:p="http://schemas.openxmlformats.org/presentationml/2006/main">
+  <p:cSld>
+    <p:spTree>
+      <p:nvGrpSpPr>
+        <p:cNvPr id="1" name=""/>
+        <p:cNvGrpSpPr/>
+        <p:nvPr/>
+      </p:nvGrpSpPr>
+      <p:grpSpPr>
+        <a:xfrm>
+          <a:off x="0" y="0"/>
+          <a:ext cx="0" cy="0"/>
+          <a:chOff x="0" y="0"/>
+          <a:chExt cx="0" cy="0"/>
+        </a:xfrm>
+      </p:grpSpPr>
+      <p:sp>
+        <p:nvSpPr>
+          <p:cNvPr id="2" name="Title 1"/>
+          <p:cNvSpPr>
+            <a:spLocks noGrp="1"/>
+          </p:cNvSpPr>
+          <p:nvPr>
+            <p:ph type="title"/>
+          </p:nvPr>
+        </p:nvSpPr>
+        <p:spPr/>
+        <p:txBody>
+          <a:bodyPr>
+            <a:normAutofit fontScale="90000"/>
+          </a:bodyPr>
+          <a:lstStyle/>
+          <a:p>
+            <a:r>
+              <a:rPr lang="en-US" dirty="0" smtClean="0"/>
+              <a:t>ECB: 	identical input </a:t>
+            </a:r>
+            <a:r>
+              <a:rPr lang="en-US" dirty="0"/>
+              <a:t>blocks </a:t>
+            </a:r>
+            <a:r>
+              <a:rPr lang="en-US" dirty="0" smtClean="0"/>
+              <a:t/>
+            </a:r>
+            <a:br>
+              <a:rPr lang="en-US" dirty="0" smtClean="0"/>
+            </a:br>
+            <a:r>
+              <a:rPr lang="en-US" dirty="0" smtClean="0"/>
+              <a:t>    ➡ 	identical </a:t>
+            </a:r>
+            <a:r>
+              <a:rPr lang="en-US" dirty="0"/>
+              <a:t>output blocks</a:t>
+            </a:r>
+          </a:p>
+        </p:txBody>
+      </p:sp>
+      <p:pic>
+        <p:nvPicPr>
+          <p:cNvPr id="14338" name="Picture 2" descr="http://bobnalice.files.wordpress.com/2009/02/tux.jpg?w=700"/>
+          <p:cNvPicPr>
+            <a:picLocks noChangeAspect="1" noChangeArrowheads="1"/>
+          </p:cNvPicPr>
+          <p:nvPr/>
+        </p:nvPicPr>
+        <p:blipFill>
+          <a:blip r:embed="rId3">
+            <a:extLst>
+              <a:ext uri="{28A0092B-C50C-407E-A947-70E740481C1C}">
+                <a14:useLocalDpi xmlns:a14="http://schemas.microsoft.com/office/drawing/2010/main"/>
+              </a:ext>
+            </a:extLst>
+          </a:blip>
+          <a:srcRect/>
+          <a:stretch>
+            <a:fillRect/>
+          </a:stretch>
+        </p:blipFill>
+        <p:spPr bwMode="auto">
+          <a:xfrm>
+            <a:off x="2571750" y="2743202"/>
+            <a:ext cx="1400175" cy="2057401"/>
+          </a:xfrm>
+          <a:prstGeom prst="rect">
+            <a:avLst/>
+          </a:prstGeom>
+          <a:noFill/>
+          <a:extLst>
+            <a:ext uri="{909E8E84-426E-40dd-AFC4-6F175D3DCCD1}">
+              <a14:hiddenFill xmlns:a14="http://schemas.microsoft.com/office/drawing/2010/main">
+                <a:solidFill>
+                  <a:srgbClr val="FFFFFF"/>
+                </a:solidFill>
+              </a14:hiddenFill>
+            </a:ext>
+          </a:extLst>
+        </p:spPr>
+      </p:pic>
+      <p:pic>
+        <p:nvPicPr>
+          <p:cNvPr id="14340" name="Picture 4" descr="http://bobnalice.files.wordpress.com/2009/02/tux_ecb.jpg?w=700"/>
+          <p:cNvPicPr>
+            <a:picLocks noChangeAspect="1" noChangeArrowheads="1"/>
+          </p:cNvPicPr>
+          <p:nvPr/>
+        </p:nvPicPr>
+        <p:blipFill>
+          <a:blip r:embed="rId4">
+            <a:extLst>
+              <a:ext uri="{28A0092B-C50C-407E-A947-70E740481C1C}">
+                <a14:useLocalDpi xmlns:a14="http://schemas.microsoft.com/office/drawing/2010/main"/>
+              </a:ext>
+            </a:extLst>
+          </a:blip>
+          <a:srcRect/>
+          <a:stretch>
+            <a:fillRect/>
+          </a:stretch>
+        </p:blipFill>
+        <p:spPr bwMode="auto">
+          <a:xfrm>
+            <a:off x="4914900" y="2743202"/>
+            <a:ext cx="1400175" cy="2057401"/>
+          </a:xfrm>
+          <a:prstGeom prst="rect">
+            <a:avLst/>
+          </a:prstGeom>
+          <a:noFill/>
+          <a:extLst>
+            <a:ext uri="{909E8E84-426E-40dd-AFC4-6F175D3DCCD1}">
+              <a14:hiddenFill xmlns:a14="http://schemas.microsoft.com/office/drawing/2010/main">
+                <a:solidFill>
+                  <a:srgbClr val="FFFFFF"/>
+                </a:solidFill>
+              </a14:hiddenFill>
+            </a:ext>
+          </a:extLst>
+        </p:spPr>
+      </p:pic>
+    </p:spTree>
+    <p:extLst>
+      <p:ext uri="{BB962C8B-B14F-4D97-AF65-F5344CB8AC3E}">
+        <p14:creationId xmlns:p14="http://schemas.microsoft.com/office/powerpoint/2010/main" val="2709353477"/>
+      </p:ext>
+    </p:extLst>
+  </p:cSld>
+  <p:clrMapOvr>
+    <a:masterClrMapping/>
+  </p:clrMapOvr>
+  <mc:AlternateContent xmlns:mc="http://schemas.openxmlformats.org/markup-compatibility/2006" xmlns:p14="http://schemas.microsoft.com/office/powerpoint/2010/main">
+    <mc:Choice Requires="p14">
+      <p:transition spd="slow" p14:dur="2000"/>
+    </mc:Choice>
+    <mc:Fallback xmlns="">
+      <p:transition xmlns:p14="http://schemas.microsoft.com/office/powerpoint/2010/main" spd="slow"/>
+    </mc:Fallback>
+  </mc:AlternateContent>
+  <p:timing>
+    <p:tnLst>
+      <p:par>
+        <p:cTn xmlns:p14="http://schemas.microsoft.com/office/powerpoint/2010/main" id="1" dur="indefinite" restart="never" nodeType="tmRoot">
+          <p:childTnLst>
+            <p:seq concurrent="1" nextAc="seek">
+              <p:cTn id="2" dur="indefinite" nodeType="mainSeq">
+                <p:childTnLst>
+                  <p:par>
+                    <p:cTn id="3" fill="hold">
+                      <p:stCondLst>
+                        <p:cond delay="indefinite"/>
+                      </p:stCondLst>
+                      <p:childTnLst>
+                        <p:par>
+                          <p:cTn id="4" fill="hold">
+                            <p:stCondLst>
+                              <p:cond delay="0"/>
+                            </p:stCondLst>
+                            <p:childTnLst>
+                              <p:par>
+                                <p:cTn id="5" presetID="10" presetClass="entr" presetSubtype="0" fill="hold" nodeType="clickEffect">
+                                  <p:stCondLst>
+                                    <p:cond delay="0"/>
+                                  </p:stCondLst>
+                                  <p:childTnLst>
+                                    <p:set>
+                                      <p:cBhvr>
+                                        <p:cTn id="6" dur="1" fill="hold">
+                                          <p:stCondLst>
+                                            <p:cond delay="0"/>
+                                          </p:stCondLst>
+                                        </p:cTn>
+                                        <p:tgtEl>
+                                          <p:spTgt spid="14338"/>
+                                        </p:tgtEl>
+                                        <p:attrNameLst>
+                                          <p:attrName>style.visibility</p:attrName>
+                                        </p:attrNameLst>
+                                      </p:cBhvr>
+                                      <p:to>
+                                        <p:strVal val="visible"/>
+                                      </p:to>
+                                    </p:set>
+                                    <p:animEffect transition="in" filter="fade">
+                                      <p:cBhvr>
+                                        <p:cTn id="7" dur="500"/>
+                                        <p:tgtEl>
+                                          <p:spTgt spid="14338"/>
+                                        </p:tgtEl>
+                                      </p:cBhvr>
+                                    </p:animEffect>
+                                  </p:childTnLst>
+                                </p:cTn>
+                              </p:par>
+                            </p:childTnLst>
+                          </p:cTn>
+                        </p:par>
+                      </p:childTnLst>
+                    </p:cTn>
+                  </p:par>
+                  <p:par>
+                    <p:cTn id="8" fill="hold">
+                      <p:stCondLst>
+                        <p:cond delay="indefinite"/>
+                      </p:stCondLst>
+                      <p:childTnLst>
+                        <p:par>
+                          <p:cTn id="9" fill="hold">
+                            <p:stCondLst>
+                              <p:cond delay="0"/>
+                            </p:stCondLst>
+                            <p:childTnLst>
+                              <p:par>
+                                <p:cTn id="10" presetID="10" presetClass="entr" presetSubtype="0" fill="hold" nodeType="clickEffect">
+                                  <p:stCondLst>
+                                    <p:cond delay="0"/>
+                                  </p:stCondLst>
+                                  <p:childTnLst>
+                                    <p:set>
+                                      <p:cBhvr>
+                                        <p:cTn id="11" dur="1" fill="hold">
+                                          <p:stCondLst>
+                                            <p:cond delay="0"/>
+                                          </p:stCondLst>
+                                        </p:cTn>
+                                        <p:tgtEl>
+                                          <p:spTgt spid="14340"/>
+                                        </p:tgtEl>
+                                        <p:attrNameLst>
+                                          <p:attrName>style.visibility</p:attrName>
+                                        </p:attrNameLst>
+                                      </p:cBhvr>
+                                      <p:to>
+                                        <p:strVal val="visible"/>
+                                      </p:to>
+                                    </p:set>
+                                    <p:animEffect transition="in" filter="fade">
+                                      <p:cBhvr>
+                                        <p:cTn id="12" dur="500"/>
+                                        <p:tgtEl>
+                                          <p:spTgt spid="14340"/>
+                                        </p:tgtEl>
+                                      </p:cBhvr>
+                                    </p:animEffect>
+                                  </p:childTnLst>
+                                </p:cTn>
+                              </p:par>
+                            </p:childTnLst>
+                          </p:cTn>
+                        </p:par>
+                      </p:childTnLst>
+                    </p:cTn>
+                  </p:par>
+                </p:childTnLst>
+              </p:cTn>
+              <p:prevCondLst>
+                <p:cond evt="onPrev" delay="0">
+                  <p:tgtEl>
+                    <p:sldTgt/>
+                  </p:tgtEl>
+                </p:cond>
+              </p:prevCondLst>
+              <p:nextCondLst>
+                <p:cond evt="onNext" delay="0">
+                  <p:tgtEl>
+                    <p:sldTgt/>
+                  </p:tgtEl>
+                </p:cond>
+              </p:nextCondLst>
+            </p:seq>
+          </p:childTnLst>
+        </p:cTn>
+      </p:par>
+    </p:tnLst>
+  </p:timing>
+</p:sld>
+</file>
+
+<file path=ppt/slides/slide52.xml><?xml version="1.0" encoding="utf-8"?>
+<p:sld xmlns:a="http://schemas.openxmlformats.org/drawingml/2006/main" xmlns:r="http://schemas.openxmlformats.org/officeDocument/2006/relationships" xmlns:p="http://schemas.openxmlformats.org/presentationml/2006/main" show="0">
+  <p:cSld>
+    <p:spTree>
+      <p:nvGrpSpPr>
+        <p:cNvPr id="1" name=""/>
+        <p:cNvGrpSpPr/>
+        <p:nvPr/>
+      </p:nvGrpSpPr>
+      <p:grpSpPr>
+        <a:xfrm>
+          <a:off x="0" y="0"/>
+          <a:ext cx="0" cy="0"/>
+          <a:chOff x="0" y="0"/>
+          <a:chExt cx="0" cy="0"/>
+        </a:xfrm>
+      </p:grpSpPr>
+      <p:sp>
+        <p:nvSpPr>
+          <p:cNvPr id="2" name="Content Placeholder 1"/>
+          <p:cNvSpPr>
+            <a:spLocks noGrp="1"/>
+          </p:cNvSpPr>
+          <p:nvPr>
+            <p:ph idx="1"/>
+          </p:nvPr>
+        </p:nvSpPr>
+        <p:spPr/>
+        <p:txBody>
+          <a:bodyPr>
+            <a:normAutofit/>
+          </a:bodyPr>
+          <a:lstStyle/>
+          <a:p>
+            <a:r>
+              <a:rPr lang="en-US" sz="2600" dirty="0" smtClean="0"/>
+              <a:t>Better (and common): </a:t>
+            </a:r>
+            <a:br>
+              <a:rPr lang="en-US" sz="2600" dirty="0" smtClean="0"/>
+            </a:br>
+            <a:r>
+              <a:rPr lang="en-US" sz="3000" b="1" dirty="0" smtClean="0">
+                <a:solidFill>
+                  <a:schemeClr val="accent1"/>
+                </a:solidFill>
+              </a:rPr>
+              <a:t>CBC mode</a:t>
+            </a:r>
+            <a:r>
+              <a:rPr lang="en-US" sz="3000" dirty="0" smtClean="0"/>
+              <a:t> (</a:t>
+            </a:r>
+            <a:r>
+              <a:rPr lang="en-US" sz="3000" b="1" dirty="0" smtClean="0"/>
+              <a:t>cipher-block chaining</a:t>
+            </a:r>
+            <a:r>
+              <a:rPr lang="en-US" sz="3000" dirty="0" smtClean="0"/>
+              <a:t>)</a:t>
+            </a:r>
+          </a:p>
+          <a:p>
+            <a:r>
+              <a:rPr lang="en-US" sz="3000" i="1" dirty="0" smtClean="0"/>
+              <a:t>Simple-CBC</a:t>
+            </a:r>
+            <a:r>
+              <a:rPr lang="en-US" sz="3000" dirty="0" smtClean="0"/>
+              <a:t>  (for illustration only)</a:t>
+            </a:r>
+          </a:p>
+          <a:p>
+            <a:pPr lvl="1">
+              <a:buNone/>
+            </a:pPr>
+            <a:r>
+              <a:rPr lang="en-US" dirty="0" smtClean="0"/>
+              <a:t>For each block </a:t>
+            </a:r>
+            <a:r>
+              <a:rPr lang="en-US" b="1" dirty="0" smtClean="0"/>
+              <a:t>P</a:t>
+            </a:r>
+            <a:r>
+              <a:rPr lang="en-US" b="1" baseline="-25000" dirty="0" smtClean="0"/>
+              <a:t>i</a:t>
+            </a:r>
+            <a:r>
+              <a:rPr lang="en-US" dirty="0" smtClean="0"/>
+              <a:t>:</a:t>
+            </a:r>
+          </a:p>
+          <a:p>
+            <a:pPr lvl="1">
+              <a:buNone/>
+            </a:pPr>
+            <a:r>
+              <a:rPr lang="en-US" dirty="0" smtClean="0"/>
+              <a:t>	1. Generate random block </a:t>
+            </a:r>
+            <a:r>
+              <a:rPr lang="en-US" b="1" dirty="0" err="1" smtClean="0"/>
+              <a:t>R</a:t>
+            </a:r>
+            <a:r>
+              <a:rPr lang="en-US" b="1" baseline="-25000" dirty="0" err="1" smtClean="0"/>
+              <a:t>i</a:t>
+            </a:r>
+            <a:endParaRPr lang="en-US" b="1" dirty="0" smtClean="0"/>
+          </a:p>
+          <a:p>
+            <a:pPr lvl="1">
+              <a:buNone/>
+            </a:pPr>
+            <a:r>
+              <a:rPr lang="en-US" dirty="0" smtClean="0"/>
+              <a:t>	2. </a:t>
+            </a:r>
+            <a:r>
+              <a:rPr lang="en-US" b="1" dirty="0" err="1" smtClean="0"/>
+              <a:t>C</a:t>
+            </a:r>
+            <a:r>
+              <a:rPr lang="en-US" b="1" baseline="-25000" dirty="0" err="1" smtClean="0"/>
+              <a:t>i</a:t>
+            </a:r>
+            <a:r>
+              <a:rPr lang="en-US" dirty="0" smtClean="0"/>
+              <a:t> := (</a:t>
+            </a:r>
+            <a:r>
+              <a:rPr lang="en-US" b="1" dirty="0" err="1" smtClean="0"/>
+              <a:t>R</a:t>
+            </a:r>
+            <a:r>
+              <a:rPr lang="en-US" b="1" baseline="-25000" dirty="0" err="1" smtClean="0"/>
+              <a:t>i</a:t>
+            </a:r>
+            <a:r>
+              <a:rPr lang="en-US" dirty="0" smtClean="0"/>
+              <a:t> || </a:t>
+            </a:r>
+            <a:r>
+              <a:rPr lang="en-US" b="1" i="1" dirty="0" err="1" smtClean="0"/>
+              <a:t>E</a:t>
+            </a:r>
+            <a:r>
+              <a:rPr lang="en-US" b="1" baseline="-25000" dirty="0" err="1" smtClean="0"/>
+              <a:t>k</a:t>
+            </a:r>
+            <a:r>
+              <a:rPr lang="en-US" dirty="0" smtClean="0"/>
+              <a:t>(</a:t>
+            </a:r>
+            <a:r>
+              <a:rPr lang="en-US" b="1" dirty="0" smtClean="0"/>
+              <a:t>P</a:t>
+            </a:r>
+            <a:r>
+              <a:rPr lang="en-US" b="1" baseline="-25000" dirty="0" smtClean="0"/>
+              <a:t>i</a:t>
+            </a:r>
+            <a:r>
+              <a:rPr lang="en-US" dirty="0" smtClean="0"/>
+              <a:t> xor </a:t>
+            </a:r>
+            <a:r>
+              <a:rPr lang="en-US" b="1" dirty="0" err="1" smtClean="0"/>
+              <a:t>R</a:t>
+            </a:r>
+            <a:r>
+              <a:rPr lang="en-US" b="1" baseline="-25000" dirty="0" err="1" smtClean="0"/>
+              <a:t>i</a:t>
+            </a:r>
+            <a:r>
+              <a:rPr lang="en-US" dirty="0" smtClean="0"/>
+              <a:t>))</a:t>
+            </a:r>
+          </a:p>
+          <a:p>
+            <a:pPr lvl="1">
+              <a:spcBef>
+                <a:spcPts val="1200"/>
+              </a:spcBef>
+              <a:buNone/>
+            </a:pPr>
+            <a:r>
+              <a:rPr lang="en-US" dirty="0" smtClean="0">
+                <a:solidFill>
+                  <a:schemeClr val="accent5"/>
+                </a:solidFill>
+              </a:rPr>
+              <a:t>[Pros and cons?]</a:t>
+            </a:r>
+          </a:p>
+        </p:txBody>
+      </p:sp>
+    </p:spTree>
+    <p:extLst>
+      <p:ext uri="{BB962C8B-B14F-4D97-AF65-F5344CB8AC3E}">
+        <p14:creationId xmlns:p14="http://schemas.microsoft.com/office/powerpoint/2010/main" val="1039592326"/>
+      </p:ext>
+    </p:extLst>
+  </p:cSld>
+  <p:clrMapOvr>
+    <a:masterClrMapping/>
+  </p:clrMapOvr>
+  <mc:AlternateContent xmlns:mc="http://schemas.openxmlformats.org/markup-compatibility/2006">
+    <mc:Choice xmlns:p14="http://schemas.microsoft.com/office/powerpoint/2010/main" Requires="p14">
+      <p:transition spd="slow" p14:dur="2000"/>
+    </mc:Choice>
+    <mc:Fallback>
+      <p:transition xmlns:p14="http://schemas.microsoft.com/office/powerpoint/2010/main" spd="slow"/>
+    </mc:Fallback>
+  </mc:AlternateContent>
+  <p:timing>
+    <p:tnLst>
+      <p:par>
+        <p:cTn xmlns:p14="http://schemas.microsoft.com/office/powerpoint/2010/main" id="1" dur="indefinite" restart="never" nodeType="tmRoot"/>
+      </p:par>
+    </p:tnLst>
+  </p:timing>
+</p:sld>
+</file>
+
+<file path=ppt/slides/slide53.xml><?xml version="1.0" encoding="utf-8"?>
 <p:sld xmlns:a="http://schemas.openxmlformats.org/drawingml/2006/main" xmlns:r="http://schemas.openxmlformats.org/officeDocument/2006/relationships" xmlns:p="http://schemas.openxmlformats.org/presentationml/2006/main">
   <p:cSld>
     <p:spTree>
@@ -31995,7 +32268,7 @@
 </p:sld>
 </file>
 
-<file path=ppt/slides/slide52.xml><?xml version="1.0" encoding="utf-8"?>
+<file path=ppt/slides/slide54.xml><?xml version="1.0" encoding="utf-8"?>
 <p:sld xmlns:a="http://schemas.openxmlformats.org/drawingml/2006/main" xmlns:r="http://schemas.openxmlformats.org/officeDocument/2006/relationships" xmlns:p="http://schemas.openxmlformats.org/presentationml/2006/main">
   <p:cSld>
     <p:spTree>
@@ -32014,7 +32287,32 @@
       </p:grpSpPr>
       <p:sp>
         <p:nvSpPr>
-          <p:cNvPr id="2" name="Content Placeholder 1"/>
+          <p:cNvPr id="2" name="Title 1"/>
+          <p:cNvSpPr>
+            <a:spLocks noGrp="1"/>
+          </p:cNvSpPr>
+          <p:nvPr>
+            <p:ph type="title"/>
+          </p:nvPr>
+        </p:nvSpPr>
+        <p:spPr/>
+        <p:txBody>
+          <a:bodyPr>
+            <a:normAutofit fontScale="90000"/>
+          </a:bodyPr>
+          <a:lstStyle/>
+          <a:p>
+            <a:r>
+              <a:rPr lang="en-US" dirty="0" smtClean="0"/>
+              <a:t>Possible Ideas for Initialization Vector</a:t>
+            </a:r>
+            <a:endParaRPr lang="en-US" dirty="0"/>
+          </a:p>
+        </p:txBody>
+      </p:sp>
+      <p:sp>
+        <p:nvSpPr>
+          <p:cNvPr id="3" name="Content Placeholder 2"/>
           <p:cNvSpPr>
             <a:spLocks noGrp="1"/>
           </p:cNvSpPr>
@@ -32024,63 +32322,101 @@
         </p:nvSpPr>
         <p:spPr/>
         <p:txBody>
-          <a:bodyPr/>
+          <a:bodyPr>
+            <a:normAutofit fontScale="92500"/>
+          </a:bodyPr>
           <a:lstStyle/>
           <a:p>
             <a:r>
-              <a:rPr lang="en-US" sz="2400" i="1" dirty="0" smtClean="0"/>
-              <a:t>Assumption we’ve been making so far:</a:t>
-            </a:r>
-            <a:br>
-              <a:rPr lang="en-US" sz="2400" i="1" dirty="0" smtClean="0"/>
-            </a:br>
-            <a:r>
-              <a:rPr lang="en-US" sz="2800" dirty="0" smtClean="0"/>
-              <a:t>Alice and Bob shared a secret key in advance.</a:t>
-            </a:r>
-          </a:p>
-          <a:p>
-            <a:r>
-              <a:rPr lang="en-US" sz="2800" b="1" dirty="0" smtClean="0"/>
-              <a:t>Amazing fact:</a:t>
-            </a:r>
-            <a:br>
-              <a:rPr lang="en-US" sz="2800" b="1" dirty="0" smtClean="0"/>
-            </a:br>
-            <a:r>
-              <a:rPr lang="en-US" sz="2800" dirty="0" smtClean="0"/>
-              <a:t>Alice and Bob can have a </a:t>
-            </a:r>
-            <a:r>
-              <a:rPr lang="en-US" sz="2800" u="sng" dirty="0" smtClean="0"/>
-              <a:t>public</a:t>
-            </a:r>
-            <a:r>
-              <a:rPr lang="en-US" sz="2800" dirty="0" smtClean="0"/>
-              <a:t> conversation to derive a shared key</a:t>
-            </a:r>
-            <a:r>
-              <a:rPr lang="en-US" sz="2800" dirty="0"/>
-              <a:t>!</a:t>
-            </a:r>
-            <a:endParaRPr lang="en-US" sz="2800" dirty="0" smtClean="0"/>
+              <a:rPr lang="en-US" dirty="0" smtClean="0"/>
+              <a:t>Counter</a:t>
+            </a:r>
+          </a:p>
+          <a:p>
+            <a:pPr lvl="1"/>
+            <a:r>
+              <a:rPr lang="en-US" dirty="0" smtClean="0"/>
+              <a:t>Not the best idea, as many messages start the same way across multiple blocks.</a:t>
+            </a:r>
+          </a:p>
+          <a:p>
+            <a:pPr lvl="1"/>
+            <a:r>
+              <a:rPr lang="en-US" dirty="0"/>
+              <a:t>D</a:t>
+            </a:r>
+            <a:r>
+              <a:rPr lang="en-US" dirty="0" smtClean="0"/>
+              <a:t>ifferences between two </a:t>
+            </a:r>
+            <a:r>
+              <a:rPr lang="en-US" dirty="0" err="1" smtClean="0"/>
+              <a:t>ciphertexts</a:t>
+            </a:r>
+            <a:r>
+              <a:rPr lang="en-US" dirty="0"/>
+              <a:t>:</a:t>
+            </a:r>
+            <a:r>
+              <a:rPr lang="en-US" dirty="0" smtClean="0"/>
+              <a:t> the attacker could learn something about the plaintext.</a:t>
+            </a:r>
+            <a:endParaRPr lang="en-US" dirty="0"/>
+          </a:p>
+          <a:p>
+            <a:r>
+              <a:rPr lang="en-US" dirty="0" smtClean="0"/>
+              <a:t>Random Value</a:t>
+            </a:r>
+          </a:p>
+          <a:p>
+            <a:pPr lvl="1"/>
+            <a:r>
+              <a:rPr lang="en-US" dirty="0" smtClean="0"/>
+              <a:t>Need source of randomness</a:t>
+            </a:r>
+          </a:p>
+          <a:p>
+            <a:pPr lvl="1"/>
+            <a:r>
+              <a:rPr lang="en-US" dirty="0" smtClean="0"/>
+              <a:t>Recipient needs to know the value (longer message)</a:t>
+            </a:r>
+            <a:endParaRPr lang="en-US" dirty="0"/>
+          </a:p>
+          <a:p>
+            <a:r>
+              <a:rPr lang="en-US" dirty="0" smtClean="0"/>
+              <a:t>Nonce</a:t>
+            </a:r>
+          </a:p>
+          <a:p>
+            <a:pPr lvl="1"/>
+            <a:endParaRPr lang="en-US" dirty="0"/>
           </a:p>
         </p:txBody>
       </p:sp>
     </p:spTree>
     <p:extLst>
       <p:ext uri="{BB962C8B-B14F-4D97-AF65-F5344CB8AC3E}">
-        <p14:creationId xmlns:p14="http://schemas.microsoft.com/office/powerpoint/2010/main" val="2556419233"/>
+        <p14:creationId xmlns:p14="http://schemas.microsoft.com/office/powerpoint/2010/main" val="3538778600"/>
       </p:ext>
     </p:extLst>
   </p:cSld>
   <p:clrMapOvr>
     <a:masterClrMapping/>
   </p:clrMapOvr>
+  <p:timing>
+    <p:tnLst>
+      <p:par>
+        <p:cTn xmlns:p14="http://schemas.microsoft.com/office/powerpoint/2010/main" id="1" dur="indefinite" restart="never" nodeType="tmRoot"/>
+      </p:par>
+    </p:tnLst>
+  </p:timing>
 </p:sld>
 </file>
 
-<file path=ppt/slides/slide53.xml><?xml version="1.0" encoding="utf-8"?>
+<file path=ppt/slides/slide55.xml><?xml version="1.0" encoding="utf-8"?>
 <p:sld xmlns:a="http://schemas.openxmlformats.org/drawingml/2006/main" xmlns:r="http://schemas.openxmlformats.org/officeDocument/2006/relationships" xmlns:p="http://schemas.openxmlformats.org/presentationml/2006/main">
   <p:cSld>
     <p:spTree>
@@ -32112,7 +32448,11 @@
           <a:bodyPr/>
           <a:lstStyle/>
           <a:p>
-            <a:endParaRPr lang="en-US"/>
+            <a:r>
+              <a:rPr lang="en-US" dirty="0" smtClean="0"/>
+              <a:t>Nonce: Number Used Once</a:t>
+            </a:r>
+            <a:endParaRPr lang="en-US" dirty="0"/>
           </a:p>
         </p:txBody>
       </p:sp>
@@ -32131,10 +32471,161 @@
           <a:bodyPr/>
           <a:lstStyle/>
           <a:p>
-            <a:endParaRPr lang="en-US"/>
+            <a:r>
+              <a:rPr lang="en-US" dirty="0" smtClean="0"/>
+              <a:t>Assign a message number to the nonce</a:t>
+            </a:r>
+          </a:p>
+          <a:p>
+            <a:r>
+              <a:rPr lang="en-US" dirty="0" smtClean="0"/>
+              <a:t>Use the message number to create a unique nonce</a:t>
+            </a:r>
+          </a:p>
+          <a:p>
+            <a:r>
+              <a:rPr lang="en-US" dirty="0" smtClean="0"/>
+              <a:t>Encrypt the nonce with the block cipher to generate the IV</a:t>
+            </a:r>
+          </a:p>
+          <a:p>
+            <a:r>
+              <a:rPr lang="en-US" dirty="0" smtClean="0"/>
+              <a:t>Add enough information to ensure that the receiver can reconstruct the nonce (smaller than random IV)</a:t>
+            </a:r>
+            <a:endParaRPr lang="en-US" dirty="0"/>
           </a:p>
         </p:txBody>
       </p:sp>
+    </p:spTree>
+    <p:extLst>
+      <p:ext uri="{BB962C8B-B14F-4D97-AF65-F5344CB8AC3E}">
+        <p14:creationId xmlns:p14="http://schemas.microsoft.com/office/powerpoint/2010/main" val="2754194939"/>
+      </p:ext>
+    </p:extLst>
+  </p:cSld>
+  <p:clrMapOvr>
+    <a:masterClrMapping/>
+  </p:clrMapOvr>
+  <p:timing>
+    <p:tnLst>
+      <p:par>
+        <p:cTn xmlns:p14="http://schemas.microsoft.com/office/powerpoint/2010/main" id="1" dur="indefinite" restart="never" nodeType="tmRoot"/>
+      </p:par>
+    </p:tnLst>
+  </p:timing>
+</p:sld>
+</file>
+
+<file path=ppt/slides/slide56.xml><?xml version="1.0" encoding="utf-8"?>
+<p:sld xmlns:a="http://schemas.openxmlformats.org/drawingml/2006/main" xmlns:r="http://schemas.openxmlformats.org/officeDocument/2006/relationships" xmlns:p="http://schemas.openxmlformats.org/presentationml/2006/main">
+  <p:cSld>
+    <p:spTree>
+      <p:nvGrpSpPr>
+        <p:cNvPr id="1" name=""/>
+        <p:cNvGrpSpPr/>
+        <p:nvPr/>
+      </p:nvGrpSpPr>
+      <p:grpSpPr>
+        <a:xfrm>
+          <a:off x="0" y="0"/>
+          <a:ext cx="0" cy="0"/>
+          <a:chOff x="0" y="0"/>
+          <a:chExt cx="0" cy="0"/>
+        </a:xfrm>
+      </p:grpSpPr>
+      <p:sp>
+        <p:nvSpPr>
+          <p:cNvPr id="2" name="Content Placeholder 1"/>
+          <p:cNvSpPr>
+            <a:spLocks noGrp="1"/>
+          </p:cNvSpPr>
+          <p:nvPr>
+            <p:ph idx="1"/>
+          </p:nvPr>
+        </p:nvSpPr>
+        <p:spPr/>
+        <p:txBody>
+          <a:bodyPr/>
+          <a:lstStyle/>
+          <a:p>
+            <a:r>
+              <a:rPr lang="en-US" sz="2400" i="1" dirty="0" smtClean="0"/>
+              <a:t>Assumption we’ve been making so far:</a:t>
+            </a:r>
+            <a:br>
+              <a:rPr lang="en-US" sz="2400" i="1" dirty="0" smtClean="0"/>
+            </a:br>
+            <a:r>
+              <a:rPr lang="en-US" sz="2800" dirty="0" smtClean="0"/>
+              <a:t>Alice and Bob shared a secret key in advance.</a:t>
+            </a:r>
+          </a:p>
+          <a:p>
+            <a:r>
+              <a:rPr lang="en-US" sz="2800" b="1" dirty="0" smtClean="0"/>
+              <a:t>Amazing fact:</a:t>
+            </a:r>
+            <a:br>
+              <a:rPr lang="en-US" sz="2800" b="1" dirty="0" smtClean="0"/>
+            </a:br>
+            <a:r>
+              <a:rPr lang="en-US" sz="2800" dirty="0" smtClean="0"/>
+              <a:t>Alice and Bob can have a </a:t>
+            </a:r>
+            <a:r>
+              <a:rPr lang="en-US" sz="2800" u="sng" dirty="0" smtClean="0"/>
+              <a:t>public</a:t>
+            </a:r>
+            <a:r>
+              <a:rPr lang="en-US" sz="2800" dirty="0" smtClean="0"/>
+              <a:t> conversation to derive a shared key</a:t>
+            </a:r>
+            <a:r>
+              <a:rPr lang="en-US" sz="2800" dirty="0"/>
+              <a:t>!</a:t>
+            </a:r>
+            <a:endParaRPr lang="en-US" sz="2800" dirty="0" smtClean="0"/>
+          </a:p>
+        </p:txBody>
+      </p:sp>
+    </p:spTree>
+    <p:extLst>
+      <p:ext uri="{BB962C8B-B14F-4D97-AF65-F5344CB8AC3E}">
+        <p14:creationId xmlns:p14="http://schemas.microsoft.com/office/powerpoint/2010/main" val="2556419233"/>
+      </p:ext>
+    </p:extLst>
+  </p:cSld>
+  <p:clrMapOvr>
+    <a:masterClrMapping/>
+  </p:clrMapOvr>
+  <p:timing>
+    <p:tnLst>
+      <p:par>
+        <p:cTn xmlns:p14="http://schemas.microsoft.com/office/powerpoint/2010/main" id="1" dur="indefinite" restart="never" nodeType="tmRoot"/>
+      </p:par>
+    </p:tnLst>
+  </p:timing>
+</p:sld>
+</file>
+
+<file path=ppt/slides/slide57.xml><?xml version="1.0" encoding="utf-8"?>
+<p:sld xmlns:a="http://schemas.openxmlformats.org/drawingml/2006/main" xmlns:r="http://schemas.openxmlformats.org/officeDocument/2006/relationships" xmlns:p="http://schemas.openxmlformats.org/presentationml/2006/main">
+  <p:cSld>
+    <p:spTree>
+      <p:nvGrpSpPr>
+        <p:cNvPr id="1" name=""/>
+        <p:cNvGrpSpPr/>
+        <p:nvPr/>
+      </p:nvGrpSpPr>
+      <p:grpSpPr>
+        <a:xfrm>
+          <a:off x="0" y="0"/>
+          <a:ext cx="0" cy="0"/>
+          <a:chOff x="0" y="0"/>
+          <a:chExt cx="0" cy="0"/>
+        </a:xfrm>
+      </p:grpSpPr>
     </p:spTree>
     <p:extLst>
       <p:ext uri="{BB962C8B-B14F-4D97-AF65-F5344CB8AC3E}">
@@ -32155,7 +32646,7 @@
 </p:sld>
 </file>
 
-<file path=ppt/slides/slide54.xml><?xml version="1.0" encoding="utf-8"?>
+<file path=ppt/slides/slide58.xml><?xml version="1.0" encoding="utf-8"?>
 <p:sld xmlns:a="http://schemas.openxmlformats.org/drawingml/2006/main" xmlns:r="http://schemas.openxmlformats.org/officeDocument/2006/relationships" xmlns:p="http://schemas.openxmlformats.org/presentationml/2006/main" show="0">
   <p:cSld>
     <p:spTree>
@@ -35188,7 +35679,7 @@
 </p:sld>
 </file>
 
-<file path=ppt/slides/slide55.xml><?xml version="1.0" encoding="utf-8"?>
+<file path=ppt/slides/slide59.xml><?xml version="1.0" encoding="utf-8"?>
 <p:sld xmlns:a="http://schemas.openxmlformats.org/drawingml/2006/main" xmlns:r="http://schemas.openxmlformats.org/officeDocument/2006/relationships" xmlns:p="http://schemas.openxmlformats.org/presentationml/2006/main" show="0">
   <p:cSld>
     <p:spTree>
@@ -35471,7 +35962,624 @@
 </p:sld>
 </file>
 
-<file path=ppt/slides/slide56.xml><?xml version="1.0" encoding="utf-8"?>
+<file path=ppt/slides/slide6.xml><?xml version="1.0" encoding="utf-8"?>
+<p:sld xmlns:a="http://schemas.openxmlformats.org/drawingml/2006/main" xmlns:r="http://schemas.openxmlformats.org/officeDocument/2006/relationships" xmlns:p="http://schemas.openxmlformats.org/presentationml/2006/main">
+  <p:cSld>
+    <p:spTree>
+      <p:nvGrpSpPr>
+        <p:cNvPr id="1" name=""/>
+        <p:cNvGrpSpPr/>
+        <p:nvPr/>
+      </p:nvGrpSpPr>
+      <p:grpSpPr>
+        <a:xfrm>
+          <a:off x="0" y="0"/>
+          <a:ext cx="0" cy="0"/>
+          <a:chOff x="0" y="0"/>
+          <a:chExt cx="0" cy="0"/>
+        </a:xfrm>
+      </p:grpSpPr>
+      <p:sp>
+        <p:nvSpPr>
+          <p:cNvPr id="2" name="Content Placeholder 1"/>
+          <p:cNvSpPr>
+            <a:spLocks noGrp="1"/>
+          </p:cNvSpPr>
+          <p:nvPr>
+            <p:ph idx="1"/>
+          </p:nvPr>
+        </p:nvSpPr>
+        <p:spPr/>
+        <p:txBody>
+          <a:bodyPr>
+            <a:normAutofit fontScale="92500" lnSpcReduction="20000"/>
+          </a:bodyPr>
+          <a:lstStyle/>
+          <a:p>
+            <a:r>
+              <a:rPr lang="en-US" b="1" dirty="0" smtClean="0">
+                <a:solidFill>
+                  <a:schemeClr val="accent1"/>
+                </a:solidFill>
+              </a:rPr>
+              <a:t>Confidentiality</a:t>
+            </a:r>
+            <a:endParaRPr lang="en-US" dirty="0" smtClean="0"/>
+          </a:p>
+          <a:p>
+            <a:pPr>
+              <a:spcBef>
+                <a:spcPts val="600"/>
+              </a:spcBef>
+            </a:pPr>
+            <a:r>
+              <a:rPr lang="en-US" dirty="0" smtClean="0"/>
+              <a:t>Goal: Keep contents of message </a:t>
+            </a:r>
+            <a:r>
+              <a:rPr lang="en-US" b="1" dirty="0" smtClean="0"/>
+              <a:t>p</a:t>
+            </a:r>
+            <a:r>
+              <a:rPr lang="en-US" dirty="0" smtClean="0"/>
+              <a:t> secret from an </a:t>
+            </a:r>
+            <a:r>
+              <a:rPr lang="en-US" i="1" dirty="0" smtClean="0"/>
+              <a:t>eavesdropper</a:t>
+            </a:r>
+          </a:p>
+          <a:p>
+            <a:endParaRPr lang="en-US" b="1" dirty="0" smtClean="0"/>
+          </a:p>
+          <a:p>
+            <a:endParaRPr lang="en-US" b="1" dirty="0" smtClean="0"/>
+          </a:p>
+          <a:p>
+            <a:pPr>
+              <a:spcBef>
+                <a:spcPts val="4200"/>
+              </a:spcBef>
+            </a:pPr>
+            <a:r>
+              <a:rPr lang="en-US" sz="3000" dirty="0" smtClean="0"/>
+              <a:t>Terminology</a:t>
+            </a:r>
+          </a:p>
+          <a:p>
+            <a:pPr lvl="1">
+              <a:buNone/>
+              <a:tabLst>
+                <a:tab pos="1371600" algn="l"/>
+              </a:tabLst>
+            </a:pPr>
+            <a:r>
+              <a:rPr lang="en-US" sz="2600" b="1" dirty="0" smtClean="0"/>
+              <a:t>	p	</a:t>
+            </a:r>
+            <a:r>
+              <a:rPr lang="en-US" sz="2600" dirty="0" smtClean="0"/>
+              <a:t>plaintext</a:t>
+            </a:r>
+            <a:br>
+              <a:rPr lang="en-US" sz="2600" dirty="0" smtClean="0"/>
+            </a:br>
+            <a:r>
+              <a:rPr lang="en-US" sz="2600" b="1" dirty="0" smtClean="0"/>
+              <a:t>c	</a:t>
+            </a:r>
+            <a:r>
+              <a:rPr lang="en-US" sz="2600" dirty="0" smtClean="0"/>
+              <a:t>ciphertext</a:t>
+            </a:r>
+            <a:br>
+              <a:rPr lang="en-US" sz="2600" dirty="0" smtClean="0"/>
+            </a:br>
+            <a:r>
+              <a:rPr lang="en-US" sz="2600" b="1" dirty="0" smtClean="0"/>
+              <a:t>k</a:t>
+            </a:r>
+            <a:r>
+              <a:rPr lang="en-US" sz="2600" dirty="0" smtClean="0"/>
+              <a:t>	secret key</a:t>
+            </a:r>
+            <a:br>
+              <a:rPr lang="en-US" sz="2600" dirty="0" smtClean="0"/>
+            </a:br>
+            <a:r>
+              <a:rPr lang="en-US" sz="2600" b="1" i="1" dirty="0" smtClean="0"/>
+              <a:t>E</a:t>
+            </a:r>
+            <a:r>
+              <a:rPr lang="en-US" sz="2600" b="1" dirty="0" smtClean="0"/>
+              <a:t>	</a:t>
+            </a:r>
+            <a:r>
+              <a:rPr lang="en-US" sz="2600" dirty="0" smtClean="0"/>
+              <a:t>encryption function</a:t>
+            </a:r>
+            <a:br>
+              <a:rPr lang="en-US" sz="2600" dirty="0" smtClean="0"/>
+            </a:br>
+            <a:r>
+              <a:rPr lang="en-US" sz="2600" b="1" i="1" dirty="0" smtClean="0"/>
+              <a:t>D</a:t>
+            </a:r>
+            <a:r>
+              <a:rPr lang="en-US" sz="2600" dirty="0" smtClean="0"/>
+              <a:t>	decryption function</a:t>
+            </a:r>
+            <a:endParaRPr lang="en-US" sz="2600" b="1" i="1" dirty="0" smtClean="0"/>
+          </a:p>
+        </p:txBody>
+      </p:sp>
+      <p:grpSp>
+        <p:nvGrpSpPr>
+          <p:cNvPr id="24" name="Group 23"/>
+          <p:cNvGrpSpPr/>
+          <p:nvPr/>
+        </p:nvGrpSpPr>
+        <p:grpSpPr>
+          <a:xfrm>
+            <a:off x="1288242" y="1674893"/>
+            <a:ext cx="6460233" cy="1068306"/>
+            <a:chOff x="966179" y="2309392"/>
+            <a:chExt cx="4845175" cy="1424408"/>
+          </a:xfrm>
+        </p:grpSpPr>
+        <p:grpSp>
+          <p:nvGrpSpPr>
+            <p:cNvPr id="3" name="Group 2"/>
+            <p:cNvGrpSpPr/>
+            <p:nvPr/>
+          </p:nvGrpSpPr>
+          <p:grpSpPr>
+            <a:xfrm>
+              <a:off x="966179" y="2309392"/>
+              <a:ext cx="4845175" cy="1342311"/>
+              <a:chOff x="1118579" y="4812268"/>
+              <a:chExt cx="4845175" cy="1342311"/>
+            </a:xfrm>
+          </p:grpSpPr>
+          <p:grpSp>
+            <p:nvGrpSpPr>
+              <p:cNvPr id="4" name="Group 3"/>
+              <p:cNvGrpSpPr/>
+              <p:nvPr/>
+            </p:nvGrpSpPr>
+            <p:grpSpPr>
+              <a:xfrm>
+                <a:off x="1118579" y="4876800"/>
+                <a:ext cx="4845175" cy="1277779"/>
+                <a:chOff x="1423379" y="1588532"/>
+                <a:chExt cx="4845175" cy="1277779"/>
+              </a:xfrm>
+            </p:grpSpPr>
+            <p:sp>
+              <p:nvSpPr>
+                <p:cNvPr id="8" name="TextBox 7"/>
+                <p:cNvSpPr txBox="1"/>
+                <p:nvPr/>
+              </p:nvSpPr>
+              <p:spPr>
+                <a:xfrm>
+                  <a:off x="1423379" y="2373869"/>
+                  <a:ext cx="759510" cy="492442"/>
+                </a:xfrm>
+                <a:prstGeom prst="rect">
+                  <a:avLst/>
+                </a:prstGeom>
+                <a:noFill/>
+              </p:spPr>
+              <p:txBody>
+                <a:bodyPr wrap="none" rtlCol="0">
+                  <a:spAutoFit/>
+                </a:bodyPr>
+                <a:lstStyle/>
+                <a:p>
+                  <a:r>
+                    <a:rPr lang="en-US" b="1" dirty="0" smtClean="0"/>
+                    <a:t>c </a:t>
+                  </a:r>
+                  <a:r>
+                    <a:rPr lang="en-US" dirty="0" smtClean="0"/>
+                    <a:t>:= </a:t>
+                  </a:r>
+                  <a:r>
+                    <a:rPr lang="en-US" b="1" i="1" dirty="0" smtClean="0"/>
+                    <a:t>E</a:t>
+                  </a:r>
+                  <a:r>
+                    <a:rPr lang="en-US" b="1" baseline="-25000" dirty="0" smtClean="0"/>
+                    <a:t>k</a:t>
+                  </a:r>
+                  <a:r>
+                    <a:rPr lang="en-US" dirty="0" smtClean="0"/>
+                    <a:t>(</a:t>
+                  </a:r>
+                  <a:r>
+                    <a:rPr lang="en-US" b="1" dirty="0" smtClean="0"/>
+                    <a:t>p</a:t>
+                  </a:r>
+                  <a:r>
+                    <a:rPr lang="en-US" dirty="0" smtClean="0"/>
+                    <a:t>)</a:t>
+                  </a:r>
+                  <a:endParaRPr lang="en-US" dirty="0"/>
+                </a:p>
+              </p:txBody>
+            </p:sp>
+            <p:sp>
+              <p:nvSpPr>
+                <p:cNvPr id="9" name="Rectangle 8"/>
+                <p:cNvSpPr/>
+                <p:nvPr/>
+              </p:nvSpPr>
+              <p:spPr>
+                <a:xfrm>
+                  <a:off x="5471160" y="1588532"/>
+                  <a:ext cx="777240" cy="750276"/>
+                </a:xfrm>
+                <a:prstGeom prst="rect">
+                  <a:avLst/>
+                </a:prstGeom>
+              </p:spPr>
+              <p:style>
+                <a:lnRef idx="2">
+                  <a:schemeClr val="accent1">
+                    <a:shade val="50000"/>
+                  </a:schemeClr>
+                </a:lnRef>
+                <a:fillRef idx="1">
+                  <a:schemeClr val="accent1"/>
+                </a:fillRef>
+                <a:effectRef idx="0">
+                  <a:schemeClr val="accent1"/>
+                </a:effectRef>
+                <a:fontRef idx="minor">
+                  <a:schemeClr val="lt1"/>
+                </a:fontRef>
+              </p:style>
+              <p:txBody>
+                <a:bodyPr rtlCol="0" anchor="ctr"/>
+                <a:lstStyle/>
+                <a:p>
+                  <a:pPr algn="ctr"/>
+                  <a:r>
+                    <a:rPr lang="en-US" dirty="0" smtClean="0"/>
+                    <a:t>Bob</a:t>
+                  </a:r>
+                  <a:endParaRPr lang="en-US" dirty="0"/>
+                </a:p>
+              </p:txBody>
+            </p:sp>
+            <p:cxnSp>
+              <p:nvCxnSpPr>
+                <p:cNvPr id="10" name="Straight Arrow Connector 9"/>
+                <p:cNvCxnSpPr>
+                  <a:stCxn id="13" idx="3"/>
+                  <a:endCxn id="9" idx="1"/>
+                </p:cNvCxnSpPr>
+                <p:nvPr/>
+              </p:nvCxnSpPr>
+              <p:spPr>
+                <a:xfrm>
+                  <a:off x="2286000" y="1963670"/>
+                  <a:ext cx="3185160" cy="1588"/>
+                </a:xfrm>
+                <a:prstGeom prst="straightConnector1">
+                  <a:avLst/>
+                </a:prstGeom>
+                <a:ln w="28575">
+                  <a:tailEnd type="arrow"/>
+                </a:ln>
+              </p:spPr>
+              <p:style>
+                <a:lnRef idx="1">
+                  <a:schemeClr val="dk1"/>
+                </a:lnRef>
+                <a:fillRef idx="0">
+                  <a:schemeClr val="dk1"/>
+                </a:fillRef>
+                <a:effectRef idx="0">
+                  <a:schemeClr val="dk1"/>
+                </a:effectRef>
+                <a:fontRef idx="minor">
+                  <a:schemeClr val="tx1"/>
+                </a:fontRef>
+              </p:style>
+            </p:cxnSp>
+            <p:sp>
+              <p:nvSpPr>
+                <p:cNvPr id="12" name="TextBox 11"/>
+                <p:cNvSpPr txBox="1"/>
+                <p:nvPr/>
+              </p:nvSpPr>
+              <p:spPr>
+                <a:xfrm>
+                  <a:off x="5484361" y="2373868"/>
+                  <a:ext cx="784193" cy="492443"/>
+                </a:xfrm>
+                <a:prstGeom prst="rect">
+                  <a:avLst/>
+                </a:prstGeom>
+                <a:noFill/>
+              </p:spPr>
+              <p:txBody>
+                <a:bodyPr wrap="none" rtlCol="0">
+                  <a:spAutoFit/>
+                </a:bodyPr>
+                <a:lstStyle/>
+                <a:p>
+                  <a:pPr algn="ctr"/>
+                  <a:r>
+                    <a:rPr lang="en-US" b="1" dirty="0" smtClean="0"/>
+                    <a:t>p</a:t>
+                  </a:r>
+                  <a:r>
+                    <a:rPr lang="en-US" dirty="0" smtClean="0"/>
+                    <a:t> := </a:t>
+                  </a:r>
+                  <a:r>
+                    <a:rPr lang="en-US" b="1" i="1" dirty="0" smtClean="0"/>
+                    <a:t>D</a:t>
+                  </a:r>
+                  <a:r>
+                    <a:rPr lang="en-US" b="1" baseline="-25000" dirty="0" smtClean="0"/>
+                    <a:t>k</a:t>
+                  </a:r>
+                  <a:r>
+                    <a:rPr lang="en-US" dirty="0" smtClean="0"/>
+                    <a:t>(</a:t>
+                  </a:r>
+                  <a:r>
+                    <a:rPr lang="en-US" b="1" dirty="0" smtClean="0"/>
+                    <a:t>c</a:t>
+                  </a:r>
+                  <a:r>
+                    <a:rPr lang="en-US" dirty="0" smtClean="0"/>
+                    <a:t>)</a:t>
+                  </a:r>
+                  <a:endParaRPr lang="en-US" dirty="0"/>
+                </a:p>
+              </p:txBody>
+            </p:sp>
+            <p:sp>
+              <p:nvSpPr>
+                <p:cNvPr id="13" name="Rectangle 12"/>
+                <p:cNvSpPr/>
+                <p:nvPr/>
+              </p:nvSpPr>
+              <p:spPr>
+                <a:xfrm>
+                  <a:off x="1524000" y="1588532"/>
+                  <a:ext cx="762000" cy="750276"/>
+                </a:xfrm>
+                <a:prstGeom prst="rect">
+                  <a:avLst/>
+                </a:prstGeom>
+              </p:spPr>
+              <p:style>
+                <a:lnRef idx="2">
+                  <a:schemeClr val="accent1">
+                    <a:shade val="50000"/>
+                  </a:schemeClr>
+                </a:lnRef>
+                <a:fillRef idx="1">
+                  <a:schemeClr val="accent1"/>
+                </a:fillRef>
+                <a:effectRef idx="0">
+                  <a:schemeClr val="accent1"/>
+                </a:effectRef>
+                <a:fontRef idx="minor">
+                  <a:schemeClr val="lt1"/>
+                </a:fontRef>
+              </p:style>
+              <p:txBody>
+                <a:bodyPr rtlCol="0" anchor="ctr"/>
+                <a:lstStyle/>
+                <a:p>
+                  <a:pPr algn="ctr"/>
+                  <a:r>
+                    <a:rPr lang="en-US" dirty="0" smtClean="0"/>
+                    <a:t>Alice</a:t>
+                  </a:r>
+                  <a:endParaRPr lang="en-US" dirty="0"/>
+                </a:p>
+              </p:txBody>
+            </p:sp>
+          </p:grpSp>
+          <p:sp>
+            <p:nvSpPr>
+              <p:cNvPr id="5" name="TextBox 4"/>
+              <p:cNvSpPr txBox="1"/>
+              <p:nvPr/>
+            </p:nvSpPr>
+            <p:spPr>
+              <a:xfrm>
+                <a:off x="1219200" y="4812268"/>
+                <a:ext cx="221596" cy="492443"/>
+              </a:xfrm>
+              <a:prstGeom prst="rect">
+                <a:avLst/>
+              </a:prstGeom>
+              <a:noFill/>
+            </p:spPr>
+            <p:txBody>
+              <a:bodyPr wrap="none" rtlCol="0">
+                <a:spAutoFit/>
+              </a:bodyPr>
+              <a:lstStyle/>
+              <a:p>
+                <a:r>
+                  <a:rPr lang="en-US" b="1" dirty="0" smtClean="0"/>
+                  <a:t>k</a:t>
+                </a:r>
+                <a:endParaRPr lang="en-US" b="1" dirty="0"/>
+              </a:p>
+            </p:txBody>
+          </p:sp>
+          <p:sp>
+            <p:nvSpPr>
+              <p:cNvPr id="6" name="TextBox 5"/>
+              <p:cNvSpPr txBox="1"/>
+              <p:nvPr/>
+            </p:nvSpPr>
+            <p:spPr>
+              <a:xfrm>
+                <a:off x="5648326" y="4812268"/>
+                <a:ext cx="221596" cy="492443"/>
+              </a:xfrm>
+              <a:prstGeom prst="rect">
+                <a:avLst/>
+              </a:prstGeom>
+              <a:noFill/>
+            </p:spPr>
+            <p:txBody>
+              <a:bodyPr wrap="none" rtlCol="0">
+                <a:spAutoFit/>
+              </a:bodyPr>
+              <a:lstStyle/>
+              <a:p>
+                <a:r>
+                  <a:rPr lang="en-US" b="1" dirty="0" smtClean="0"/>
+                  <a:t>k</a:t>
+                </a:r>
+                <a:endParaRPr lang="en-US" b="1" dirty="0"/>
+              </a:p>
+            </p:txBody>
+          </p:sp>
+        </p:grpSp>
+        <p:sp>
+          <p:nvSpPr>
+            <p:cNvPr id="15" name="Rectangle 14"/>
+            <p:cNvSpPr/>
+            <p:nvPr/>
+          </p:nvSpPr>
+          <p:spPr>
+            <a:xfrm>
+              <a:off x="2910840" y="3276601"/>
+              <a:ext cx="1051560" cy="457199"/>
+            </a:xfrm>
+            <a:prstGeom prst="rect">
+              <a:avLst/>
+            </a:prstGeom>
+          </p:spPr>
+          <p:style>
+            <a:lnRef idx="2">
+              <a:schemeClr val="accent2">
+                <a:shade val="50000"/>
+              </a:schemeClr>
+            </a:lnRef>
+            <a:fillRef idx="1">
+              <a:schemeClr val="accent2"/>
+            </a:fillRef>
+            <a:effectRef idx="0">
+              <a:schemeClr val="accent2"/>
+            </a:effectRef>
+            <a:fontRef idx="minor">
+              <a:schemeClr val="lt1"/>
+            </a:fontRef>
+          </p:style>
+          <p:txBody>
+            <a:bodyPr rtlCol="0" anchor="ctr"/>
+            <a:lstStyle/>
+            <a:p>
+              <a:pPr algn="ctr"/>
+              <a:r>
+                <a:rPr lang="en-US" dirty="0" smtClean="0"/>
+                <a:t>Eve</a:t>
+              </a:r>
+              <a:endParaRPr lang="en-US" dirty="0"/>
+            </a:p>
+          </p:txBody>
+        </p:sp>
+        <p:cxnSp>
+          <p:nvCxnSpPr>
+            <p:cNvPr id="19" name="Straight Arrow Connector 18"/>
+            <p:cNvCxnSpPr>
+              <a:endCxn id="15" idx="0"/>
+            </p:cNvCxnSpPr>
+            <p:nvPr/>
+          </p:nvCxnSpPr>
+          <p:spPr>
+            <a:xfrm rot="16200000" flipH="1">
+              <a:off x="3166111" y="3006091"/>
+              <a:ext cx="533399" cy="7620"/>
+            </a:xfrm>
+            <a:prstGeom prst="straightConnector1">
+              <a:avLst/>
+            </a:prstGeom>
+            <a:ln w="28575">
+              <a:tailEnd type="arrow"/>
+            </a:ln>
+          </p:spPr>
+          <p:style>
+            <a:lnRef idx="1">
+              <a:schemeClr val="dk1"/>
+            </a:lnRef>
+            <a:fillRef idx="0">
+              <a:schemeClr val="dk1"/>
+            </a:fillRef>
+            <a:effectRef idx="0">
+              <a:schemeClr val="dk1"/>
+            </a:effectRef>
+            <a:fontRef idx="minor">
+              <a:schemeClr val="tx1"/>
+            </a:fontRef>
+          </p:style>
+        </p:cxnSp>
+        <p:sp>
+          <p:nvSpPr>
+            <p:cNvPr id="23" name="Rectangle 22"/>
+            <p:cNvSpPr/>
+            <p:nvPr/>
+          </p:nvSpPr>
+          <p:spPr>
+            <a:xfrm>
+              <a:off x="2538554" y="2385593"/>
+              <a:ext cx="210944" cy="492443"/>
+            </a:xfrm>
+            <a:prstGeom prst="rect">
+              <a:avLst/>
+            </a:prstGeom>
+          </p:spPr>
+          <p:txBody>
+            <a:bodyPr wrap="none">
+              <a:spAutoFit/>
+            </a:bodyPr>
+            <a:lstStyle/>
+            <a:p>
+              <a:r>
+                <a:rPr lang="en-US" b="1" dirty="0" smtClean="0"/>
+                <a:t>c</a:t>
+              </a:r>
+              <a:endParaRPr lang="en-US" dirty="0"/>
+            </a:p>
+          </p:txBody>
+        </p:sp>
+      </p:grpSp>
+    </p:spTree>
+    <p:extLst>
+      <p:ext uri="{BB962C8B-B14F-4D97-AF65-F5344CB8AC3E}">
+        <p14:creationId xmlns:p14="http://schemas.microsoft.com/office/powerpoint/2010/main" val="792887044"/>
+      </p:ext>
+    </p:extLst>
+  </p:cSld>
+  <p:clrMapOvr>
+    <a:masterClrMapping/>
+  </p:clrMapOvr>
+  <p:timing>
+    <p:tnLst>
+      <p:par>
+        <p:cTn xmlns:p14="http://schemas.microsoft.com/office/powerpoint/2010/main" id="1" dur="indefinite" restart="never" nodeType="tmRoot"/>
+      </p:par>
+    </p:tnLst>
+  </p:timing>
+</p:sld>
+</file>
+
+<file path=ppt/slides/slide60.xml><?xml version="1.0" encoding="utf-8"?>
 <p:sld xmlns:a="http://schemas.openxmlformats.org/drawingml/2006/main" xmlns:r="http://schemas.openxmlformats.org/officeDocument/2006/relationships" xmlns:p="http://schemas.openxmlformats.org/presentationml/2006/main" show="0">
   <p:cSld>
     <p:spTree>
@@ -37056,7 +38164,7 @@
 </p:sld>
 </file>
 
-<file path=ppt/slides/slide57.xml><?xml version="1.0" encoding="utf-8"?>
+<file path=ppt/slides/slide61.xml><?xml version="1.0" encoding="utf-8"?>
 <p:sld xmlns:a="http://schemas.openxmlformats.org/drawingml/2006/main" xmlns:r="http://schemas.openxmlformats.org/officeDocument/2006/relationships" xmlns:p="http://schemas.openxmlformats.org/presentationml/2006/main" show="0">
   <p:cSld>
     <p:spTree>
@@ -37230,623 +38338,6 @@
       <p:transition xmlns:p14="http://schemas.microsoft.com/office/powerpoint/2010/main" spd="slow"/>
     </mc:Fallback>
   </mc:AlternateContent>
-  <p:timing>
-    <p:tnLst>
-      <p:par>
-        <p:cTn xmlns:p14="http://schemas.microsoft.com/office/powerpoint/2010/main" id="1" dur="indefinite" restart="never" nodeType="tmRoot"/>
-      </p:par>
-    </p:tnLst>
-  </p:timing>
-</p:sld>
-</file>
-
-<file path=ppt/slides/slide6.xml><?xml version="1.0" encoding="utf-8"?>
-<p:sld xmlns:a="http://schemas.openxmlformats.org/drawingml/2006/main" xmlns:r="http://schemas.openxmlformats.org/officeDocument/2006/relationships" xmlns:p="http://schemas.openxmlformats.org/presentationml/2006/main">
-  <p:cSld>
-    <p:spTree>
-      <p:nvGrpSpPr>
-        <p:cNvPr id="1" name=""/>
-        <p:cNvGrpSpPr/>
-        <p:nvPr/>
-      </p:nvGrpSpPr>
-      <p:grpSpPr>
-        <a:xfrm>
-          <a:off x="0" y="0"/>
-          <a:ext cx="0" cy="0"/>
-          <a:chOff x="0" y="0"/>
-          <a:chExt cx="0" cy="0"/>
-        </a:xfrm>
-      </p:grpSpPr>
-      <p:sp>
-        <p:nvSpPr>
-          <p:cNvPr id="2" name="Content Placeholder 1"/>
-          <p:cNvSpPr>
-            <a:spLocks noGrp="1"/>
-          </p:cNvSpPr>
-          <p:nvPr>
-            <p:ph idx="1"/>
-          </p:nvPr>
-        </p:nvSpPr>
-        <p:spPr/>
-        <p:txBody>
-          <a:bodyPr>
-            <a:normAutofit fontScale="92500" lnSpcReduction="20000"/>
-          </a:bodyPr>
-          <a:lstStyle/>
-          <a:p>
-            <a:r>
-              <a:rPr lang="en-US" b="1" dirty="0" smtClean="0">
-                <a:solidFill>
-                  <a:schemeClr val="accent1"/>
-                </a:solidFill>
-              </a:rPr>
-              <a:t>Confidentiality</a:t>
-            </a:r>
-            <a:endParaRPr lang="en-US" dirty="0" smtClean="0"/>
-          </a:p>
-          <a:p>
-            <a:pPr>
-              <a:spcBef>
-                <a:spcPts val="600"/>
-              </a:spcBef>
-            </a:pPr>
-            <a:r>
-              <a:rPr lang="en-US" dirty="0" smtClean="0"/>
-              <a:t>Goal: Keep contents of message </a:t>
-            </a:r>
-            <a:r>
-              <a:rPr lang="en-US" b="1" dirty="0" smtClean="0"/>
-              <a:t>p</a:t>
-            </a:r>
-            <a:r>
-              <a:rPr lang="en-US" dirty="0" smtClean="0"/>
-              <a:t> secret from an </a:t>
-            </a:r>
-            <a:r>
-              <a:rPr lang="en-US" i="1" dirty="0" smtClean="0"/>
-              <a:t>eavesdropper</a:t>
-            </a:r>
-          </a:p>
-          <a:p>
-            <a:endParaRPr lang="en-US" b="1" dirty="0" smtClean="0"/>
-          </a:p>
-          <a:p>
-            <a:endParaRPr lang="en-US" b="1" dirty="0" smtClean="0"/>
-          </a:p>
-          <a:p>
-            <a:pPr>
-              <a:spcBef>
-                <a:spcPts val="4200"/>
-              </a:spcBef>
-            </a:pPr>
-            <a:r>
-              <a:rPr lang="en-US" sz="3000" dirty="0" smtClean="0"/>
-              <a:t>Terminology</a:t>
-            </a:r>
-          </a:p>
-          <a:p>
-            <a:pPr lvl="1">
-              <a:buNone/>
-              <a:tabLst>
-                <a:tab pos="1371600" algn="l"/>
-              </a:tabLst>
-            </a:pPr>
-            <a:r>
-              <a:rPr lang="en-US" sz="2600" b="1" dirty="0" smtClean="0"/>
-              <a:t>	p	</a:t>
-            </a:r>
-            <a:r>
-              <a:rPr lang="en-US" sz="2600" dirty="0" smtClean="0"/>
-              <a:t>plaintext</a:t>
-            </a:r>
-            <a:br>
-              <a:rPr lang="en-US" sz="2600" dirty="0" smtClean="0"/>
-            </a:br>
-            <a:r>
-              <a:rPr lang="en-US" sz="2600" b="1" dirty="0" smtClean="0"/>
-              <a:t>c	</a:t>
-            </a:r>
-            <a:r>
-              <a:rPr lang="en-US" sz="2600" dirty="0" smtClean="0"/>
-              <a:t>ciphertext</a:t>
-            </a:r>
-            <a:br>
-              <a:rPr lang="en-US" sz="2600" dirty="0" smtClean="0"/>
-            </a:br>
-            <a:r>
-              <a:rPr lang="en-US" sz="2600" b="1" dirty="0" smtClean="0"/>
-              <a:t>k</a:t>
-            </a:r>
-            <a:r>
-              <a:rPr lang="en-US" sz="2600" dirty="0" smtClean="0"/>
-              <a:t>	secret key</a:t>
-            </a:r>
-            <a:br>
-              <a:rPr lang="en-US" sz="2600" dirty="0" smtClean="0"/>
-            </a:br>
-            <a:r>
-              <a:rPr lang="en-US" sz="2600" b="1" i="1" dirty="0" smtClean="0"/>
-              <a:t>E</a:t>
-            </a:r>
-            <a:r>
-              <a:rPr lang="en-US" sz="2600" b="1" dirty="0" smtClean="0"/>
-              <a:t>	</a:t>
-            </a:r>
-            <a:r>
-              <a:rPr lang="en-US" sz="2600" dirty="0" smtClean="0"/>
-              <a:t>encryption function</a:t>
-            </a:r>
-            <a:br>
-              <a:rPr lang="en-US" sz="2600" dirty="0" smtClean="0"/>
-            </a:br>
-            <a:r>
-              <a:rPr lang="en-US" sz="2600" b="1" i="1" dirty="0" smtClean="0"/>
-              <a:t>D</a:t>
-            </a:r>
-            <a:r>
-              <a:rPr lang="en-US" sz="2600" dirty="0" smtClean="0"/>
-              <a:t>	decryption function</a:t>
-            </a:r>
-            <a:endParaRPr lang="en-US" sz="2600" b="1" i="1" dirty="0" smtClean="0"/>
-          </a:p>
-        </p:txBody>
-      </p:sp>
-      <p:grpSp>
-        <p:nvGrpSpPr>
-          <p:cNvPr id="24" name="Group 23"/>
-          <p:cNvGrpSpPr/>
-          <p:nvPr/>
-        </p:nvGrpSpPr>
-        <p:grpSpPr>
-          <a:xfrm>
-            <a:off x="1288242" y="1674893"/>
-            <a:ext cx="6460233" cy="1068306"/>
-            <a:chOff x="966179" y="2309392"/>
-            <a:chExt cx="4845175" cy="1424408"/>
-          </a:xfrm>
-        </p:grpSpPr>
-        <p:grpSp>
-          <p:nvGrpSpPr>
-            <p:cNvPr id="3" name="Group 2"/>
-            <p:cNvGrpSpPr/>
-            <p:nvPr/>
-          </p:nvGrpSpPr>
-          <p:grpSpPr>
-            <a:xfrm>
-              <a:off x="966179" y="2309392"/>
-              <a:ext cx="4845175" cy="1342311"/>
-              <a:chOff x="1118579" y="4812268"/>
-              <a:chExt cx="4845175" cy="1342311"/>
-            </a:xfrm>
-          </p:grpSpPr>
-          <p:grpSp>
-            <p:nvGrpSpPr>
-              <p:cNvPr id="4" name="Group 3"/>
-              <p:cNvGrpSpPr/>
-              <p:nvPr/>
-            </p:nvGrpSpPr>
-            <p:grpSpPr>
-              <a:xfrm>
-                <a:off x="1118579" y="4876800"/>
-                <a:ext cx="4845175" cy="1277779"/>
-                <a:chOff x="1423379" y="1588532"/>
-                <a:chExt cx="4845175" cy="1277779"/>
-              </a:xfrm>
-            </p:grpSpPr>
-            <p:sp>
-              <p:nvSpPr>
-                <p:cNvPr id="8" name="TextBox 7"/>
-                <p:cNvSpPr txBox="1"/>
-                <p:nvPr/>
-              </p:nvSpPr>
-              <p:spPr>
-                <a:xfrm>
-                  <a:off x="1423379" y="2373869"/>
-                  <a:ext cx="759510" cy="492442"/>
-                </a:xfrm>
-                <a:prstGeom prst="rect">
-                  <a:avLst/>
-                </a:prstGeom>
-                <a:noFill/>
-              </p:spPr>
-              <p:txBody>
-                <a:bodyPr wrap="none" rtlCol="0">
-                  <a:spAutoFit/>
-                </a:bodyPr>
-                <a:lstStyle/>
-                <a:p>
-                  <a:r>
-                    <a:rPr lang="en-US" b="1" dirty="0" smtClean="0"/>
-                    <a:t>c </a:t>
-                  </a:r>
-                  <a:r>
-                    <a:rPr lang="en-US" dirty="0" smtClean="0"/>
-                    <a:t>:= </a:t>
-                  </a:r>
-                  <a:r>
-                    <a:rPr lang="en-US" b="1" i="1" dirty="0" smtClean="0"/>
-                    <a:t>E</a:t>
-                  </a:r>
-                  <a:r>
-                    <a:rPr lang="en-US" b="1" baseline="-25000" dirty="0" smtClean="0"/>
-                    <a:t>k</a:t>
-                  </a:r>
-                  <a:r>
-                    <a:rPr lang="en-US" dirty="0" smtClean="0"/>
-                    <a:t>(</a:t>
-                  </a:r>
-                  <a:r>
-                    <a:rPr lang="en-US" b="1" dirty="0" smtClean="0"/>
-                    <a:t>p</a:t>
-                  </a:r>
-                  <a:r>
-                    <a:rPr lang="en-US" dirty="0" smtClean="0"/>
-                    <a:t>)</a:t>
-                  </a:r>
-                  <a:endParaRPr lang="en-US" dirty="0"/>
-                </a:p>
-              </p:txBody>
-            </p:sp>
-            <p:sp>
-              <p:nvSpPr>
-                <p:cNvPr id="9" name="Rectangle 8"/>
-                <p:cNvSpPr/>
-                <p:nvPr/>
-              </p:nvSpPr>
-              <p:spPr>
-                <a:xfrm>
-                  <a:off x="5471160" y="1588532"/>
-                  <a:ext cx="777240" cy="750276"/>
-                </a:xfrm>
-                <a:prstGeom prst="rect">
-                  <a:avLst/>
-                </a:prstGeom>
-              </p:spPr>
-              <p:style>
-                <a:lnRef idx="2">
-                  <a:schemeClr val="accent1">
-                    <a:shade val="50000"/>
-                  </a:schemeClr>
-                </a:lnRef>
-                <a:fillRef idx="1">
-                  <a:schemeClr val="accent1"/>
-                </a:fillRef>
-                <a:effectRef idx="0">
-                  <a:schemeClr val="accent1"/>
-                </a:effectRef>
-                <a:fontRef idx="minor">
-                  <a:schemeClr val="lt1"/>
-                </a:fontRef>
-              </p:style>
-              <p:txBody>
-                <a:bodyPr rtlCol="0" anchor="ctr"/>
-                <a:lstStyle/>
-                <a:p>
-                  <a:pPr algn="ctr"/>
-                  <a:r>
-                    <a:rPr lang="en-US" dirty="0" smtClean="0"/>
-                    <a:t>Bob</a:t>
-                  </a:r>
-                  <a:endParaRPr lang="en-US" dirty="0"/>
-                </a:p>
-              </p:txBody>
-            </p:sp>
-            <p:cxnSp>
-              <p:nvCxnSpPr>
-                <p:cNvPr id="10" name="Straight Arrow Connector 9"/>
-                <p:cNvCxnSpPr>
-                  <a:stCxn id="13" idx="3"/>
-                  <a:endCxn id="9" idx="1"/>
-                </p:cNvCxnSpPr>
-                <p:nvPr/>
-              </p:nvCxnSpPr>
-              <p:spPr>
-                <a:xfrm>
-                  <a:off x="2286000" y="1963670"/>
-                  <a:ext cx="3185160" cy="1588"/>
-                </a:xfrm>
-                <a:prstGeom prst="straightConnector1">
-                  <a:avLst/>
-                </a:prstGeom>
-                <a:ln w="28575">
-                  <a:tailEnd type="arrow"/>
-                </a:ln>
-              </p:spPr>
-              <p:style>
-                <a:lnRef idx="1">
-                  <a:schemeClr val="dk1"/>
-                </a:lnRef>
-                <a:fillRef idx="0">
-                  <a:schemeClr val="dk1"/>
-                </a:fillRef>
-                <a:effectRef idx="0">
-                  <a:schemeClr val="dk1"/>
-                </a:effectRef>
-                <a:fontRef idx="minor">
-                  <a:schemeClr val="tx1"/>
-                </a:fontRef>
-              </p:style>
-            </p:cxnSp>
-            <p:sp>
-              <p:nvSpPr>
-                <p:cNvPr id="12" name="TextBox 11"/>
-                <p:cNvSpPr txBox="1"/>
-                <p:nvPr/>
-              </p:nvSpPr>
-              <p:spPr>
-                <a:xfrm>
-                  <a:off x="5484361" y="2373868"/>
-                  <a:ext cx="784193" cy="492443"/>
-                </a:xfrm>
-                <a:prstGeom prst="rect">
-                  <a:avLst/>
-                </a:prstGeom>
-                <a:noFill/>
-              </p:spPr>
-              <p:txBody>
-                <a:bodyPr wrap="none" rtlCol="0">
-                  <a:spAutoFit/>
-                </a:bodyPr>
-                <a:lstStyle/>
-                <a:p>
-                  <a:pPr algn="ctr"/>
-                  <a:r>
-                    <a:rPr lang="en-US" b="1" dirty="0" smtClean="0"/>
-                    <a:t>p</a:t>
-                  </a:r>
-                  <a:r>
-                    <a:rPr lang="en-US" dirty="0" smtClean="0"/>
-                    <a:t> := </a:t>
-                  </a:r>
-                  <a:r>
-                    <a:rPr lang="en-US" b="1" i="1" dirty="0" smtClean="0"/>
-                    <a:t>D</a:t>
-                  </a:r>
-                  <a:r>
-                    <a:rPr lang="en-US" b="1" baseline="-25000" dirty="0" smtClean="0"/>
-                    <a:t>k</a:t>
-                  </a:r>
-                  <a:r>
-                    <a:rPr lang="en-US" dirty="0" smtClean="0"/>
-                    <a:t>(</a:t>
-                  </a:r>
-                  <a:r>
-                    <a:rPr lang="en-US" b="1" dirty="0" smtClean="0"/>
-                    <a:t>c</a:t>
-                  </a:r>
-                  <a:r>
-                    <a:rPr lang="en-US" dirty="0" smtClean="0"/>
-                    <a:t>)</a:t>
-                  </a:r>
-                  <a:endParaRPr lang="en-US" dirty="0"/>
-                </a:p>
-              </p:txBody>
-            </p:sp>
-            <p:sp>
-              <p:nvSpPr>
-                <p:cNvPr id="13" name="Rectangle 12"/>
-                <p:cNvSpPr/>
-                <p:nvPr/>
-              </p:nvSpPr>
-              <p:spPr>
-                <a:xfrm>
-                  <a:off x="1524000" y="1588532"/>
-                  <a:ext cx="762000" cy="750276"/>
-                </a:xfrm>
-                <a:prstGeom prst="rect">
-                  <a:avLst/>
-                </a:prstGeom>
-              </p:spPr>
-              <p:style>
-                <a:lnRef idx="2">
-                  <a:schemeClr val="accent1">
-                    <a:shade val="50000"/>
-                  </a:schemeClr>
-                </a:lnRef>
-                <a:fillRef idx="1">
-                  <a:schemeClr val="accent1"/>
-                </a:fillRef>
-                <a:effectRef idx="0">
-                  <a:schemeClr val="accent1"/>
-                </a:effectRef>
-                <a:fontRef idx="minor">
-                  <a:schemeClr val="lt1"/>
-                </a:fontRef>
-              </p:style>
-              <p:txBody>
-                <a:bodyPr rtlCol="0" anchor="ctr"/>
-                <a:lstStyle/>
-                <a:p>
-                  <a:pPr algn="ctr"/>
-                  <a:r>
-                    <a:rPr lang="en-US" dirty="0" smtClean="0"/>
-                    <a:t>Alice</a:t>
-                  </a:r>
-                  <a:endParaRPr lang="en-US" dirty="0"/>
-                </a:p>
-              </p:txBody>
-            </p:sp>
-          </p:grpSp>
-          <p:sp>
-            <p:nvSpPr>
-              <p:cNvPr id="5" name="TextBox 4"/>
-              <p:cNvSpPr txBox="1"/>
-              <p:nvPr/>
-            </p:nvSpPr>
-            <p:spPr>
-              <a:xfrm>
-                <a:off x="1219200" y="4812268"/>
-                <a:ext cx="221596" cy="492443"/>
-              </a:xfrm>
-              <a:prstGeom prst="rect">
-                <a:avLst/>
-              </a:prstGeom>
-              <a:noFill/>
-            </p:spPr>
-            <p:txBody>
-              <a:bodyPr wrap="none" rtlCol="0">
-                <a:spAutoFit/>
-              </a:bodyPr>
-              <a:lstStyle/>
-              <a:p>
-                <a:r>
-                  <a:rPr lang="en-US" b="1" dirty="0" smtClean="0"/>
-                  <a:t>k</a:t>
-                </a:r>
-                <a:endParaRPr lang="en-US" b="1" dirty="0"/>
-              </a:p>
-            </p:txBody>
-          </p:sp>
-          <p:sp>
-            <p:nvSpPr>
-              <p:cNvPr id="6" name="TextBox 5"/>
-              <p:cNvSpPr txBox="1"/>
-              <p:nvPr/>
-            </p:nvSpPr>
-            <p:spPr>
-              <a:xfrm>
-                <a:off x="5648326" y="4812268"/>
-                <a:ext cx="221596" cy="492443"/>
-              </a:xfrm>
-              <a:prstGeom prst="rect">
-                <a:avLst/>
-              </a:prstGeom>
-              <a:noFill/>
-            </p:spPr>
-            <p:txBody>
-              <a:bodyPr wrap="none" rtlCol="0">
-                <a:spAutoFit/>
-              </a:bodyPr>
-              <a:lstStyle/>
-              <a:p>
-                <a:r>
-                  <a:rPr lang="en-US" b="1" dirty="0" smtClean="0"/>
-                  <a:t>k</a:t>
-                </a:r>
-                <a:endParaRPr lang="en-US" b="1" dirty="0"/>
-              </a:p>
-            </p:txBody>
-          </p:sp>
-        </p:grpSp>
-        <p:sp>
-          <p:nvSpPr>
-            <p:cNvPr id="15" name="Rectangle 14"/>
-            <p:cNvSpPr/>
-            <p:nvPr/>
-          </p:nvSpPr>
-          <p:spPr>
-            <a:xfrm>
-              <a:off x="2910840" y="3276601"/>
-              <a:ext cx="1051560" cy="457199"/>
-            </a:xfrm>
-            <a:prstGeom prst="rect">
-              <a:avLst/>
-            </a:prstGeom>
-          </p:spPr>
-          <p:style>
-            <a:lnRef idx="2">
-              <a:schemeClr val="accent2">
-                <a:shade val="50000"/>
-              </a:schemeClr>
-            </a:lnRef>
-            <a:fillRef idx="1">
-              <a:schemeClr val="accent2"/>
-            </a:fillRef>
-            <a:effectRef idx="0">
-              <a:schemeClr val="accent2"/>
-            </a:effectRef>
-            <a:fontRef idx="minor">
-              <a:schemeClr val="lt1"/>
-            </a:fontRef>
-          </p:style>
-          <p:txBody>
-            <a:bodyPr rtlCol="0" anchor="ctr"/>
-            <a:lstStyle/>
-            <a:p>
-              <a:pPr algn="ctr"/>
-              <a:r>
-                <a:rPr lang="en-US" dirty="0" smtClean="0"/>
-                <a:t>Eve</a:t>
-              </a:r>
-              <a:endParaRPr lang="en-US" dirty="0"/>
-            </a:p>
-          </p:txBody>
-        </p:sp>
-        <p:cxnSp>
-          <p:nvCxnSpPr>
-            <p:cNvPr id="19" name="Straight Arrow Connector 18"/>
-            <p:cNvCxnSpPr>
-              <a:endCxn id="15" idx="0"/>
-            </p:cNvCxnSpPr>
-            <p:nvPr/>
-          </p:nvCxnSpPr>
-          <p:spPr>
-            <a:xfrm rot="16200000" flipH="1">
-              <a:off x="3166111" y="3006091"/>
-              <a:ext cx="533399" cy="7620"/>
-            </a:xfrm>
-            <a:prstGeom prst="straightConnector1">
-              <a:avLst/>
-            </a:prstGeom>
-            <a:ln w="28575">
-              <a:tailEnd type="arrow"/>
-            </a:ln>
-          </p:spPr>
-          <p:style>
-            <a:lnRef idx="1">
-              <a:schemeClr val="dk1"/>
-            </a:lnRef>
-            <a:fillRef idx="0">
-              <a:schemeClr val="dk1"/>
-            </a:fillRef>
-            <a:effectRef idx="0">
-              <a:schemeClr val="dk1"/>
-            </a:effectRef>
-            <a:fontRef idx="minor">
-              <a:schemeClr val="tx1"/>
-            </a:fontRef>
-          </p:style>
-        </p:cxnSp>
-        <p:sp>
-          <p:nvSpPr>
-            <p:cNvPr id="23" name="Rectangle 22"/>
-            <p:cNvSpPr/>
-            <p:nvPr/>
-          </p:nvSpPr>
-          <p:spPr>
-            <a:xfrm>
-              <a:off x="2538554" y="2385593"/>
-              <a:ext cx="210944" cy="492443"/>
-            </a:xfrm>
-            <a:prstGeom prst="rect">
-              <a:avLst/>
-            </a:prstGeom>
-          </p:spPr>
-          <p:txBody>
-            <a:bodyPr wrap="none">
-              <a:spAutoFit/>
-            </a:bodyPr>
-            <a:lstStyle/>
-            <a:p>
-              <a:r>
-                <a:rPr lang="en-US" b="1" dirty="0" smtClean="0"/>
-                <a:t>c</a:t>
-              </a:r>
-              <a:endParaRPr lang="en-US" dirty="0"/>
-            </a:p>
-          </p:txBody>
-        </p:sp>
-      </p:grpSp>
-    </p:spTree>
-    <p:extLst>
-      <p:ext uri="{BB962C8B-B14F-4D97-AF65-F5344CB8AC3E}">
-        <p14:creationId xmlns:p14="http://schemas.microsoft.com/office/powerpoint/2010/main" val="792887044"/>
-      </p:ext>
-    </p:extLst>
-  </p:cSld>
-  <p:clrMapOvr>
-    <a:masterClrMapping/>
-  </p:clrMapOvr>
   <p:timing>
     <p:tnLst>
       <p:par>
